--- a/数据结构PPT/ds1.pptx
+++ b/数据结构PPT/ds1.pptx
@@ -376,6 +376,12 @@
           <c:dLbls>
             <c:dLbl>
               <c:idx val="0"/>
+              <c:layout>
+                <c:manualLayout>
+                  <c:x val="-0.18659994568504734"/>
+                  <c:y val="5.8930662796726256E-2"/>
+                </c:manualLayout>
+              </c:layout>
               <c:tx>
                 <c:rich>
                   <a:bodyPr rot="0" spcFirstLastPara="1" vertOverflow="ellipsis" vert="horz" wrap="square" lIns="38100" tIns="19050" rIns="38100" bIns="19050" anchor="ctr" anchorCtr="1">
@@ -453,7 +459,7 @@
                   <a:endParaRPr lang="zh-CN"/>
                 </a:p>
               </c:txPr>
-              <c:dLblPos val="inEnd"/>
+              <c:dLblPos val="bestFit"/>
               <c:showLegendKey val="0"/>
               <c:showVal val="1"/>
               <c:showCatName val="0"/>
@@ -2760,10 +2766,10 @@
           <a:lstStyle/>
           <a:p>
             <a:r>
-              <a:rPr lang="zh-CN" altLang="en-US"/>
+              <a:rPr lang="zh-CN" altLang="en-US" dirty="0"/>
               <a:t>意义：数据结构是计算机科学与技术专业、计算机信息管理与应用专业，电子商务等专业的基础课，是十分重要的核心课程。所有的计算机系统软件和应用软件都要用到各种类型的数据结构。因此，要想更好地运用计算机来解决实际问题，仅掌握几种计算机程序设计语言是难以应付当前众多复杂的课题。要想有效地使用计算机、充分发挥计算机的性能，还必须学习和掌握好数据结构的有关知识。打好“数据结构”这门课程的扎实基础，对于学习计算机专业的其他课程，如操作系统、数据库管理系统、软件工程、编译原理、人工智能、图视学等都是十分有益的。</a:t>
             </a:r>
-            <a:endParaRPr lang="en-US" altLang="zh-CN"/>
+            <a:endParaRPr lang="en-US" altLang="zh-CN" dirty="0"/>
           </a:p>
           <a:p>
             <a:r>
@@ -7441,7 +7447,7 @@
         <p:spPr bwMode="auto">
           <a:xfrm>
             <a:off x="2006601" y="5085185"/>
-            <a:ext cx="8263801" cy="1070101"/>
+            <a:ext cx="8494633" cy="1070101"/>
           </a:xfrm>
           <a:prstGeom prst="rect">
             <a:avLst/>
@@ -7584,7 +7590,7 @@
                 <a:latin typeface="Times New Roman" pitchFamily="18" charset="0"/>
                 <a:ea typeface="华文中宋" pitchFamily="2" charset="-122"/>
               </a:rPr>
-              <a:t>的一门学科。</a:t>
+              <a:t>等的一门学科。</a:t>
             </a:r>
             <a:endParaRPr kumimoji="1" lang="zh-CN" altLang="en-US" sz="2400" b="1" dirty="0">
               <a:latin typeface="Times New Roman" pitchFamily="18" charset="0"/>
@@ -11844,7 +11850,7 @@
           <a:graphicData uri="http://schemas.openxmlformats.org/presentationml/2006/ole">
             <mc:AlternateContent xmlns:mc="http://schemas.openxmlformats.org/markup-compatibility/2006">
               <mc:Choice xmlns:v="urn:schemas-microsoft-com:vml" Requires="v">
-                <p:oleObj spid="_x0000_s1056" name="Visio" r:id="rId4" imgW="2627620" imgH="4228081" progId="Visio.Drawing.11">
+                <p:oleObj spid="_x0000_s1060" name="Visio" r:id="rId4" imgW="2627620" imgH="4228081" progId="Visio.Drawing.11">
                   <p:embed/>
                 </p:oleObj>
               </mc:Choice>
@@ -13420,8 +13426,8 @@
         </p:nvSpPr>
         <p:spPr>
           <a:xfrm>
-            <a:off x="1775520" y="1124744"/>
-            <a:ext cx="6048672" cy="5262979"/>
+            <a:off x="1991544" y="1196752"/>
+            <a:ext cx="6048672" cy="5016758"/>
           </a:xfrm>
           <a:prstGeom prst="rect">
             <a:avLst/>
@@ -13435,123 +13441,75 @@
           <a:lstStyle/>
           <a:p>
             <a:r>
-              <a:rPr lang="zh-CN" altLang="en-US" sz="2800" dirty="0"/>
+              <a:rPr lang="zh-CN" altLang="en-US" sz="4000" dirty="0"/>
               <a:t>上课要求</a:t>
             </a:r>
-            <a:endParaRPr lang="en-US" altLang="zh-CN" sz="2800" dirty="0"/>
-          </a:p>
-          <a:p>
-            <a:r>
-              <a:rPr lang="zh-CN" altLang="en-US" sz="2800" dirty="0"/>
+            <a:endParaRPr lang="en-US" altLang="zh-CN" sz="4000" dirty="0"/>
+          </a:p>
+          <a:p>
+            <a:r>
+              <a:rPr lang="zh-CN" altLang="en-US" sz="4000" dirty="0"/>
               <a:t>课程介绍</a:t>
             </a:r>
-            <a:endParaRPr lang="en-US" altLang="zh-CN" sz="2800" dirty="0"/>
-          </a:p>
-          <a:p>
-            <a:r>
-              <a:rPr lang="zh-CN" altLang="en-US" sz="2800" dirty="0"/>
-              <a:t>关于考试</a:t>
-            </a:r>
-            <a:endParaRPr lang="en-US" altLang="zh-CN" sz="2800" dirty="0"/>
-          </a:p>
-          <a:p>
-            <a:r>
-              <a:rPr lang="en-US" altLang="zh-CN" sz="2800" dirty="0"/>
+            <a:endParaRPr lang="en-US" altLang="zh-CN" sz="4000" dirty="0"/>
+          </a:p>
+          <a:p>
+            <a:r>
+              <a:rPr lang="en-US" altLang="zh-CN" sz="4000" dirty="0"/>
               <a:t>C</a:t>
             </a:r>
             <a:r>
-              <a:rPr lang="zh-CN" altLang="en-US" sz="2800" dirty="0"/>
+              <a:rPr lang="zh-CN" altLang="en-US" sz="4000" dirty="0"/>
               <a:t>语言储备知识</a:t>
             </a:r>
-            <a:endParaRPr lang="en-US" altLang="zh-CN" sz="2800" dirty="0"/>
-          </a:p>
-          <a:p>
-            <a:r>
-              <a:rPr lang="en-US" altLang="zh-CN" sz="2800" dirty="0"/>
+            <a:endParaRPr lang="en-US" altLang="zh-CN" sz="4000" dirty="0"/>
+          </a:p>
+          <a:p>
+            <a:r>
+              <a:rPr lang="en-US" altLang="zh-CN" sz="4000" dirty="0"/>
               <a:t>       </a:t>
             </a:r>
             <a:r>
-              <a:rPr lang="zh-CN" altLang="en-US" sz="2800" dirty="0"/>
+              <a:rPr lang="zh-CN" altLang="en-US" sz="4000" dirty="0"/>
               <a:t>数据类型</a:t>
             </a:r>
-            <a:endParaRPr lang="en-US" altLang="zh-CN" sz="2800" dirty="0"/>
-          </a:p>
-          <a:p>
-            <a:r>
-              <a:rPr lang="en-US" altLang="zh-CN" sz="2800" dirty="0"/>
+            <a:endParaRPr lang="en-US" altLang="zh-CN" sz="4000" dirty="0"/>
+          </a:p>
+          <a:p>
+            <a:r>
+              <a:rPr lang="en-US" altLang="zh-CN" sz="4000" dirty="0"/>
               <a:t>       </a:t>
             </a:r>
             <a:r>
-              <a:rPr lang="zh-CN" altLang="en-US" sz="2800" dirty="0"/>
-              <a:t>数组</a:t>
-            </a:r>
-            <a:endParaRPr lang="en-US" altLang="zh-CN" sz="2800" dirty="0"/>
-          </a:p>
-          <a:p>
-            <a:r>
-              <a:rPr lang="en-US" altLang="zh-CN" sz="2800" dirty="0"/>
+              <a:rPr lang="zh-CN" altLang="en-US" sz="4000" dirty="0"/>
+              <a:t>数组和指针</a:t>
+            </a:r>
+            <a:endParaRPr lang="en-US" altLang="zh-CN" sz="4000" dirty="0"/>
+          </a:p>
+          <a:p>
+            <a:r>
+              <a:rPr lang="zh-CN" altLang="en-US" sz="4000" dirty="0"/>
+              <a:t>       引用与函数调用</a:t>
+            </a:r>
+            <a:endParaRPr lang="en-US" altLang="zh-CN" sz="4000" dirty="0"/>
+          </a:p>
+          <a:p>
+            <a:r>
+              <a:rPr lang="zh-CN" altLang="en-US" sz="4000" dirty="0"/>
+              <a:t>       结构体</a:t>
+            </a:r>
+            <a:endParaRPr lang="en-US" altLang="zh-CN" sz="4000" dirty="0"/>
+          </a:p>
+          <a:p>
+            <a:r>
+              <a:rPr lang="en-US" altLang="zh-CN" sz="4000" dirty="0"/>
               <a:t>       </a:t>
             </a:r>
             <a:r>
-              <a:rPr lang="zh-CN" altLang="en-US" sz="2800" dirty="0"/>
-              <a:t>函数</a:t>
-            </a:r>
-            <a:endParaRPr lang="en-US" altLang="zh-CN" sz="2800" dirty="0"/>
-          </a:p>
-          <a:p>
-            <a:r>
-              <a:rPr lang="en-US" altLang="zh-CN" sz="2800" dirty="0"/>
-              <a:t>       </a:t>
-            </a:r>
-            <a:r>
-              <a:rPr lang="zh-CN" altLang="en-US" sz="2800" dirty="0"/>
-              <a:t>函数调用</a:t>
-            </a:r>
-            <a:endParaRPr lang="en-US" altLang="zh-CN" sz="2800" dirty="0"/>
-          </a:p>
-          <a:p>
-            <a:r>
-              <a:rPr lang="en-US" altLang="zh-CN" sz="2800" dirty="0"/>
-              <a:t>       </a:t>
-            </a:r>
-            <a:r>
-              <a:rPr lang="zh-CN" altLang="en-US" sz="2800" dirty="0"/>
-              <a:t>指针</a:t>
-            </a:r>
-            <a:endParaRPr lang="en-US" altLang="zh-CN" sz="2800" dirty="0"/>
-          </a:p>
-          <a:p>
-            <a:r>
-              <a:rPr lang="en-US" altLang="zh-CN" sz="2800" dirty="0"/>
-              <a:t>       </a:t>
-            </a:r>
-            <a:r>
-              <a:rPr lang="zh-CN" altLang="en-US" sz="2800" dirty="0"/>
-              <a:t>结构体</a:t>
-            </a:r>
-            <a:endParaRPr lang="en-US" altLang="zh-CN" sz="2800" dirty="0"/>
-          </a:p>
-          <a:p>
-            <a:r>
-              <a:rPr lang="en-US" altLang="zh-CN" sz="2800" dirty="0"/>
-              <a:t>       </a:t>
-            </a:r>
-            <a:r>
-              <a:rPr lang="zh-CN" altLang="en-US" sz="2800" dirty="0"/>
-              <a:t>引用</a:t>
-            </a:r>
-            <a:endParaRPr lang="en-US" altLang="zh-CN" sz="2800" dirty="0"/>
-          </a:p>
-          <a:p>
-            <a:r>
-              <a:rPr lang="en-US" altLang="zh-CN" sz="2800" dirty="0"/>
-              <a:t>       </a:t>
-            </a:r>
-            <a:r>
-              <a:rPr lang="zh-CN" altLang="en-US" sz="2800" dirty="0"/>
+              <a:rPr lang="zh-CN" altLang="en-US" sz="4000" dirty="0"/>
               <a:t>动态内存分配</a:t>
             </a:r>
-            <a:endParaRPr lang="en-US" altLang="zh-CN" sz="2800" dirty="0"/>
+            <a:endParaRPr lang="en-US" altLang="zh-CN" sz="4000" dirty="0"/>
           </a:p>
         </p:txBody>
       </p:sp>
@@ -18376,23 +18334,7 @@
             </a:pPr>
             <a:r>
               <a:rPr lang="en-US" altLang="zh-CN" sz="2400" dirty="0"/>
-              <a:t>       </a:t>
-            </a:r>
-            <a:r>
-              <a:rPr lang="en-US" altLang="zh-CN" sz="2400" dirty="0" err="1"/>
-              <a:t>typedef</a:t>
-            </a:r>
-            <a:r>
-              <a:rPr lang="en-US" altLang="zh-CN" sz="2400" dirty="0"/>
-              <a:t>  </a:t>
-            </a:r>
-            <a:r>
-              <a:rPr lang="en-US" altLang="zh-CN" sz="2400" dirty="0" err="1"/>
-              <a:t>int</a:t>
-            </a:r>
-            <a:r>
-              <a:rPr lang="en-US" altLang="zh-CN" sz="2400" dirty="0"/>
-              <a:t>   </a:t>
+              <a:t>       typedef  int   </a:t>
             </a:r>
             <a:r>
               <a:rPr lang="en-US" altLang="zh-CN" sz="2400" dirty="0" err="1"/>
@@ -18404,7 +18346,7 @@
             </a:r>
             <a:r>
               <a:rPr lang="zh-CN" altLang="en-US" sz="2400" dirty="0"/>
-              <a:t>整形元组</a:t>
+              <a:t>整型元组</a:t>
             </a:r>
             <a:endParaRPr lang="en-US" altLang="zh-CN" sz="2400" dirty="0"/>
           </a:p>
@@ -30422,7 +30364,7 @@
             <a:graphicData uri="http://schemas.openxmlformats.org/presentationml/2006/ole">
               <mc:AlternateContent xmlns:mc="http://schemas.openxmlformats.org/markup-compatibility/2006">
                 <mc:Choice xmlns:v="urn:schemas-microsoft-com:vml" Requires="v">
-                  <p:oleObj spid="_x0000_s51231" name="公式" r:id="rId4" imgW="977760" imgH="393480" progId="Equation.3">
+                  <p:oleObj spid="_x0000_s51235" name="公式" r:id="rId4" imgW="977760" imgH="393480" progId="Equation.3">
                     <p:embed/>
                   </p:oleObj>
                 </mc:Choice>
@@ -35345,7 +35287,7 @@
           <a:graphicData uri="http://schemas.openxmlformats.org/presentationml/2006/ole">
             <mc:AlternateContent xmlns:mc="http://schemas.openxmlformats.org/markup-compatibility/2006">
               <mc:Choice xmlns:v="urn:schemas-microsoft-com:vml" Requires="v">
-                <p:oleObj spid="_x0000_s26655" name="VISIO" r:id="rId3" imgW="2374560" imgH="1721160" progId="Visio.Drawing.11">
+                <p:oleObj spid="_x0000_s26659" name="VISIO" r:id="rId3" imgW="2374560" imgH="1721160" progId="Visio.Drawing.11">
                   <p:embed/>
                 </p:oleObj>
               </mc:Choice>
@@ -43151,13 +43093,13 @@
           <p:nvPr>
             <p:extLst>
               <p:ext uri="{D42A27DB-BD31-4B8C-83A1-F6EECF244321}">
-                <p14:modId xmlns:p14="http://schemas.microsoft.com/office/powerpoint/2010/main" val="3476143558"/>
+                <p14:modId xmlns:p14="http://schemas.microsoft.com/office/powerpoint/2010/main" val="3561869824"/>
               </p:ext>
             </p:extLst>
           </p:nvPr>
         </p:nvGraphicFramePr>
         <p:xfrm>
-          <a:off x="4655840" y="2780928"/>
+          <a:off x="4583832" y="2780928"/>
           <a:ext cx="6480720" cy="3456384"/>
         </p:xfrm>
         <a:graphic>
@@ -47529,7 +47471,7 @@
           <a:lstStyle/>
           <a:p>
             <a:r>
-              <a:rPr kumimoji="1" lang="zh-CN" altLang="en-US" sz="2400" b="1">
+              <a:rPr kumimoji="1" lang="zh-CN" altLang="en-US" sz="2400" b="1" dirty="0">
                 <a:latin typeface="Times New Roman" pitchFamily="18" charset="0"/>
                 <a:ea typeface="华文中宋" pitchFamily="2" charset="-122"/>
               </a:rPr>
@@ -47570,7 +47512,7 @@
           <a:lstStyle/>
           <a:p>
             <a:r>
-              <a:rPr kumimoji="1" lang="zh-CN" altLang="en-US" sz="2400" b="1">
+              <a:rPr kumimoji="1" lang="zh-CN" altLang="en-US" sz="2400" b="1" dirty="0">
                 <a:latin typeface="Times New Roman" pitchFamily="18" charset="0"/>
                 <a:ea typeface="华文中宋" pitchFamily="2" charset="-122"/>
               </a:rPr>
@@ -47611,7 +47553,7 @@
           <a:lstStyle/>
           <a:p>
             <a:r>
-              <a:rPr kumimoji="1" lang="zh-CN" altLang="en-US" sz="2400" b="1">
+              <a:rPr kumimoji="1" lang="zh-CN" altLang="en-US" sz="2400" b="1" dirty="0">
                 <a:latin typeface="Times New Roman" pitchFamily="18" charset="0"/>
                 <a:ea typeface="华文中宋" pitchFamily="2" charset="-122"/>
               </a:rPr>

--- a/数据结构PPT/ds1.pptx
+++ b/数据结构PPT/ds1.pptx
@@ -1442,7 +1442,7 @@
             <a:fld id="{FF1472F5-E874-45EB-9D70-82D26FE8604A}" type="datetimeFigureOut">
               <a:rPr lang="zh-CN" altLang="en-US" smtClean="0"/>
               <a:pPr/>
-              <a:t>2018/9/10</a:t>
+              <a:t>2018/9/11</a:t>
             </a:fld>
             <a:endParaRPr lang="zh-CN" altLang="en-US"/>
           </a:p>
@@ -3941,7 +3941,7 @@
             <a:fld id="{5B10405B-49E5-45A4-9C14-FD9DF38AD015}" type="datetimeFigureOut">
               <a:rPr lang="zh-CN" altLang="en-US" smtClean="0"/>
               <a:pPr/>
-              <a:t>2018/9/10</a:t>
+              <a:t>2018/9/11</a:t>
             </a:fld>
             <a:endParaRPr lang="zh-CN" altLang="en-US"/>
           </a:p>
@@ -4106,7 +4106,7 @@
             <a:fld id="{5B10405B-49E5-45A4-9C14-FD9DF38AD015}" type="datetimeFigureOut">
               <a:rPr lang="zh-CN" altLang="en-US" smtClean="0"/>
               <a:pPr/>
-              <a:t>2018/9/10</a:t>
+              <a:t>2018/9/11</a:t>
             </a:fld>
             <a:endParaRPr lang="zh-CN" altLang="en-US"/>
           </a:p>
@@ -4281,7 +4281,7 @@
             <a:fld id="{5B10405B-49E5-45A4-9C14-FD9DF38AD015}" type="datetimeFigureOut">
               <a:rPr lang="zh-CN" altLang="en-US" smtClean="0"/>
               <a:pPr/>
-              <a:t>2018/9/10</a:t>
+              <a:t>2018/9/11</a:t>
             </a:fld>
             <a:endParaRPr lang="zh-CN" altLang="en-US"/>
           </a:p>
@@ -4446,7 +4446,7 @@
             <a:fld id="{5B10405B-49E5-45A4-9C14-FD9DF38AD015}" type="datetimeFigureOut">
               <a:rPr lang="zh-CN" altLang="en-US" smtClean="0"/>
               <a:pPr/>
-              <a:t>2018/9/10</a:t>
+              <a:t>2018/9/11</a:t>
             </a:fld>
             <a:endParaRPr lang="zh-CN" altLang="en-US"/>
           </a:p>
@@ -4688,7 +4688,7 @@
             <a:fld id="{5B10405B-49E5-45A4-9C14-FD9DF38AD015}" type="datetimeFigureOut">
               <a:rPr lang="zh-CN" altLang="en-US" smtClean="0"/>
               <a:pPr/>
-              <a:t>2018/9/10</a:t>
+              <a:t>2018/9/11</a:t>
             </a:fld>
             <a:endParaRPr lang="zh-CN" altLang="en-US"/>
           </a:p>
@@ -4970,7 +4970,7 @@
             <a:fld id="{5B10405B-49E5-45A4-9C14-FD9DF38AD015}" type="datetimeFigureOut">
               <a:rPr lang="zh-CN" altLang="en-US" smtClean="0"/>
               <a:pPr/>
-              <a:t>2018/9/10</a:t>
+              <a:t>2018/9/11</a:t>
             </a:fld>
             <a:endParaRPr lang="zh-CN" altLang="en-US"/>
           </a:p>
@@ -5386,7 +5386,7 @@
             <a:fld id="{5B10405B-49E5-45A4-9C14-FD9DF38AD015}" type="datetimeFigureOut">
               <a:rPr lang="zh-CN" altLang="en-US" smtClean="0"/>
               <a:pPr/>
-              <a:t>2018/9/10</a:t>
+              <a:t>2018/9/11</a:t>
             </a:fld>
             <a:endParaRPr lang="zh-CN" altLang="en-US"/>
           </a:p>
@@ -5500,7 +5500,7 @@
             <a:fld id="{5B10405B-49E5-45A4-9C14-FD9DF38AD015}" type="datetimeFigureOut">
               <a:rPr lang="zh-CN" altLang="en-US" smtClean="0"/>
               <a:pPr/>
-              <a:t>2018/9/10</a:t>
+              <a:t>2018/9/11</a:t>
             </a:fld>
             <a:endParaRPr lang="zh-CN" altLang="en-US"/>
           </a:p>
@@ -5592,7 +5592,7 @@
             <a:fld id="{5B10405B-49E5-45A4-9C14-FD9DF38AD015}" type="datetimeFigureOut">
               <a:rPr lang="zh-CN" altLang="en-US" smtClean="0"/>
               <a:pPr/>
-              <a:t>2018/9/10</a:t>
+              <a:t>2018/9/11</a:t>
             </a:fld>
             <a:endParaRPr lang="zh-CN" altLang="en-US"/>
           </a:p>
@@ -5864,7 +5864,7 @@
             <a:fld id="{5B10405B-49E5-45A4-9C14-FD9DF38AD015}" type="datetimeFigureOut">
               <a:rPr lang="zh-CN" altLang="en-US" smtClean="0"/>
               <a:pPr/>
-              <a:t>2018/9/10</a:t>
+              <a:t>2018/9/11</a:t>
             </a:fld>
             <a:endParaRPr lang="zh-CN" altLang="en-US"/>
           </a:p>
@@ -6113,7 +6113,7 @@
             <a:fld id="{5B10405B-49E5-45A4-9C14-FD9DF38AD015}" type="datetimeFigureOut">
               <a:rPr lang="zh-CN" altLang="en-US" smtClean="0"/>
               <a:pPr/>
-              <a:t>2018/9/10</a:t>
+              <a:t>2018/9/11</a:t>
             </a:fld>
             <a:endParaRPr lang="zh-CN" altLang="en-US"/>
           </a:p>
@@ -6321,7 +6321,7 @@
             <a:fld id="{5B10405B-49E5-45A4-9C14-FD9DF38AD015}" type="datetimeFigureOut">
               <a:rPr lang="zh-CN" altLang="en-US" smtClean="0"/>
               <a:pPr/>
-              <a:t>2018/9/10</a:t>
+              <a:t>2018/9/11</a:t>
             </a:fld>
             <a:endParaRPr lang="zh-CN" altLang="en-US"/>
           </a:p>
@@ -7583,6 +7583,16 @@
               <a:t>操作</a:t>
             </a:r>
             <a:r>
+              <a:rPr kumimoji="1" lang="zh-CN" altLang="en-US" sz="2400" b="1">
+                <a:solidFill>
+                  <a:srgbClr val="000000"/>
+                </a:solidFill>
+                <a:latin typeface="Times New Roman" pitchFamily="18" charset="0"/>
+                <a:ea typeface="华文中宋" pitchFamily="2" charset="-122"/>
+              </a:rPr>
+              <a:t>等的学科</a:t>
+            </a:r>
+            <a:r>
               <a:rPr kumimoji="1" lang="zh-CN" altLang="en-US" sz="2400" b="1" dirty="0">
                 <a:solidFill>
                   <a:srgbClr val="000000"/>
@@ -7590,7 +7600,7 @@
                 <a:latin typeface="Times New Roman" pitchFamily="18" charset="0"/>
                 <a:ea typeface="华文中宋" pitchFamily="2" charset="-122"/>
               </a:rPr>
-              <a:t>等的一门学科。</a:t>
+              <a:t>。</a:t>
             </a:r>
             <a:endParaRPr kumimoji="1" lang="zh-CN" altLang="en-US" sz="2400" b="1" dirty="0">
               <a:latin typeface="Times New Roman" pitchFamily="18" charset="0"/>
@@ -11850,7 +11860,7 @@
           <a:graphicData uri="http://schemas.openxmlformats.org/presentationml/2006/ole">
             <mc:AlternateContent xmlns:mc="http://schemas.openxmlformats.org/markup-compatibility/2006">
               <mc:Choice xmlns:v="urn:schemas-microsoft-com:vml" Requires="v">
-                <p:oleObj spid="_x0000_s1060" name="Visio" r:id="rId4" imgW="2627620" imgH="4228081" progId="Visio.Drawing.11">
+                <p:oleObj spid="_x0000_s1061" name="Visio" r:id="rId4" imgW="2627620" imgH="4228081" progId="Visio.Drawing.11">
                   <p:embed/>
                 </p:oleObj>
               </mc:Choice>
@@ -30364,7 +30374,7 @@
             <a:graphicData uri="http://schemas.openxmlformats.org/presentationml/2006/ole">
               <mc:AlternateContent xmlns:mc="http://schemas.openxmlformats.org/markup-compatibility/2006">
                 <mc:Choice xmlns:v="urn:schemas-microsoft-com:vml" Requires="v">
-                  <p:oleObj spid="_x0000_s51235" name="公式" r:id="rId4" imgW="977760" imgH="393480" progId="Equation.3">
+                  <p:oleObj spid="_x0000_s51236" name="公式" r:id="rId4" imgW="977760" imgH="393480" progId="Equation.3">
                     <p:embed/>
                   </p:oleObj>
                 </mc:Choice>
@@ -35287,7 +35297,7 @@
           <a:graphicData uri="http://schemas.openxmlformats.org/presentationml/2006/ole">
             <mc:AlternateContent xmlns:mc="http://schemas.openxmlformats.org/markup-compatibility/2006">
               <mc:Choice xmlns:v="urn:schemas-microsoft-com:vml" Requires="v">
-                <p:oleObj spid="_x0000_s26659" name="VISIO" r:id="rId3" imgW="2374560" imgH="1721160" progId="Visio.Drawing.11">
+                <p:oleObj spid="_x0000_s26660" name="VISIO" r:id="rId3" imgW="2374560" imgH="1721160" progId="Visio.Drawing.11">
                   <p:embed/>
                 </p:oleObj>
               </mc:Choice>

--- a/数据结构PPT/ds1.pptx
+++ b/数据结构PPT/ds1.pptx
@@ -5,7 +5,7 @@
     <p:sldMasterId id="2147483660" r:id="rId1"/>
   </p:sldMasterIdLst>
   <p:notesMasterIdLst>
-    <p:notesMasterId r:id="rId50"/>
+    <p:notesMasterId r:id="rId51"/>
   </p:notesMasterIdLst>
   <p:sldIdLst>
     <p:sldId id="268" r:id="rId2"/>
@@ -50,12 +50,13 @@
     <p:sldId id="322" r:id="rId41"/>
     <p:sldId id="301" r:id="rId42"/>
     <p:sldId id="302" r:id="rId43"/>
-    <p:sldId id="312" r:id="rId44"/>
-    <p:sldId id="313" r:id="rId45"/>
-    <p:sldId id="314" r:id="rId46"/>
-    <p:sldId id="310" r:id="rId47"/>
-    <p:sldId id="303" r:id="rId48"/>
-    <p:sldId id="304" r:id="rId49"/>
+    <p:sldId id="325" r:id="rId44"/>
+    <p:sldId id="312" r:id="rId45"/>
+    <p:sldId id="313" r:id="rId46"/>
+    <p:sldId id="314" r:id="rId47"/>
+    <p:sldId id="310" r:id="rId48"/>
+    <p:sldId id="303" r:id="rId49"/>
+    <p:sldId id="304" r:id="rId50"/>
   </p:sldIdLst>
   <p:sldSz cx="12192000" cy="6858000"/>
   <p:notesSz cx="6858000" cy="9144000"/>
@@ -1442,7 +1443,7 @@
             <a:fld id="{FF1472F5-E874-45EB-9D70-82D26FE8604A}" type="datetimeFigureOut">
               <a:rPr lang="zh-CN" altLang="en-US" smtClean="0"/>
               <a:pPr/>
-              <a:t>2018/9/11</a:t>
+              <a:t>2018/9/13</a:t>
             </a:fld>
             <a:endParaRPr lang="zh-CN" altLang="en-US"/>
           </a:p>
@@ -2000,7 +2001,15 @@
           <a:lstStyle/>
           <a:p>
             <a:pPr marL="228600" indent="-228600"/>
-            <a:endParaRPr lang="zh-CN" altLang="zh-CN" sz="1000"/>
+            <a:r>
+              <a:rPr lang="zh-CN" altLang="en-US" sz="1000"/>
+              <a:t>所有的表都代表是数据，每个</a:t>
+            </a:r>
+            <a:r>
+              <a:rPr lang="zh-CN" altLang="en-US" sz="1000" dirty="0"/>
+              <a:t>表代表一个数据对象，每一行代表数据元素，每行中的一个词，代表一个数据项</a:t>
+            </a:r>
+            <a:endParaRPr lang="zh-CN" altLang="zh-CN" sz="1000" dirty="0"/>
           </a:p>
         </p:txBody>
       </p:sp>
@@ -2401,7 +2410,7 @@
             <a:fld id="{A2385DF6-6F1B-4120-B908-BA59AB1334B4}" type="slidenum">
               <a:rPr lang="en-US" altLang="zh-CN"/>
               <a:pPr/>
-              <a:t>43</a:t>
+              <a:t>44</a:t>
             </a:fld>
             <a:endParaRPr lang="en-US" altLang="zh-CN"/>
           </a:p>
@@ -2489,7 +2498,7 @@
             <a:fld id="{38F89829-6F89-475B-958B-FFEDC90A076C}" type="slidenum">
               <a:rPr lang="en-US" altLang="zh-CN"/>
               <a:pPr/>
-              <a:t>44</a:t>
+              <a:t>45</a:t>
             </a:fld>
             <a:endParaRPr lang="en-US" altLang="zh-CN"/>
           </a:p>
@@ -2577,7 +2586,7 @@
             <a:fld id="{9ABF0A9D-A942-4C77-A4F4-E4C5FCA6BE4F}" type="slidenum">
               <a:rPr lang="en-US" altLang="zh-CN"/>
               <a:pPr/>
-              <a:t>45</a:t>
+              <a:t>46</a:t>
             </a:fld>
             <a:endParaRPr lang="en-US" altLang="zh-CN"/>
           </a:p>
@@ -2665,7 +2674,7 @@
             <a:fld id="{DA10DDB5-BF32-4E3D-9ED2-5A02B880345A}" type="slidenum">
               <a:rPr lang="en-US" altLang="zh-CN"/>
               <a:pPr/>
-              <a:t>46</a:t>
+              <a:t>47</a:t>
             </a:fld>
             <a:endParaRPr lang="en-US" altLang="zh-CN"/>
           </a:p>
@@ -3941,7 +3950,7 @@
             <a:fld id="{5B10405B-49E5-45A4-9C14-FD9DF38AD015}" type="datetimeFigureOut">
               <a:rPr lang="zh-CN" altLang="en-US" smtClean="0"/>
               <a:pPr/>
-              <a:t>2018/9/11</a:t>
+              <a:t>2018/9/13</a:t>
             </a:fld>
             <a:endParaRPr lang="zh-CN" altLang="en-US"/>
           </a:p>
@@ -4106,7 +4115,7 @@
             <a:fld id="{5B10405B-49E5-45A4-9C14-FD9DF38AD015}" type="datetimeFigureOut">
               <a:rPr lang="zh-CN" altLang="en-US" smtClean="0"/>
               <a:pPr/>
-              <a:t>2018/9/11</a:t>
+              <a:t>2018/9/13</a:t>
             </a:fld>
             <a:endParaRPr lang="zh-CN" altLang="en-US"/>
           </a:p>
@@ -4281,7 +4290,7 @@
             <a:fld id="{5B10405B-49E5-45A4-9C14-FD9DF38AD015}" type="datetimeFigureOut">
               <a:rPr lang="zh-CN" altLang="en-US" smtClean="0"/>
               <a:pPr/>
-              <a:t>2018/9/11</a:t>
+              <a:t>2018/9/13</a:t>
             </a:fld>
             <a:endParaRPr lang="zh-CN" altLang="en-US"/>
           </a:p>
@@ -4446,7 +4455,7 @@
             <a:fld id="{5B10405B-49E5-45A4-9C14-FD9DF38AD015}" type="datetimeFigureOut">
               <a:rPr lang="zh-CN" altLang="en-US" smtClean="0"/>
               <a:pPr/>
-              <a:t>2018/9/11</a:t>
+              <a:t>2018/9/13</a:t>
             </a:fld>
             <a:endParaRPr lang="zh-CN" altLang="en-US"/>
           </a:p>
@@ -4688,7 +4697,7 @@
             <a:fld id="{5B10405B-49E5-45A4-9C14-FD9DF38AD015}" type="datetimeFigureOut">
               <a:rPr lang="zh-CN" altLang="en-US" smtClean="0"/>
               <a:pPr/>
-              <a:t>2018/9/11</a:t>
+              <a:t>2018/9/13</a:t>
             </a:fld>
             <a:endParaRPr lang="zh-CN" altLang="en-US"/>
           </a:p>
@@ -4970,7 +4979,7 @@
             <a:fld id="{5B10405B-49E5-45A4-9C14-FD9DF38AD015}" type="datetimeFigureOut">
               <a:rPr lang="zh-CN" altLang="en-US" smtClean="0"/>
               <a:pPr/>
-              <a:t>2018/9/11</a:t>
+              <a:t>2018/9/13</a:t>
             </a:fld>
             <a:endParaRPr lang="zh-CN" altLang="en-US"/>
           </a:p>
@@ -5386,7 +5395,7 @@
             <a:fld id="{5B10405B-49E5-45A4-9C14-FD9DF38AD015}" type="datetimeFigureOut">
               <a:rPr lang="zh-CN" altLang="en-US" smtClean="0"/>
               <a:pPr/>
-              <a:t>2018/9/11</a:t>
+              <a:t>2018/9/13</a:t>
             </a:fld>
             <a:endParaRPr lang="zh-CN" altLang="en-US"/>
           </a:p>
@@ -5500,7 +5509,7 @@
             <a:fld id="{5B10405B-49E5-45A4-9C14-FD9DF38AD015}" type="datetimeFigureOut">
               <a:rPr lang="zh-CN" altLang="en-US" smtClean="0"/>
               <a:pPr/>
-              <a:t>2018/9/11</a:t>
+              <a:t>2018/9/13</a:t>
             </a:fld>
             <a:endParaRPr lang="zh-CN" altLang="en-US"/>
           </a:p>
@@ -5592,7 +5601,7 @@
             <a:fld id="{5B10405B-49E5-45A4-9C14-FD9DF38AD015}" type="datetimeFigureOut">
               <a:rPr lang="zh-CN" altLang="en-US" smtClean="0"/>
               <a:pPr/>
-              <a:t>2018/9/11</a:t>
+              <a:t>2018/9/13</a:t>
             </a:fld>
             <a:endParaRPr lang="zh-CN" altLang="en-US"/>
           </a:p>
@@ -5864,7 +5873,7 @@
             <a:fld id="{5B10405B-49E5-45A4-9C14-FD9DF38AD015}" type="datetimeFigureOut">
               <a:rPr lang="zh-CN" altLang="en-US" smtClean="0"/>
               <a:pPr/>
-              <a:t>2018/9/11</a:t>
+              <a:t>2018/9/13</a:t>
             </a:fld>
             <a:endParaRPr lang="zh-CN" altLang="en-US"/>
           </a:p>
@@ -6113,7 +6122,7 @@
             <a:fld id="{5B10405B-49E5-45A4-9C14-FD9DF38AD015}" type="datetimeFigureOut">
               <a:rPr lang="zh-CN" altLang="en-US" smtClean="0"/>
               <a:pPr/>
-              <a:t>2018/9/11</a:t>
+              <a:t>2018/9/13</a:t>
             </a:fld>
             <a:endParaRPr lang="zh-CN" altLang="en-US"/>
           </a:p>
@@ -6321,7 +6330,7 @@
             <a:fld id="{5B10405B-49E5-45A4-9C14-FD9DF38AD015}" type="datetimeFigureOut">
               <a:rPr lang="zh-CN" altLang="en-US" smtClean="0"/>
               <a:pPr/>
-              <a:t>2018/9/11</a:t>
+              <a:t>2018/9/13</a:t>
             </a:fld>
             <a:endParaRPr lang="zh-CN" altLang="en-US"/>
           </a:p>
@@ -11860,7 +11869,7 @@
           <a:graphicData uri="http://schemas.openxmlformats.org/presentationml/2006/ole">
             <mc:AlternateContent xmlns:mc="http://schemas.openxmlformats.org/markup-compatibility/2006">
               <mc:Choice xmlns:v="urn:schemas-microsoft-com:vml" Requires="v">
-                <p:oleObj spid="_x0000_s1061" name="Visio" r:id="rId4" imgW="2627620" imgH="4228081" progId="Visio.Drawing.11">
+                <p:oleObj spid="_x0000_s1077" name="Visio" r:id="rId4" imgW="2627620" imgH="4228081" progId="Visio.Drawing.11">
                   <p:embed/>
                 </p:oleObj>
               </mc:Choice>
@@ -16079,7 +16088,7 @@
         </p:nvSpPr>
         <p:spPr>
           <a:xfrm>
-            <a:off x="1981200" y="476251"/>
+            <a:off x="1271464" y="427657"/>
             <a:ext cx="8091488" cy="3554413"/>
           </a:xfrm>
         </p:spPr>
@@ -16091,7 +16100,7 @@
               <a:buNone/>
             </a:pPr>
             <a:r>
-              <a:rPr lang="zh-CN" altLang="en-US" sz="2400" b="1">
+              <a:rPr lang="zh-CN" altLang="en-US" sz="2400" b="1" dirty="0">
                 <a:solidFill>
                   <a:srgbClr val="0000FF"/>
                 </a:solidFill>
@@ -16101,7 +16110,7 @@
               <a:t>抽象数据类型 </a:t>
             </a:r>
             <a:r>
-              <a:rPr lang="en-US" altLang="zh-CN" sz="2400" b="1">
+              <a:rPr lang="en-US" altLang="zh-CN" sz="2400" b="1" dirty="0">
                 <a:solidFill>
                   <a:srgbClr val="0000FF"/>
                 </a:solidFill>
@@ -16120,7 +16129,7 @@
               <a:buChar char="q"/>
             </a:pPr>
             <a:r>
-              <a:rPr lang="zh-CN" altLang="en-US" sz="2400" b="1"/>
+              <a:rPr lang="zh-CN" altLang="en-US" sz="2400" b="1" dirty="0"/>
               <a:t>含义</a:t>
             </a:r>
           </a:p>
@@ -16136,7 +16145,7 @@
         </p:nvGrpSpPr>
         <p:grpSpPr bwMode="auto">
           <a:xfrm>
-            <a:off x="2351088" y="2349500"/>
+            <a:off x="1775441" y="2276872"/>
             <a:ext cx="3600450" cy="2109788"/>
             <a:chOff x="567" y="1480"/>
             <a:chExt cx="2268" cy="1329"/>
@@ -16324,7 +16333,7 @@
         </p:nvGrpSpPr>
         <p:grpSpPr bwMode="auto">
           <a:xfrm>
-            <a:off x="6311900" y="2349500"/>
+            <a:off x="5736253" y="2276872"/>
             <a:ext cx="3600450" cy="2109788"/>
             <a:chOff x="567" y="1480"/>
             <a:chExt cx="2268" cy="1329"/>
@@ -16521,7 +16530,7 @@
         </p:nvGrpSpPr>
         <p:grpSpPr bwMode="auto">
           <a:xfrm>
-            <a:off x="2351088" y="4581525"/>
+            <a:off x="1775441" y="4580508"/>
             <a:ext cx="4608512" cy="2109788"/>
             <a:chOff x="567" y="1480"/>
             <a:chExt cx="2268" cy="1329"/>
@@ -16754,7 +16763,7 @@
         </p:nvGrpSpPr>
         <p:grpSpPr bwMode="auto">
           <a:xfrm>
-            <a:off x="7248526" y="4581525"/>
+            <a:off x="6672879" y="4508897"/>
             <a:ext cx="2663825" cy="2109788"/>
             <a:chOff x="567" y="1480"/>
             <a:chExt cx="2268" cy="1329"/>
@@ -16933,8 +16942,8 @@
         </p:nvSpPr>
         <p:spPr bwMode="auto">
           <a:xfrm>
-            <a:off x="2098676" y="1310532"/>
-            <a:ext cx="8569325" cy="830997"/>
+            <a:off x="947428" y="1270710"/>
+            <a:ext cx="10981220" cy="954107"/>
           </a:xfrm>
           <a:prstGeom prst="rect">
             <a:avLst/>
@@ -16949,37 +16958,99 @@
           <a:effectLst/>
         </p:spPr>
         <p:txBody>
-          <a:bodyPr>
+          <a:bodyPr wrap="square">
             <a:spAutoFit/>
           </a:bodyPr>
           <a:lstStyle/>
           <a:p>
             <a:r>
+              <a:rPr kumimoji="1" lang="en-US" altLang="zh-CN" sz="2400" b="1" dirty="0">
+                <a:latin typeface="Times New Roman" pitchFamily="18" charset="0"/>
+                <a:ea typeface="华文新魏" pitchFamily="2" charset="-122"/>
+              </a:rPr>
+              <a:t>	</a:t>
+            </a:r>
+            <a:r>
+              <a:rPr kumimoji="1" lang="zh-CN" altLang="en-US" sz="2800" b="1" dirty="0">
+                <a:latin typeface="Times New Roman" pitchFamily="18" charset="0"/>
+                <a:ea typeface="华文新魏" pitchFamily="2" charset="-122"/>
+              </a:rPr>
+              <a:t>是指一个数学模型以及定义在该模型上的一组操作。是数据对象，数据关系和基本操作的规格说明。</a:t>
+            </a:r>
+            <a:endParaRPr kumimoji="1" lang="zh-CN" altLang="en-US" sz="2400" b="1" dirty="0">
+              <a:latin typeface="Times New Roman" pitchFamily="18" charset="0"/>
+              <a:ea typeface="华文新魏" pitchFamily="2" charset="-122"/>
+            </a:endParaRPr>
+          </a:p>
+        </p:txBody>
+      </p:sp>
+      <p:sp>
+        <p:nvSpPr>
+          <p:cNvPr id="7" name="对话气泡: 圆角矩形 6">
+            <a:extLst>
+              <a:ext uri="{FF2B5EF4-FFF2-40B4-BE49-F238E27FC236}">
+                <a16:creationId xmlns:a16="http://schemas.microsoft.com/office/drawing/2014/main" id="{268B86D1-6EA6-45F7-9045-DBF8F94B9448}"/>
+              </a:ext>
+            </a:extLst>
+          </p:cNvPr>
+          <p:cNvSpPr/>
+          <p:nvPr/>
+        </p:nvSpPr>
+        <p:spPr>
+          <a:xfrm>
+            <a:off x="9876420" y="2395253"/>
+            <a:ext cx="2088232" cy="1873026"/>
+          </a:xfrm>
+          <a:prstGeom prst="wedgeRoundRectCallout">
+            <a:avLst>
+              <a:gd name="adj1" fmla="val -54195"/>
+              <a:gd name="adj2" fmla="val 62965"/>
+              <a:gd name="adj3" fmla="val 16667"/>
+            </a:avLst>
+          </a:prstGeom>
+          <a:noFill/>
+          <a:ln>
+            <a:solidFill>
+              <a:schemeClr val="tx1"/>
+            </a:solidFill>
+          </a:ln>
+        </p:spPr>
+        <p:style>
+          <a:lnRef idx="2">
+            <a:schemeClr val="accent1">
+              <a:shade val="50000"/>
+            </a:schemeClr>
+          </a:lnRef>
+          <a:fillRef idx="1">
+            <a:schemeClr val="accent1"/>
+          </a:fillRef>
+          <a:effectRef idx="0">
+            <a:schemeClr val="accent1"/>
+          </a:effectRef>
+          <a:fontRef idx="minor">
+            <a:schemeClr val="lt1"/>
+          </a:fontRef>
+        </p:style>
+        <p:txBody>
+          <a:bodyPr rtlCol="0" anchor="ctr"/>
+          <a:lstStyle/>
+          <a:p>
+            <a:pPr lvl="0"/>
+            <a:r>
               <a:rPr kumimoji="1" lang="zh-CN" altLang="en-US" sz="2400" b="1" dirty="0">
                 <a:solidFill>
-                  <a:srgbClr val="0000FF"/>
+                  <a:prstClr val="black"/>
                 </a:solidFill>
                 <a:latin typeface="Times New Roman" pitchFamily="18" charset="0"/>
-                <a:ea typeface="华文中宋" pitchFamily="2" charset="-122"/>
-              </a:rPr>
-              <a:t>         </a:t>
-            </a:r>
-            <a:r>
-              <a:rPr kumimoji="1" lang="zh-CN" altLang="en-US" sz="2400" b="1" dirty="0">
-                <a:latin typeface="Times New Roman" pitchFamily="18" charset="0"/>
                 <a:ea typeface="华文新魏" pitchFamily="2" charset="-122"/>
               </a:rPr>
-              <a:t>一种数据类型，其数据对象和对象操作的规格说明独 </a:t>
-            </a:r>
-          </a:p>
-          <a:p>
-            <a:r>
-              <a:rPr kumimoji="1" lang="zh-CN" altLang="en-US" sz="2400" b="1" dirty="0">
-                <a:latin typeface="Times New Roman" pitchFamily="18" charset="0"/>
-                <a:ea typeface="华文新魏" pitchFamily="2" charset="-122"/>
-              </a:rPr>
-              <a:t>          立于对象的存储表示和对象上操作的实现。</a:t>
-            </a:r>
+              <a:t>独立于对象的存储表示和对象上操作的实现！</a:t>
+            </a:r>
+            <a:endParaRPr lang="zh-CN" altLang="en-US" sz="2400" dirty="0">
+              <a:solidFill>
+                <a:prstClr val="black"/>
+              </a:solidFill>
+            </a:endParaRPr>
           </a:p>
         </p:txBody>
       </p:sp>
@@ -17361,6 +17432,105 @@
                       </p:childTnLst>
                     </p:cTn>
                   </p:par>
+                  <p:par>
+                    <p:cTn id="27" fill="hold">
+                      <p:stCondLst>
+                        <p:cond delay="indefinite"/>
+                      </p:stCondLst>
+                      <p:childTnLst>
+                        <p:par>
+                          <p:cTn id="28" fill="hold">
+                            <p:stCondLst>
+                              <p:cond delay="0"/>
+                            </p:stCondLst>
+                            <p:childTnLst>
+                              <p:par>
+                                <p:cTn id="29" presetID="42" presetClass="entr" presetSubtype="0" fill="hold" grpId="0" nodeType="clickEffect">
+                                  <p:stCondLst>
+                                    <p:cond delay="0"/>
+                                  </p:stCondLst>
+                                  <p:childTnLst>
+                                    <p:set>
+                                      <p:cBhvr>
+                                        <p:cTn id="30" dur="1" fill="hold">
+                                          <p:stCondLst>
+                                            <p:cond delay="0"/>
+                                          </p:stCondLst>
+                                        </p:cTn>
+                                        <p:tgtEl>
+                                          <p:spTgt spid="7"/>
+                                        </p:tgtEl>
+                                        <p:attrNameLst>
+                                          <p:attrName>style.visibility</p:attrName>
+                                        </p:attrNameLst>
+                                      </p:cBhvr>
+                                      <p:to>
+                                        <p:strVal val="visible"/>
+                                      </p:to>
+                                    </p:set>
+                                    <p:animEffect transition="in" filter="fade">
+                                      <p:cBhvr>
+                                        <p:cTn id="31" dur="500"/>
+                                        <p:tgtEl>
+                                          <p:spTgt spid="7"/>
+                                        </p:tgtEl>
+                                      </p:cBhvr>
+                                    </p:animEffect>
+                                    <p:anim calcmode="lin" valueType="num">
+                                      <p:cBhvr>
+                                        <p:cTn id="32" dur="500" fill="hold"/>
+                                        <p:tgtEl>
+                                          <p:spTgt spid="7"/>
+                                        </p:tgtEl>
+                                        <p:attrNameLst>
+                                          <p:attrName>ppt_x</p:attrName>
+                                        </p:attrNameLst>
+                                      </p:cBhvr>
+                                      <p:tavLst>
+                                        <p:tav tm="0">
+                                          <p:val>
+                                            <p:strVal val="#ppt_x"/>
+                                          </p:val>
+                                        </p:tav>
+                                        <p:tav tm="100000">
+                                          <p:val>
+                                            <p:strVal val="#ppt_x"/>
+                                          </p:val>
+                                        </p:tav>
+                                      </p:tavLst>
+                                    </p:anim>
+                                    <p:anim calcmode="lin" valueType="num">
+                                      <p:cBhvr>
+                                        <p:cTn id="33" dur="500" fill="hold"/>
+                                        <p:tgtEl>
+                                          <p:spTgt spid="7"/>
+                                        </p:tgtEl>
+                                        <p:attrNameLst>
+                                          <p:attrName>ppt_y</p:attrName>
+                                        </p:attrNameLst>
+                                      </p:cBhvr>
+                                      <p:tavLst>
+                                        <p:tav tm="0">
+                                          <p:val>
+                                            <p:strVal val="#ppt_y+.1"/>
+                                          </p:val>
+                                        </p:tav>
+                                        <p:tav tm="100000">
+                                          <p:val>
+                                            <p:strVal val="#ppt_y"/>
+                                          </p:val>
+                                        </p:tav>
+                                      </p:tavLst>
+                                    </p:anim>
+                                  </p:childTnLst>
+                                </p:cTn>
+                              </p:par>
+                            </p:childTnLst>
+                          </p:cTn>
+                        </p:par>
+                      </p:childTnLst>
+                    </p:cTn>
+                  </p:par>
                 </p:childTnLst>
               </p:cTn>
               <p:prevCondLst>
@@ -17382,6 +17552,9 @@
         </p:cTn>
       </p:par>
     </p:tnLst>
+    <p:bldLst>
+      <p:bldP spid="7" grpId="0" animBg="1"/>
+    </p:bldLst>
   </p:timing>
 </p:sld>
 </file>
@@ -18321,15 +18494,15 @@
         <p:spPr/>
         <p:txBody>
           <a:bodyPr>
-            <a:normAutofit lnSpcReduction="10000"/>
+            <a:normAutofit fontScale="92500"/>
           </a:bodyPr>
           <a:lstStyle/>
           <a:p>
             <a:r>
-              <a:rPr lang="zh-CN" altLang="en-US" sz="2400" dirty="0"/>
+              <a:rPr lang="zh-CN" altLang="en-US" sz="2800" dirty="0"/>
               <a:t>抽象数据类型的表示就是要将该类型映射到计算机中，也就是确定抽象数据类型的存储结构以及给出基于该结构之上的基本操作的函数原型。</a:t>
             </a:r>
-            <a:endParaRPr lang="en-US" altLang="zh-CN" sz="2400" dirty="0"/>
+            <a:endParaRPr lang="en-US" altLang="zh-CN" sz="2800" dirty="0"/>
           </a:p>
           <a:p>
             <a:r>
@@ -18557,23 +18730,20 @@
         </p:nvSpPr>
         <p:spPr>
           <a:xfrm>
-            <a:off x="1775520" y="1340768"/>
-            <a:ext cx="8686800" cy="5517232"/>
+            <a:off x="479376" y="1196752"/>
+            <a:ext cx="11391056" cy="5517232"/>
           </a:xfrm>
         </p:spPr>
         <p:txBody>
           <a:bodyPr>
-            <a:normAutofit fontScale="77500" lnSpcReduction="20000"/>
+            <a:normAutofit fontScale="70000" lnSpcReduction="20000"/>
           </a:bodyPr>
           <a:lstStyle/>
           <a:p>
             <a:r>
-              <a:rPr lang="zh-CN" altLang="en-US" sz="2800" dirty="0"/>
+              <a:rPr lang="zh-CN" altLang="en-US" sz="3400" dirty="0"/>
               <a:t>抽象数据类型的实现就是基于特定存储结构之上的基本操作的实现。</a:t>
             </a:r>
-            <a:endParaRPr lang="en-US" altLang="zh-CN" sz="2800" dirty="0"/>
-          </a:p>
-          <a:p>
             <a:endParaRPr lang="en-US" altLang="zh-CN" sz="2800" dirty="0"/>
           </a:p>
           <a:p>
@@ -18588,49 +18758,49 @@
               <a:buNone/>
             </a:pPr>
             <a:r>
-              <a:rPr lang="en-US" altLang="zh-CN" sz="2400" dirty="0"/>
+              <a:rPr lang="en-US" altLang="zh-CN" sz="3100" dirty="0"/>
               <a:t>       //</a:t>
             </a:r>
             <a:r>
-              <a:rPr lang="zh-CN" altLang="en-US" sz="2400" dirty="0"/>
+              <a:rPr lang="zh-CN" altLang="en-US" sz="3100" dirty="0"/>
               <a:t>初始化二元组</a:t>
             </a:r>
-            <a:endParaRPr lang="en-US" altLang="zh-CN" sz="2400" dirty="0"/>
+            <a:endParaRPr lang="en-US" altLang="zh-CN" sz="3100" dirty="0"/>
           </a:p>
           <a:p>
             <a:pPr>
               <a:buNone/>
             </a:pPr>
             <a:r>
-              <a:rPr lang="en-US" altLang="zh-CN" sz="2400" dirty="0"/>
+              <a:rPr lang="en-US" altLang="zh-CN" sz="3100" dirty="0"/>
               <a:t>       Status</a:t>
             </a:r>
             <a:r>
-              <a:rPr lang="zh-CN" altLang="en-US" sz="2400" dirty="0"/>
+              <a:rPr lang="zh-CN" altLang="en-US" sz="3100" dirty="0"/>
               <a:t> </a:t>
             </a:r>
             <a:r>
-              <a:rPr lang="en-US" altLang="zh-CN" sz="2400" dirty="0" err="1"/>
+              <a:rPr lang="en-US" altLang="zh-CN" sz="3100" dirty="0" err="1"/>
               <a:t>InitCom</a:t>
             </a:r>
             <a:r>
-              <a:rPr lang="en-US" altLang="zh-CN" sz="2400" dirty="0"/>
+              <a:rPr lang="en-US" altLang="zh-CN" sz="3100" dirty="0"/>
               <a:t>(Compare  &amp;C, </a:t>
             </a:r>
             <a:r>
-              <a:rPr lang="en-US" altLang="zh-CN" sz="2400" dirty="0" err="1"/>
+              <a:rPr lang="en-US" altLang="zh-CN" sz="3100" dirty="0" err="1"/>
               <a:t>ElemType</a:t>
             </a:r>
             <a:r>
-              <a:rPr lang="en-US" altLang="zh-CN" sz="2400" dirty="0"/>
+              <a:rPr lang="en-US" altLang="zh-CN" sz="3100" dirty="0"/>
               <a:t>  ee1, </a:t>
             </a:r>
             <a:r>
-              <a:rPr lang="en-US" altLang="zh-CN" sz="2400" dirty="0" err="1"/>
+              <a:rPr lang="en-US" altLang="zh-CN" sz="3100" dirty="0" err="1"/>
               <a:t>ElemType</a:t>
             </a:r>
             <a:r>
-              <a:rPr lang="en-US" altLang="zh-CN" sz="2400" dirty="0"/>
+              <a:rPr lang="en-US" altLang="zh-CN" sz="3100" dirty="0"/>
               <a:t>  ee2)</a:t>
             </a:r>
           </a:p>
@@ -18639,7 +18809,7 @@
               <a:buNone/>
             </a:pPr>
             <a:r>
-              <a:rPr lang="en-US" altLang="zh-CN" sz="2400" dirty="0"/>
+              <a:rPr lang="en-US" altLang="zh-CN" sz="3100" dirty="0"/>
               <a:t>        {</a:t>
             </a:r>
           </a:p>
@@ -18648,39 +18818,39 @@
               <a:buNone/>
             </a:pPr>
             <a:r>
-              <a:rPr lang="en-US" altLang="zh-CN" sz="2400" dirty="0"/>
+              <a:rPr lang="en-US" altLang="zh-CN" sz="3100" dirty="0"/>
               <a:t>               C = (</a:t>
             </a:r>
             <a:r>
-              <a:rPr lang="en-US" altLang="zh-CN" sz="2400" dirty="0" err="1"/>
+              <a:rPr lang="en-US" altLang="zh-CN" sz="3100" dirty="0" err="1"/>
               <a:t>ElemType</a:t>
             </a:r>
             <a:r>
-              <a:rPr lang="en-US" altLang="zh-CN" sz="2400" dirty="0"/>
+              <a:rPr lang="en-US" altLang="zh-CN" sz="3100" dirty="0"/>
               <a:t> *)</a:t>
             </a:r>
             <a:r>
-              <a:rPr lang="en-US" altLang="zh-CN" sz="2400" dirty="0" err="1"/>
+              <a:rPr lang="en-US" altLang="zh-CN" sz="3100" dirty="0" err="1"/>
               <a:t>malloc</a:t>
             </a:r>
             <a:r>
-              <a:rPr lang="en-US" altLang="zh-CN" sz="2400" dirty="0"/>
+              <a:rPr lang="en-US" altLang="zh-CN" sz="3100" dirty="0"/>
               <a:t>(2*</a:t>
             </a:r>
             <a:r>
-              <a:rPr lang="en-US" altLang="zh-CN" sz="2400" dirty="0" err="1"/>
+              <a:rPr lang="en-US" altLang="zh-CN" sz="3100" dirty="0" err="1"/>
               <a:t>sizeof</a:t>
             </a:r>
             <a:r>
-              <a:rPr lang="en-US" altLang="zh-CN" sz="2400" dirty="0"/>
+              <a:rPr lang="en-US" altLang="zh-CN" sz="3100" dirty="0"/>
               <a:t>(</a:t>
             </a:r>
             <a:r>
-              <a:rPr lang="en-US" altLang="zh-CN" sz="2400" dirty="0" err="1"/>
+              <a:rPr lang="en-US" altLang="zh-CN" sz="3100" dirty="0" err="1"/>
               <a:t>ElemType</a:t>
             </a:r>
             <a:r>
-              <a:rPr lang="en-US" altLang="zh-CN" sz="2400" dirty="0"/>
+              <a:rPr lang="en-US" altLang="zh-CN" sz="3100" dirty="0"/>
               <a:t>));</a:t>
             </a:r>
           </a:p>
@@ -18689,7 +18859,7 @@
               <a:buNone/>
             </a:pPr>
             <a:r>
-              <a:rPr lang="en-US" altLang="zh-CN" sz="2400" dirty="0"/>
+              <a:rPr lang="en-US" altLang="zh-CN" sz="3100" dirty="0"/>
               <a:t>               if(!C) exit (OVERFLOW);</a:t>
             </a:r>
           </a:p>
@@ -18698,7 +18868,7 @@
               <a:buNone/>
             </a:pPr>
             <a:r>
-              <a:rPr lang="en-US" altLang="zh-CN" sz="2400" dirty="0"/>
+              <a:rPr lang="en-US" altLang="zh-CN" sz="3100" dirty="0"/>
               <a:t>                C[0] = ee1;  C[1] = ee2;</a:t>
             </a:r>
           </a:p>
@@ -18707,7 +18877,7 @@
               <a:buNone/>
             </a:pPr>
             <a:r>
-              <a:rPr lang="en-US" altLang="zh-CN" sz="2400" dirty="0"/>
+              <a:rPr lang="en-US" altLang="zh-CN" sz="3100" dirty="0"/>
               <a:t>                return OK;</a:t>
             </a:r>
           </a:p>
@@ -18716,7 +18886,7 @@
               <a:buNone/>
             </a:pPr>
             <a:r>
-              <a:rPr lang="en-US" altLang="zh-CN" sz="2400" dirty="0"/>
+              <a:rPr lang="en-US" altLang="zh-CN" sz="3100" dirty="0"/>
               <a:t>        }</a:t>
             </a:r>
           </a:p>
@@ -18724,37 +18894,40 @@
             <a:pPr>
               <a:buNone/>
             </a:pPr>
-            <a:endParaRPr lang="en-US" altLang="zh-CN" sz="2400" dirty="0"/>
+            <a:r>
+              <a:rPr lang="en-US" altLang="zh-CN" sz="3100" dirty="0"/>
+              <a:t>        //</a:t>
+            </a:r>
+            <a:r>
+              <a:rPr lang="zh-CN" altLang="en-US" sz="3100" dirty="0"/>
+              <a:t>判断二元组的首元素是否大</a:t>
+            </a:r>
+            <a:endParaRPr lang="en-US" altLang="zh-CN" sz="3100" dirty="0"/>
           </a:p>
           <a:p>
             <a:pPr>
               <a:buNone/>
             </a:pPr>
             <a:r>
-              <a:rPr lang="en-US" altLang="zh-CN" sz="2400" dirty="0"/>
-              <a:t>        //</a:t>
-            </a:r>
-            <a:r>
-              <a:rPr lang="zh-CN" altLang="en-US" sz="2400" dirty="0"/>
-              <a:t>判断二元组的首元素是否大</a:t>
-            </a:r>
-            <a:endParaRPr lang="en-US" altLang="zh-CN" sz="2400" dirty="0"/>
+              <a:rPr lang="en-US" altLang="zh-CN" sz="3100" dirty="0"/>
+              <a:t>       Status </a:t>
+            </a:r>
+            <a:r>
+              <a:rPr lang="en-US" altLang="zh-CN" sz="3100" dirty="0" err="1"/>
+              <a:t>FirElemBig</a:t>
+            </a:r>
+            <a:r>
+              <a:rPr lang="en-US" altLang="zh-CN" sz="3100" dirty="0"/>
+              <a:t>(Compare  C)</a:t>
+            </a:r>
           </a:p>
           <a:p>
             <a:pPr>
               <a:buNone/>
             </a:pPr>
             <a:r>
-              <a:rPr lang="en-US" altLang="zh-CN" sz="2400" dirty="0"/>
-              <a:t>       Status </a:t>
-            </a:r>
-            <a:r>
-              <a:rPr lang="en-US" altLang="zh-CN" sz="2400" dirty="0" err="1"/>
-              <a:t>FirElemBig</a:t>
-            </a:r>
-            <a:r>
-              <a:rPr lang="en-US" altLang="zh-CN" sz="2400" dirty="0"/>
-              <a:t>(Compare  C)</a:t>
+              <a:rPr lang="en-US" altLang="zh-CN" sz="3100" dirty="0"/>
+              <a:t>       {</a:t>
             </a:r>
           </a:p>
           <a:p>
@@ -18762,8 +18935,8 @@
               <a:buNone/>
             </a:pPr>
             <a:r>
-              <a:rPr lang="en-US" altLang="zh-CN" sz="2400" dirty="0"/>
-              <a:t>       {</a:t>
+              <a:rPr lang="en-US" altLang="zh-CN" sz="3100" dirty="0"/>
+              <a:t>                 if(C[0] &gt; C[1])  return  TRUE;</a:t>
             </a:r>
           </a:p>
           <a:p>
@@ -18771,8 +18944,8 @@
               <a:buNone/>
             </a:pPr>
             <a:r>
-              <a:rPr lang="en-US" altLang="zh-CN" sz="2400" dirty="0"/>
-              <a:t>                 if(C[0] &gt; C[1])  return  TRUE;</a:t>
+              <a:rPr lang="en-US" altLang="zh-CN" sz="3100" dirty="0"/>
+              <a:t>                 else  return  FALSE;</a:t>
             </a:r>
           </a:p>
           <a:p>
@@ -18780,19 +18953,10 @@
               <a:buNone/>
             </a:pPr>
             <a:r>
-              <a:rPr lang="en-US" altLang="zh-CN" sz="2400" dirty="0"/>
-              <a:t>                 else  return  FALSE;</a:t>
-            </a:r>
-          </a:p>
-          <a:p>
-            <a:pPr>
-              <a:buNone/>
-            </a:pPr>
-            <a:r>
-              <a:rPr lang="en-US" altLang="zh-CN" sz="2400" dirty="0"/>
+              <a:rPr lang="en-US" altLang="zh-CN" sz="3100" dirty="0"/>
               <a:t>       }</a:t>
             </a:r>
-            <a:endParaRPr lang="zh-CN" altLang="en-US" sz="2400" dirty="0"/>
+            <a:endParaRPr lang="zh-CN" altLang="en-US" sz="3100" dirty="0"/>
           </a:p>
         </p:txBody>
       </p:sp>
@@ -19314,13 +19478,13 @@
         </p:nvSpPr>
         <p:spPr>
           <a:xfrm>
-            <a:off x="1991544" y="980728"/>
-            <a:ext cx="8229600" cy="5544022"/>
+            <a:off x="2814464" y="823130"/>
+            <a:ext cx="6563072" cy="5918981"/>
           </a:xfrm>
         </p:spPr>
         <p:txBody>
           <a:bodyPr>
-            <a:normAutofit lnSpcReduction="10000"/>
+            <a:noAutofit/>
           </a:bodyPr>
           <a:lstStyle/>
           <a:p>
@@ -19329,15 +19493,11 @@
               <a:buNone/>
             </a:pPr>
             <a:r>
-              <a:rPr lang="en-US" altLang="zh-CN" dirty="0"/>
-              <a:t> </a:t>
-            </a:r>
-            <a:r>
-              <a:rPr lang="en-US" altLang="zh-CN" sz="1800" dirty="0"/>
-              <a:t>// </a:t>
-            </a:r>
-            <a:r>
-              <a:rPr lang="zh-CN" altLang="en-US" sz="1800" dirty="0"/>
+              <a:rPr lang="en-US" altLang="zh-CN" sz="1900" dirty="0"/>
+              <a:t> // </a:t>
+            </a:r>
+            <a:r>
+              <a:rPr lang="zh-CN" altLang="en-US" sz="1900" dirty="0"/>
               <a:t>定义矩形的存储结构</a:t>
             </a:r>
           </a:p>
@@ -19347,18 +19507,18 @@
               <a:buNone/>
             </a:pPr>
             <a:r>
-              <a:rPr lang="en-US" altLang="en-US" sz="1600" dirty="0" err="1"/>
+              <a:rPr lang="en-US" altLang="en-US" sz="1900" dirty="0" err="1"/>
               <a:t>typedef</a:t>
             </a:r>
             <a:r>
-              <a:rPr lang="en-US" altLang="en-US" sz="1600" dirty="0"/>
+              <a:rPr lang="en-US" altLang="en-US" sz="1900" dirty="0"/>
               <a:t> </a:t>
             </a:r>
             <a:r>
-              <a:rPr lang="en-US" altLang="en-US" sz="1600" dirty="0" err="1"/>
+              <a:rPr lang="en-US" altLang="en-US" sz="1900" dirty="0" err="1"/>
               <a:t>struct</a:t>
             </a:r>
-            <a:endParaRPr lang="en-US" altLang="en-US" sz="1600" dirty="0"/>
+            <a:endParaRPr lang="en-US" altLang="en-US" sz="1900" dirty="0"/>
           </a:p>
           <a:p>
             <a:pPr>
@@ -19366,18 +19526,18 @@
               <a:buNone/>
             </a:pPr>
             <a:r>
-              <a:rPr lang="en-US" altLang="zh-CN" sz="1600" dirty="0"/>
+              <a:rPr lang="en-US" altLang="zh-CN" sz="1900" dirty="0"/>
               <a:t>      {    </a:t>
             </a:r>
             <a:r>
-              <a:rPr lang="en-US" altLang="en-US" sz="1600" dirty="0"/>
-              <a:t>float length;		// </a:t>
-            </a:r>
-            <a:r>
-              <a:rPr lang="en-US" altLang="en-US" sz="1600" dirty="0" err="1"/>
+              <a:rPr lang="en-US" altLang="en-US" sz="1900" dirty="0"/>
+              <a:t>float length;			// </a:t>
+            </a:r>
+            <a:r>
+              <a:rPr lang="en-US" altLang="en-US" sz="1900" dirty="0" err="1"/>
               <a:t>矩形的长</a:t>
             </a:r>
-            <a:endParaRPr lang="en-US" altLang="en-US" sz="1600" dirty="0"/>
+            <a:endParaRPr lang="en-US" altLang="en-US" sz="1900" dirty="0"/>
           </a:p>
           <a:p>
             <a:pPr>
@@ -19385,30 +19545,34 @@
               <a:buNone/>
             </a:pPr>
             <a:r>
-              <a:rPr lang="en-US" altLang="en-US" sz="1600" dirty="0"/>
+              <a:rPr lang="en-US" altLang="en-US" sz="1900" dirty="0"/>
               <a:t>	</a:t>
             </a:r>
             <a:r>
-              <a:rPr lang="zh-CN" altLang="en-US" sz="1600" dirty="0"/>
+              <a:rPr lang="zh-CN" altLang="en-US" sz="1900" dirty="0"/>
               <a:t>      </a:t>
             </a:r>
             <a:r>
-              <a:rPr lang="en-US" altLang="en-US" sz="1600" dirty="0"/>
+              <a:rPr lang="en-US" altLang="en-US" sz="1900" dirty="0"/>
               <a:t>float width</a:t>
             </a:r>
             <a:r>
-              <a:rPr lang="zh-CN" altLang="en-US" sz="1600" dirty="0"/>
+              <a:rPr lang="zh-CN" altLang="en-US" sz="1900" dirty="0"/>
               <a:t>；                </a:t>
             </a:r>
             <a:r>
-              <a:rPr lang="en-US" altLang="en-US" sz="1600" dirty="0"/>
+              <a:rPr lang="en-US" altLang="zh-CN" sz="1900" dirty="0"/>
+              <a:t>	</a:t>
+            </a:r>
+            <a:r>
+              <a:rPr lang="en-US" altLang="en-US" sz="1900" dirty="0"/>
               <a:t>// </a:t>
             </a:r>
             <a:r>
-              <a:rPr lang="en-US" altLang="en-US" sz="1600" dirty="0" err="1"/>
+              <a:rPr lang="en-US" altLang="en-US" sz="1900" dirty="0" err="1"/>
               <a:t>矩形的宽</a:t>
             </a:r>
-            <a:endParaRPr lang="en-US" altLang="en-US" sz="1600" dirty="0"/>
+            <a:endParaRPr lang="en-US" altLang="en-US" sz="1900" dirty="0"/>
           </a:p>
           <a:p>
             <a:pPr>
@@ -19416,15 +19580,15 @@
               <a:buNone/>
             </a:pPr>
             <a:r>
-              <a:rPr lang="zh-CN" altLang="en-US" sz="1600" dirty="0"/>
+              <a:rPr lang="zh-CN" altLang="en-US" sz="1900" dirty="0"/>
               <a:t>      </a:t>
             </a:r>
             <a:r>
-              <a:rPr lang="en-US" altLang="en-US" sz="1600" dirty="0"/>
+              <a:rPr lang="en-US" altLang="en-US" sz="1900" dirty="0"/>
               <a:t>} Rectangle;</a:t>
             </a:r>
             <a:r>
-              <a:rPr lang="en-US" altLang="zh-CN" sz="1600" dirty="0"/>
+              <a:rPr lang="en-US" altLang="zh-CN" sz="1900" dirty="0"/>
               <a:t>	       </a:t>
             </a:r>
           </a:p>
@@ -19434,19 +19598,19 @@
               <a:buNone/>
             </a:pPr>
             <a:r>
-              <a:rPr lang="en-US" altLang="zh-CN" sz="1800" dirty="0"/>
+              <a:rPr lang="en-US" altLang="zh-CN" sz="1900" dirty="0"/>
               <a:t>// </a:t>
             </a:r>
             <a:r>
-              <a:rPr lang="zh-CN" altLang="en-US" sz="1800" dirty="0"/>
+              <a:rPr lang="zh-CN" altLang="en-US" sz="1900" dirty="0"/>
               <a:t>操作目的：对矩形</a:t>
             </a:r>
             <a:r>
-              <a:rPr lang="en-US" altLang="zh-CN" sz="1800" dirty="0"/>
+              <a:rPr lang="en-US" altLang="zh-CN" sz="1900" dirty="0"/>
               <a:t>R</a:t>
             </a:r>
             <a:r>
-              <a:rPr lang="zh-CN" altLang="en-US" sz="1800" dirty="0"/>
+              <a:rPr lang="zh-CN" altLang="en-US" sz="1900" dirty="0"/>
               <a:t>初始化</a:t>
             </a:r>
           </a:p>
@@ -19456,11 +19620,11 @@
               <a:buNone/>
             </a:pPr>
             <a:r>
-              <a:rPr lang="en-US" altLang="zh-CN" sz="1800" dirty="0"/>
+              <a:rPr lang="en-US" altLang="zh-CN" sz="1900" dirty="0"/>
               <a:t>// </a:t>
             </a:r>
             <a:r>
-              <a:rPr lang="zh-CN" altLang="en-US" sz="1800" dirty="0"/>
+              <a:rPr lang="zh-CN" altLang="en-US" sz="1900" dirty="0"/>
               <a:t>初始条件：</a:t>
             </a:r>
           </a:p>
@@ -19470,31 +19634,31 @@
               <a:buNone/>
             </a:pPr>
             <a:r>
-              <a:rPr lang="en-US" altLang="zh-CN" sz="1800" dirty="0"/>
+              <a:rPr lang="en-US" altLang="zh-CN" sz="1900" dirty="0"/>
               <a:t>// </a:t>
             </a:r>
             <a:r>
-              <a:rPr lang="zh-CN" altLang="en-US" sz="1800" dirty="0"/>
+              <a:rPr lang="zh-CN" altLang="en-US" sz="1900" dirty="0"/>
               <a:t>操作结果：将矩形</a:t>
             </a:r>
             <a:r>
-              <a:rPr lang="en-US" altLang="zh-CN" sz="1800" dirty="0"/>
+              <a:rPr lang="en-US" altLang="zh-CN" sz="1900" dirty="0"/>
               <a:t>R</a:t>
             </a:r>
             <a:r>
-              <a:rPr lang="zh-CN" altLang="en-US" sz="1800" dirty="0"/>
+              <a:rPr lang="zh-CN" altLang="en-US" sz="1900" dirty="0"/>
               <a:t>的长初始化成 </a:t>
             </a:r>
             <a:r>
-              <a:rPr lang="en-US" altLang="zh-CN" sz="1800" dirty="0"/>
+              <a:rPr lang="en-US" altLang="zh-CN" sz="1900" dirty="0"/>
               <a:t>l</a:t>
             </a:r>
             <a:r>
-              <a:rPr lang="zh-CN" altLang="en-US" sz="1800" dirty="0"/>
+              <a:rPr lang="zh-CN" altLang="en-US" sz="1900" dirty="0"/>
               <a:t>，宽初始化为</a:t>
             </a:r>
             <a:r>
-              <a:rPr lang="en-US" altLang="zh-CN" sz="1800" dirty="0"/>
+              <a:rPr lang="en-US" altLang="zh-CN" sz="1900" dirty="0"/>
               <a:t>w</a:t>
             </a:r>
           </a:p>
@@ -19504,19 +19668,19 @@
               <a:buNone/>
             </a:pPr>
             <a:r>
-              <a:rPr lang="en-US" altLang="zh-CN" sz="1800" dirty="0" err="1"/>
+              <a:rPr lang="en-US" altLang="zh-CN" sz="1900" dirty="0" err="1"/>
               <a:t>bool</a:t>
             </a:r>
             <a:r>
-              <a:rPr lang="en-US" altLang="zh-CN" sz="1800" dirty="0"/>
+              <a:rPr lang="en-US" altLang="zh-CN" sz="1900" dirty="0"/>
               <a:t> Init(</a:t>
             </a:r>
             <a:r>
-              <a:rPr lang="en-US" altLang="en-US" sz="1800" dirty="0"/>
+              <a:rPr lang="en-US" altLang="en-US" sz="1900" dirty="0"/>
               <a:t>Rectangle</a:t>
             </a:r>
             <a:r>
-              <a:rPr lang="en-US" altLang="zh-CN" sz="1800" dirty="0"/>
+              <a:rPr lang="en-US" altLang="zh-CN" sz="1900" dirty="0"/>
               <a:t> &amp;R, float l, float w);	</a:t>
             </a:r>
           </a:p>
@@ -19526,19 +19690,19 @@
               <a:buNone/>
             </a:pPr>
             <a:r>
-              <a:rPr lang="en-US" altLang="zh-CN" sz="1800" dirty="0"/>
+              <a:rPr lang="en-US" altLang="zh-CN" sz="1900" dirty="0"/>
               <a:t>// </a:t>
             </a:r>
             <a:r>
-              <a:rPr lang="zh-CN" altLang="en-US" sz="1800" dirty="0"/>
+              <a:rPr lang="zh-CN" altLang="en-US" sz="1900" dirty="0"/>
               <a:t>操作目的：求矩形</a:t>
             </a:r>
             <a:r>
-              <a:rPr lang="en-US" altLang="zh-CN" sz="1800" dirty="0"/>
+              <a:rPr lang="en-US" altLang="zh-CN" sz="1900" dirty="0"/>
               <a:t>R</a:t>
             </a:r>
             <a:r>
-              <a:rPr lang="zh-CN" altLang="en-US" sz="1800" dirty="0"/>
+              <a:rPr lang="zh-CN" altLang="en-US" sz="1900" dirty="0"/>
               <a:t>的面积</a:t>
             </a:r>
           </a:p>
@@ -19548,19 +19712,19 @@
               <a:buNone/>
             </a:pPr>
             <a:r>
-              <a:rPr lang="en-US" altLang="zh-CN" sz="1800" dirty="0"/>
+              <a:rPr lang="en-US" altLang="zh-CN" sz="1900" dirty="0"/>
               <a:t>// </a:t>
             </a:r>
             <a:r>
-              <a:rPr lang="zh-CN" altLang="en-US" sz="1800" dirty="0"/>
+              <a:rPr lang="zh-CN" altLang="en-US" sz="1900" dirty="0"/>
               <a:t>初始条件：矩形</a:t>
             </a:r>
             <a:r>
-              <a:rPr lang="en-US" altLang="zh-CN" sz="1800" dirty="0"/>
+              <a:rPr lang="en-US" altLang="zh-CN" sz="1900" dirty="0"/>
               <a:t>R</a:t>
             </a:r>
             <a:r>
-              <a:rPr lang="zh-CN" altLang="en-US" sz="1800" dirty="0"/>
+              <a:rPr lang="zh-CN" altLang="en-US" sz="1900" dirty="0"/>
               <a:t>存在</a:t>
             </a:r>
           </a:p>
@@ -19570,11 +19734,11 @@
               <a:buNone/>
             </a:pPr>
             <a:r>
-              <a:rPr lang="en-US" altLang="zh-CN" sz="1800" dirty="0"/>
+              <a:rPr lang="en-US" altLang="zh-CN" sz="1900" dirty="0"/>
               <a:t>// </a:t>
             </a:r>
             <a:r>
-              <a:rPr lang="zh-CN" altLang="en-US" sz="1800" dirty="0"/>
+              <a:rPr lang="zh-CN" altLang="en-US" sz="1900" dirty="0"/>
               <a:t>操作结果：返回矩形的面积</a:t>
             </a:r>
           </a:p>
@@ -19584,15 +19748,15 @@
               <a:buNone/>
             </a:pPr>
             <a:r>
-              <a:rPr lang="en-US" altLang="zh-CN" sz="1800" dirty="0"/>
+              <a:rPr lang="en-US" altLang="zh-CN" sz="1900" dirty="0"/>
               <a:t>float Area(</a:t>
             </a:r>
             <a:r>
-              <a:rPr lang="en-US" altLang="en-US" sz="1800" dirty="0"/>
+              <a:rPr lang="en-US" altLang="en-US" sz="1900" dirty="0"/>
               <a:t>Rectangle</a:t>
             </a:r>
             <a:r>
-              <a:rPr lang="en-US" altLang="zh-CN" sz="1800" dirty="0"/>
+              <a:rPr lang="en-US" altLang="zh-CN" sz="1900" dirty="0"/>
               <a:t> R);</a:t>
             </a:r>
           </a:p>
@@ -19602,19 +19766,19 @@
               <a:buNone/>
             </a:pPr>
             <a:r>
-              <a:rPr lang="en-US" altLang="zh-CN" sz="1800" dirty="0"/>
+              <a:rPr lang="en-US" altLang="zh-CN" sz="1900" dirty="0"/>
               <a:t>// </a:t>
             </a:r>
             <a:r>
-              <a:rPr lang="zh-CN" altLang="en-US" sz="1800" dirty="0"/>
+              <a:rPr lang="zh-CN" altLang="en-US" sz="1900" dirty="0"/>
               <a:t>操作目的：求矩形</a:t>
             </a:r>
             <a:r>
-              <a:rPr lang="en-US" altLang="zh-CN" sz="1800" dirty="0"/>
+              <a:rPr lang="en-US" altLang="zh-CN" sz="1900" dirty="0"/>
               <a:t>R</a:t>
             </a:r>
             <a:r>
-              <a:rPr lang="zh-CN" altLang="en-US" sz="1800" dirty="0"/>
+              <a:rPr lang="zh-CN" altLang="en-US" sz="1900" dirty="0"/>
               <a:t>的周长</a:t>
             </a:r>
           </a:p>
@@ -19624,19 +19788,19 @@
               <a:buNone/>
             </a:pPr>
             <a:r>
-              <a:rPr lang="en-US" altLang="zh-CN" sz="1800" dirty="0"/>
+              <a:rPr lang="en-US" altLang="zh-CN" sz="1900" dirty="0"/>
               <a:t>// </a:t>
             </a:r>
             <a:r>
-              <a:rPr lang="zh-CN" altLang="en-US" sz="1800" dirty="0"/>
+              <a:rPr lang="zh-CN" altLang="en-US" sz="1900" dirty="0"/>
               <a:t>初始条件：矩形</a:t>
             </a:r>
             <a:r>
-              <a:rPr lang="en-US" altLang="zh-CN" sz="1800" dirty="0"/>
+              <a:rPr lang="en-US" altLang="zh-CN" sz="1900" dirty="0"/>
               <a:t>R</a:t>
             </a:r>
             <a:r>
-              <a:rPr lang="zh-CN" altLang="en-US" sz="1800" dirty="0"/>
+              <a:rPr lang="zh-CN" altLang="en-US" sz="1900" dirty="0"/>
               <a:t>存在</a:t>
             </a:r>
           </a:p>
@@ -19646,11 +19810,11 @@
               <a:buNone/>
             </a:pPr>
             <a:r>
-              <a:rPr lang="en-US" altLang="zh-CN" sz="1800" dirty="0"/>
+              <a:rPr lang="en-US" altLang="zh-CN" sz="1900" dirty="0"/>
               <a:t>// </a:t>
             </a:r>
             <a:r>
-              <a:rPr lang="zh-CN" altLang="en-US" sz="1800" dirty="0"/>
+              <a:rPr lang="zh-CN" altLang="en-US" sz="1900" dirty="0"/>
               <a:t>操作结果：返回矩形的周长</a:t>
             </a:r>
           </a:p>
@@ -19660,7 +19824,7 @@
               <a:buNone/>
             </a:pPr>
             <a:r>
-              <a:rPr lang="en-US" altLang="zh-CN" sz="1800" dirty="0"/>
+              <a:rPr lang="en-US" altLang="zh-CN" sz="1900" dirty="0"/>
               <a:t>float Circumference(Rectangle R);</a:t>
             </a:r>
           </a:p>
@@ -22115,21 +22279,21 @@
           <a:lstStyle/>
           <a:p>
             <a:r>
-              <a:rPr lang="zh-CN" altLang="en-US" sz="2800" b="1">
+              <a:rPr lang="zh-CN" altLang="en-US" sz="2800" b="1" dirty="0">
                 <a:latin typeface="楷体_GB2312" pitchFamily="49" charset="-122"/>
                 <a:ea typeface="楷体_GB2312" pitchFamily="49" charset="-122"/>
               </a:rPr>
               <a:t>矩形</a:t>
             </a:r>
             <a:r>
-              <a:rPr lang="en-US" altLang="zh-CN" sz="2800" b="1">
+              <a:rPr lang="en-US" altLang="zh-CN" sz="2800" b="1" dirty="0">
                 <a:latin typeface="楷体_GB2312" pitchFamily="49" charset="-122"/>
                 <a:ea typeface="楷体_GB2312" pitchFamily="49" charset="-122"/>
               </a:rPr>
               <a:t>ADT</a:t>
             </a:r>
             <a:r>
-              <a:rPr lang="zh-CN" altLang="en-US" sz="2800" b="1">
+              <a:rPr lang="zh-CN" altLang="en-US" sz="2800" b="1" dirty="0">
                 <a:latin typeface="楷体_GB2312" pitchFamily="49" charset="-122"/>
                 <a:ea typeface="楷体_GB2312" pitchFamily="49" charset="-122"/>
               </a:rPr>
@@ -22150,13 +22314,13 @@
         </p:nvSpPr>
         <p:spPr>
           <a:xfrm>
-            <a:off x="1981200" y="1052513"/>
-            <a:ext cx="8229600" cy="5040783"/>
+            <a:off x="3354524" y="1036638"/>
+            <a:ext cx="5482952" cy="5688855"/>
           </a:xfrm>
         </p:spPr>
         <p:txBody>
           <a:bodyPr>
-            <a:normAutofit/>
+            <a:noAutofit/>
           </a:bodyPr>
           <a:lstStyle/>
           <a:p>
@@ -22167,7 +22331,10 @@
               <a:buFont typeface="Wingdings" pitchFamily="2" charset="2"/>
               <a:buNone/>
             </a:pPr>
-            <a:endParaRPr lang="en-US" altLang="zh-CN" sz="800" dirty="0"/>
+            <a:r>
+              <a:rPr lang="en-US" altLang="en-US" sz="2200" dirty="0"/>
+              <a:t>bool Init(Rectangle &amp;R, float l, float w)</a:t>
+            </a:r>
           </a:p>
           <a:p>
             <a:pPr>
@@ -22178,16 +22345,8 @@
               <a:buNone/>
             </a:pPr>
             <a:r>
-              <a:rPr lang="en-US" altLang="zh-CN" sz="800" dirty="0"/>
-              <a:t> </a:t>
-            </a:r>
-            <a:r>
-              <a:rPr lang="en-US" altLang="en-US" sz="2000" dirty="0" err="1"/>
-              <a:t>bool</a:t>
-            </a:r>
-            <a:r>
-              <a:rPr lang="en-US" altLang="en-US" sz="2000" dirty="0"/>
-              <a:t> Init(Rectangle &amp;R, float l, float w)</a:t>
+              <a:rPr lang="en-US" altLang="en-US" sz="2200" dirty="0"/>
+              <a:t>{</a:t>
             </a:r>
           </a:p>
           <a:p>
@@ -22199,8 +22358,8 @@
               <a:buNone/>
             </a:pPr>
             <a:r>
-              <a:rPr lang="en-US" altLang="en-US" sz="1600" dirty="0"/>
-              <a:t>{</a:t>
+              <a:rPr lang="en-US" altLang="en-US" sz="2200" dirty="0"/>
+              <a:t>	if(l&gt;0&amp;&amp;w&gt;0){</a:t>
             </a:r>
           </a:p>
           <a:p>
@@ -22212,8 +22371,16 @@
               <a:buNone/>
             </a:pPr>
             <a:r>
-              <a:rPr lang="en-US" altLang="en-US" sz="1600" dirty="0"/>
-              <a:t>	if(l&gt;0&amp;&amp;w&gt;0){</a:t>
+              <a:rPr lang="en-US" altLang="en-US" sz="2200" dirty="0"/>
+              <a:t>		</a:t>
+            </a:r>
+            <a:r>
+              <a:rPr lang="en-US" altLang="en-US" sz="2200" dirty="0" err="1"/>
+              <a:t>R.length</a:t>
+            </a:r>
+            <a:r>
+              <a:rPr lang="en-US" altLang="en-US" sz="2200" dirty="0"/>
+              <a:t>=l;</a:t>
             </a:r>
           </a:p>
           <a:p>
@@ -22225,16 +22392,16 @@
               <a:buNone/>
             </a:pPr>
             <a:r>
-              <a:rPr lang="en-US" altLang="en-US" sz="1600" dirty="0"/>
+              <a:rPr lang="en-US" altLang="en-US" sz="2200" dirty="0"/>
               <a:t>		</a:t>
             </a:r>
             <a:r>
-              <a:rPr lang="en-US" altLang="en-US" sz="1600" dirty="0" err="1"/>
-              <a:t>R.length</a:t>
-            </a:r>
-            <a:r>
-              <a:rPr lang="en-US" altLang="en-US" sz="1600" dirty="0"/>
-              <a:t>=l;</a:t>
+              <a:rPr lang="en-US" altLang="en-US" sz="2200" dirty="0" err="1"/>
+              <a:t>R.width</a:t>
+            </a:r>
+            <a:r>
+              <a:rPr lang="en-US" altLang="en-US" sz="2200" dirty="0"/>
+              <a:t>=w;</a:t>
             </a:r>
           </a:p>
           <a:p>
@@ -22246,16 +22413,8 @@
               <a:buNone/>
             </a:pPr>
             <a:r>
-              <a:rPr lang="en-US" altLang="en-US" sz="1600" dirty="0"/>
-              <a:t>		</a:t>
-            </a:r>
-            <a:r>
-              <a:rPr lang="en-US" altLang="en-US" sz="1600" dirty="0" err="1"/>
-              <a:t>R.width</a:t>
-            </a:r>
-            <a:r>
-              <a:rPr lang="en-US" altLang="en-US" sz="1600" dirty="0"/>
-              <a:t>=w;</a:t>
+              <a:rPr lang="en-US" altLang="en-US" sz="2200" dirty="0"/>
+              <a:t>		return true;}</a:t>
             </a:r>
           </a:p>
           <a:p>
@@ -22267,8 +22426,8 @@
               <a:buNone/>
             </a:pPr>
             <a:r>
-              <a:rPr lang="en-US" altLang="en-US" sz="1600" dirty="0"/>
-              <a:t>		return true;}</a:t>
+              <a:rPr lang="en-US" altLang="en-US" sz="2200" dirty="0"/>
+              <a:t>	else</a:t>
             </a:r>
           </a:p>
           <a:p>
@@ -22280,8 +22439,8 @@
               <a:buNone/>
             </a:pPr>
             <a:r>
-              <a:rPr lang="en-US" altLang="en-US" sz="1600" dirty="0"/>
-              <a:t>	else</a:t>
+              <a:rPr lang="en-US" altLang="en-US" sz="2200" dirty="0"/>
+              <a:t>		return false; </a:t>
             </a:r>
           </a:p>
           <a:p>
@@ -22293,9 +22452,10 @@
               <a:buNone/>
             </a:pPr>
             <a:r>
-              <a:rPr lang="en-US" altLang="en-US" sz="1600" dirty="0"/>
-              <a:t>		return false; </a:t>
-            </a:r>
+              <a:rPr lang="en-US" altLang="en-US" sz="2200" dirty="0"/>
+              <a:t>}</a:t>
+            </a:r>
+            <a:endParaRPr lang="en-US" altLang="zh-CN" sz="2200" dirty="0"/>
           </a:p>
           <a:p>
             <a:pPr>
@@ -22306,10 +22466,9 @@
               <a:buNone/>
             </a:pPr>
             <a:r>
-              <a:rPr lang="en-US" altLang="en-US" sz="1600" dirty="0"/>
-              <a:t>}</a:t>
-            </a:r>
-            <a:endParaRPr lang="en-US" altLang="zh-CN" sz="1600" dirty="0"/>
+              <a:rPr lang="en-US" altLang="en-US" sz="2200" dirty="0"/>
+              <a:t>float Area(Rectangle R)</a:t>
+            </a:r>
           </a:p>
           <a:p>
             <a:pPr>
@@ -22320,8 +22479,8 @@
               <a:buNone/>
             </a:pPr>
             <a:r>
-              <a:rPr lang="en-US" altLang="en-US" sz="2000" dirty="0"/>
-              <a:t>float Area(Rectangle R)</a:t>
+              <a:rPr lang="en-US" altLang="en-US" sz="2200" dirty="0"/>
+              <a:t>{		</a:t>
             </a:r>
           </a:p>
           <a:p>
@@ -22333,8 +22492,24 @@
               <a:buNone/>
             </a:pPr>
             <a:r>
-              <a:rPr lang="en-US" altLang="en-US" sz="1600" dirty="0"/>
-              <a:t>{		</a:t>
+              <a:rPr lang="en-US" altLang="en-US" sz="2200" dirty="0"/>
+              <a:t>	return </a:t>
+            </a:r>
+            <a:r>
+              <a:rPr lang="en-US" altLang="en-US" sz="2200" dirty="0" err="1"/>
+              <a:t>R.length</a:t>
+            </a:r>
+            <a:r>
+              <a:rPr lang="en-US" altLang="en-US" sz="2200" dirty="0"/>
+              <a:t>*</a:t>
+            </a:r>
+            <a:r>
+              <a:rPr lang="en-US" altLang="en-US" sz="2200" dirty="0" err="1"/>
+              <a:t>R.width</a:t>
+            </a:r>
+            <a:r>
+              <a:rPr lang="en-US" altLang="en-US" sz="2200" dirty="0"/>
+              <a:t>;</a:t>
             </a:r>
           </a:p>
           <a:p>
@@ -22346,25 +22521,10 @@
               <a:buNone/>
             </a:pPr>
             <a:r>
-              <a:rPr lang="en-US" altLang="en-US" sz="1600" dirty="0"/>
-              <a:t>	return </a:t>
-            </a:r>
-            <a:r>
-              <a:rPr lang="en-US" altLang="en-US" sz="1600" dirty="0" err="1"/>
-              <a:t>R.length</a:t>
-            </a:r>
-            <a:r>
-              <a:rPr lang="en-US" altLang="en-US" sz="1600" dirty="0"/>
-              <a:t>*</a:t>
-            </a:r>
-            <a:r>
-              <a:rPr lang="en-US" altLang="en-US" sz="1600" dirty="0" err="1"/>
-              <a:t>R.width</a:t>
-            </a:r>
-            <a:r>
-              <a:rPr lang="en-US" altLang="en-US" sz="1600" dirty="0"/>
-              <a:t>;</a:t>
-            </a:r>
+              <a:rPr lang="en-US" altLang="en-US" sz="2200" dirty="0"/>
+              <a:t>}</a:t>
+            </a:r>
+            <a:endParaRPr lang="en-US" altLang="zh-CN" sz="2200" dirty="0"/>
           </a:p>
           <a:p>
             <a:pPr>
@@ -22375,10 +22535,9 @@
               <a:buNone/>
             </a:pPr>
             <a:r>
-              <a:rPr lang="en-US" altLang="en-US" sz="1600" dirty="0"/>
-              <a:t>}</a:t>
-            </a:r>
-            <a:endParaRPr lang="en-US" altLang="zh-CN" sz="1600" dirty="0"/>
+              <a:rPr lang="en-US" altLang="en-US" sz="2200" dirty="0"/>
+              <a:t>float Circumference(Rectangle R)</a:t>
+            </a:r>
           </a:p>
           <a:p>
             <a:pPr>
@@ -22389,8 +22548,8 @@
               <a:buNone/>
             </a:pPr>
             <a:r>
-              <a:rPr lang="en-US" altLang="en-US" sz="2000" dirty="0"/>
-              <a:t>float Circumference(Rectangle R)</a:t>
+              <a:rPr lang="en-US" altLang="en-US" sz="2200" dirty="0"/>
+              <a:t>{</a:t>
             </a:r>
           </a:p>
           <a:p>
@@ -22402,8 +22561,16 @@
               <a:buNone/>
             </a:pPr>
             <a:r>
-              <a:rPr lang="en-US" altLang="en-US" sz="1600" dirty="0"/>
-              <a:t>{</a:t>
+              <a:rPr lang="en-US" altLang="en-US" sz="2200" dirty="0"/>
+              <a:t>    return 2*(</a:t>
+            </a:r>
+            <a:r>
+              <a:rPr lang="en-US" altLang="en-US" sz="2200" dirty="0" err="1"/>
+              <a:t>R.length+R.width</a:t>
+            </a:r>
+            <a:r>
+              <a:rPr lang="en-US" altLang="en-US" sz="2200" dirty="0"/>
+              <a:t>);</a:t>
             </a:r>
           </a:p>
           <a:p>
@@ -22415,31 +22582,10 @@
               <a:buNone/>
             </a:pPr>
             <a:r>
-              <a:rPr lang="en-US" altLang="en-US" sz="1600" dirty="0"/>
-              <a:t>    return 2*(</a:t>
-            </a:r>
-            <a:r>
-              <a:rPr lang="en-US" altLang="en-US" sz="1600" dirty="0" err="1"/>
-              <a:t>R.length+R.width</a:t>
-            </a:r>
-            <a:r>
-              <a:rPr lang="en-US" altLang="en-US" sz="1600" dirty="0"/>
-              <a:t>);</a:t>
-            </a:r>
-          </a:p>
-          <a:p>
-            <a:pPr>
-              <a:lnSpc>
-                <a:spcPct val="80000"/>
-              </a:lnSpc>
-              <a:buFont typeface="Wingdings" pitchFamily="2" charset="2"/>
-              <a:buNone/>
-            </a:pPr>
-            <a:r>
-              <a:rPr lang="en-US" altLang="en-US" sz="1600" dirty="0"/>
+              <a:rPr lang="en-US" altLang="en-US" sz="2200" dirty="0"/>
               <a:t>}</a:t>
             </a:r>
-            <a:endParaRPr lang="en-US" altLang="zh-CN" sz="1600" dirty="0"/>
+            <a:endParaRPr lang="en-US" altLang="zh-CN" sz="2200" dirty="0"/>
           </a:p>
         </p:txBody>
       </p:sp>
@@ -23187,8 +23333,8 @@
         </p:nvGrpSpPr>
         <p:grpSpPr bwMode="auto">
           <a:xfrm>
-            <a:off x="2971800" y="1733731"/>
-            <a:ext cx="381000" cy="519245"/>
+            <a:off x="2711624" y="1733731"/>
+            <a:ext cx="641176" cy="519245"/>
             <a:chOff x="2078" y="1387"/>
             <a:chExt cx="1615" cy="2201"/>
           </a:xfrm>
@@ -23548,8 +23694,8 @@
         </p:nvGrpSpPr>
         <p:grpSpPr bwMode="auto">
           <a:xfrm>
-            <a:off x="3505200" y="2521131"/>
-            <a:ext cx="381000" cy="519245"/>
+            <a:off x="3245024" y="2521131"/>
+            <a:ext cx="641176" cy="519245"/>
             <a:chOff x="2078" y="1387"/>
             <a:chExt cx="1615" cy="2201"/>
           </a:xfrm>
@@ -23909,8 +24055,8 @@
         </p:nvGrpSpPr>
         <p:grpSpPr bwMode="auto">
           <a:xfrm>
-            <a:off x="3657600" y="3359331"/>
-            <a:ext cx="381000" cy="519245"/>
+            <a:off x="3397424" y="3359331"/>
+            <a:ext cx="641176" cy="519245"/>
             <a:chOff x="2078" y="1387"/>
             <a:chExt cx="1615" cy="2201"/>
           </a:xfrm>
@@ -24270,8 +24416,8 @@
         </p:nvGrpSpPr>
         <p:grpSpPr bwMode="auto">
           <a:xfrm>
-            <a:off x="3505200" y="4197531"/>
-            <a:ext cx="381000" cy="519245"/>
+            <a:off x="3245024" y="4197531"/>
+            <a:ext cx="641176" cy="519245"/>
             <a:chOff x="2078" y="1387"/>
             <a:chExt cx="1615" cy="2201"/>
           </a:xfrm>
@@ -24631,8 +24777,8 @@
         </p:nvGrpSpPr>
         <p:grpSpPr bwMode="auto">
           <a:xfrm>
-            <a:off x="3048000" y="4972231"/>
-            <a:ext cx="355600" cy="519245"/>
+            <a:off x="2805169" y="4972231"/>
+            <a:ext cx="598431" cy="519245"/>
             <a:chOff x="2078" y="1387"/>
             <a:chExt cx="1615" cy="2201"/>
           </a:xfrm>
@@ -25170,13 +25316,13 @@
         </p:nvSpPr>
         <p:spPr>
           <a:xfrm>
-            <a:off x="1981200" y="1556792"/>
-            <a:ext cx="8229600" cy="1143000"/>
+            <a:off x="1590328" y="1340768"/>
+            <a:ext cx="9011344" cy="1143000"/>
           </a:xfrm>
         </p:spPr>
         <p:txBody>
           <a:bodyPr>
-            <a:normAutofit/>
+            <a:noAutofit/>
           </a:bodyPr>
           <a:lstStyle/>
           <a:p>
@@ -25186,15 +25332,15 @@
               </a:lnSpc>
             </a:pPr>
             <a:r>
-              <a:rPr lang="zh-CN" altLang="en-US" sz="2400" dirty="0"/>
+              <a:rPr lang="zh-CN" altLang="en-US" sz="2800" dirty="0"/>
               <a:t>算法</a:t>
             </a:r>
             <a:r>
-              <a:rPr lang="en-US" altLang="zh-CN" sz="2400" dirty="0"/>
+              <a:rPr lang="en-US" altLang="zh-CN" sz="2800" dirty="0"/>
               <a:t>---</a:t>
             </a:r>
             <a:r>
-              <a:rPr lang="zh-CN" altLang="en-US" sz="2400" dirty="0"/>
+              <a:rPr lang="zh-CN" altLang="en-US" sz="2800" dirty="0"/>
               <a:t>是对特定问题求解步骤的一种描述，它是指令的有限序列，其中每一条指令表示一个或多个操作。</a:t>
             </a:r>
           </a:p>
@@ -25212,7 +25358,7 @@
         </p:nvSpPr>
         <p:spPr>
           <a:xfrm>
-            <a:off x="1991544" y="2968352"/>
+            <a:off x="1573440" y="2708920"/>
             <a:ext cx="3754760" cy="3052936"/>
           </a:xfrm>
         </p:spPr>
@@ -25390,7 +25536,7 @@
         </p:nvSpPr>
         <p:spPr>
           <a:xfrm>
-            <a:off x="6096000" y="2968352"/>
+            <a:off x="6394376" y="2708920"/>
             <a:ext cx="3754760" cy="2952328"/>
           </a:xfrm>
           <a:prstGeom prst="rect">
@@ -26363,7 +26509,7 @@
         </p:nvSpPr>
         <p:spPr bwMode="auto">
           <a:xfrm>
-            <a:off x="2974976" y="871539"/>
+            <a:off x="2486473" y="547593"/>
             <a:ext cx="6988175" cy="420687"/>
           </a:xfrm>
           <a:prstGeom prst="rect">
@@ -26394,7 +26540,7 @@
               <a:buSzPct val="90000"/>
             </a:pPr>
             <a:r>
-              <a:rPr kumimoji="1" lang="zh-CN" altLang="en-US" sz="2400" b="1">
+              <a:rPr kumimoji="1" lang="zh-CN" altLang="en-US" sz="2400" b="1" dirty="0">
                 <a:latin typeface="华文中宋" pitchFamily="2" charset="-122"/>
                 <a:ea typeface="华文中宋" pitchFamily="2" charset="-122"/>
               </a:rPr>
@@ -26413,7 +26559,7 @@
         </p:nvSpPr>
         <p:spPr bwMode="auto">
           <a:xfrm>
-            <a:off x="1831975" y="476250"/>
+            <a:off x="1343472" y="152304"/>
             <a:ext cx="1143000" cy="1066800"/>
           </a:xfrm>
           <a:prstGeom prst="star32">
@@ -26463,8 +26609,8 @@
         </p:nvSpPr>
         <p:spPr bwMode="auto">
           <a:xfrm>
-            <a:off x="1876426" y="1395413"/>
-            <a:ext cx="8765541" cy="1831976"/>
+            <a:off x="903996" y="1208437"/>
+            <a:ext cx="10153128" cy="1816908"/>
           </a:xfrm>
           <a:prstGeom prst="rect">
             <a:avLst/>
@@ -26479,7 +26625,7 @@
           <a:effectLst/>
         </p:spPr>
         <p:txBody>
-          <a:bodyPr wrap="none">
+          <a:bodyPr wrap="square">
             <a:spAutoFit/>
           </a:bodyPr>
           <a:lstStyle/>
@@ -26494,62 +26640,28 @@
               <a:buSzPct val="90000"/>
             </a:pPr>
             <a:r>
-              <a:rPr kumimoji="1" lang="en-US" altLang="zh-CN" sz="2400" b="1" dirty="0">
+              <a:rPr kumimoji="1" lang="en-US" altLang="zh-CN" sz="2600" b="1" dirty="0">
                 <a:latin typeface="Times New Roman" pitchFamily="18" charset="0"/>
               </a:rPr>
               <a:t>1</a:t>
             </a:r>
             <a:r>
-              <a:rPr kumimoji="1" lang="zh-CN" altLang="en-US" sz="2400" b="1" dirty="0">
+              <a:rPr kumimoji="1" lang="zh-CN" altLang="en-US" sz="2600" b="1" dirty="0">
                 <a:latin typeface="Times New Roman" pitchFamily="18" charset="0"/>
               </a:rPr>
-              <a:t>、一个程序不一定满足有穷性（如一个操作系统在用户未使 </a:t>
-            </a:r>
-          </a:p>
-          <a:p>
-            <a:pPr>
-              <a:lnSpc>
-                <a:spcPct val="150000"/>
-              </a:lnSpc>
-              <a:spcBef>
-                <a:spcPct val="20000"/>
-              </a:spcBef>
-              <a:buSzPct val="90000"/>
-            </a:pPr>
-            <a:r>
-              <a:rPr kumimoji="1" lang="zh-CN" altLang="en-US" sz="2400" b="1" dirty="0">
+              <a:t>、一个程序不一定满足有穷性（如一个操作系统在用户未使用前一直处于“等待” 的循环中</a:t>
+            </a:r>
+            <a:r>
+              <a:rPr kumimoji="1" lang="en-US" altLang="zh-CN" sz="2600" b="1" dirty="0">
                 <a:latin typeface="Times New Roman" pitchFamily="18" charset="0"/>
               </a:rPr>
-              <a:t>      用前一直处于“等待” 的循环中</a:t>
-            </a:r>
-            <a:r>
-              <a:rPr kumimoji="1" lang="en-US" altLang="zh-CN" sz="2400" b="1" dirty="0">
+              <a:t>,  </a:t>
+            </a:r>
+            <a:r>
+              <a:rPr kumimoji="1" lang="zh-CN" altLang="en-US" sz="2600" b="1" dirty="0">
                 <a:latin typeface="Times New Roman" pitchFamily="18" charset="0"/>
               </a:rPr>
-              <a:t>,  </a:t>
-            </a:r>
-            <a:r>
-              <a:rPr kumimoji="1" lang="zh-CN" altLang="en-US" sz="2400" b="1" dirty="0">
-                <a:latin typeface="Times New Roman" pitchFamily="18" charset="0"/>
-              </a:rPr>
-              <a:t>直到出现新的用户事件为 </a:t>
-            </a:r>
-          </a:p>
-          <a:p>
-            <a:pPr>
-              <a:lnSpc>
-                <a:spcPct val="150000"/>
-              </a:lnSpc>
-              <a:spcBef>
-                <a:spcPct val="20000"/>
-              </a:spcBef>
-              <a:buSzPct val="90000"/>
-            </a:pPr>
-            <a:r>
-              <a:rPr kumimoji="1" lang="zh-CN" altLang="en-US" sz="2400" b="1" dirty="0">
-                <a:latin typeface="Times New Roman" pitchFamily="18" charset="0"/>
-              </a:rPr>
-              <a:t>      止。这样的系统可以无休止地运行，直到系统停工。）；</a:t>
+              <a:t>直到出现新的用户事件为止。这样的系统可以无休止地运行，直到系统停工。）；</a:t>
             </a:r>
           </a:p>
         </p:txBody>
@@ -26564,8 +26676,8 @@
         </p:nvSpPr>
         <p:spPr bwMode="auto">
           <a:xfrm>
-            <a:off x="1876425" y="3317875"/>
-            <a:ext cx="8767144" cy="1204112"/>
+            <a:off x="903996" y="3025345"/>
+            <a:ext cx="10153128" cy="1216743"/>
           </a:xfrm>
           <a:prstGeom prst="rect">
             <a:avLst/>
@@ -26580,7 +26692,7 @@
           <a:effectLst/>
         </p:spPr>
         <p:txBody>
-          <a:bodyPr wrap="none">
+          <a:bodyPr wrap="square">
             <a:spAutoFit/>
           </a:bodyPr>
           <a:lstStyle/>
@@ -26595,35 +26707,18 @@
               <a:buSzPct val="90000"/>
             </a:pPr>
             <a:r>
-              <a:rPr kumimoji="1" lang="en-US" altLang="zh-CN" sz="2400" b="1">
+              <a:rPr kumimoji="1" lang="en-US" altLang="zh-CN" sz="2600" b="1" dirty="0">
                 <a:latin typeface="Times New Roman" pitchFamily="18" charset="0"/>
               </a:rPr>
               <a:t>2</a:t>
             </a:r>
             <a:r>
-              <a:rPr kumimoji="1" lang="zh-CN" altLang="en-US" sz="2400" b="1">
+              <a:rPr kumimoji="1" lang="zh-CN" altLang="en-US" sz="2600" b="1" dirty="0">
                 <a:latin typeface="Times New Roman" pitchFamily="18" charset="0"/>
               </a:rPr>
-              <a:t>、程序中的指令必须是机器可执行的，而算法中的指令则无 </a:t>
-            </a:r>
-          </a:p>
-          <a:p>
-            <a:pPr>
-              <a:lnSpc>
-                <a:spcPct val="150000"/>
-              </a:lnSpc>
-              <a:spcBef>
-                <a:spcPct val="20000"/>
-              </a:spcBef>
-              <a:buSzPct val="90000"/>
-            </a:pPr>
-            <a:r>
-              <a:rPr kumimoji="1" lang="zh-CN" altLang="en-US" sz="2400" b="1">
-                <a:latin typeface="Times New Roman" pitchFamily="18" charset="0"/>
-              </a:rPr>
-              <a:t>      此限制。算法若用计算机语言来书写，则它就可以是程序。 </a:t>
-            </a:r>
-            <a:endParaRPr kumimoji="1" lang="zh-CN" altLang="en-US" sz="2400">
+              <a:t>、程序中的指令必须是机器可执行的，而算法中的指令则无此限制。算法若用计算机语言来书写，则它就可以是程序。 </a:t>
+            </a:r>
+            <a:endParaRPr kumimoji="1" lang="zh-CN" altLang="en-US" sz="2600" dirty="0">
               <a:latin typeface="Times New Roman" pitchFamily="18" charset="0"/>
               <a:ea typeface="宋体" pitchFamily="2" charset="-122"/>
             </a:endParaRPr>
@@ -26640,8 +26735,8 @@
         </p:nvSpPr>
         <p:spPr bwMode="auto">
           <a:xfrm>
-            <a:off x="1846263" y="4646614"/>
-            <a:ext cx="8489950" cy="1735137"/>
+            <a:off x="903996" y="4465489"/>
+            <a:ext cx="10153128" cy="1232197"/>
           </a:xfrm>
           <a:prstGeom prst="rect">
             <a:avLst/>
@@ -26656,7 +26751,7 @@
           <a:effectLst/>
         </p:spPr>
         <p:txBody>
-          <a:bodyPr wrap="none">
+          <a:bodyPr wrap="square">
             <a:spAutoFit/>
           </a:bodyPr>
           <a:lstStyle/>
@@ -26667,7 +26762,7 @@
               </a:lnSpc>
             </a:pPr>
             <a:r>
-              <a:rPr kumimoji="1" lang="en-US" altLang="zh-CN" sz="2400" b="1">
+              <a:rPr kumimoji="1" lang="en-US" altLang="zh-CN" sz="2600" b="1" dirty="0">
                 <a:solidFill>
                   <a:srgbClr val="000000"/>
                 </a:solidFill>
@@ -26677,108 +26772,74 @@
               <a:t>        </a:t>
             </a:r>
             <a:r>
-              <a:rPr kumimoji="1" lang="zh-CN" altLang="en-US" sz="2400" b="1">
+              <a:rPr kumimoji="1" lang="zh-CN" altLang="en-US" sz="2600" b="1" dirty="0">
                 <a:solidFill>
                   <a:srgbClr val="000000"/>
                 </a:solidFill>
                 <a:latin typeface="Times New Roman" pitchFamily="18" charset="0"/>
                 <a:ea typeface="华文新魏" pitchFamily="2" charset="-122"/>
               </a:rPr>
-              <a:t>一个算法可以用自然语言、数学语言或约定符号来描述， </a:t>
-            </a:r>
-          </a:p>
-          <a:p>
-            <a:pPr>
-              <a:lnSpc>
-                <a:spcPct val="150000"/>
-              </a:lnSpc>
-            </a:pPr>
-            <a:r>
-              <a:rPr kumimoji="1" lang="zh-CN" altLang="en-US" sz="2400" b="1">
+              <a:t>一个算法可以用自然语言、数学语言或约定符号来描述，也可以用流程图、计算机高级程序语言</a:t>
+            </a:r>
+            <a:r>
+              <a:rPr kumimoji="1" lang="zh-CN" altLang="en-US" sz="2600" b="1" dirty="0">
+                <a:solidFill>
+                  <a:srgbClr val="000000"/>
+                </a:solidFill>
+                <a:latin typeface="Times New Roman" pitchFamily="18" charset="0"/>
+                <a:ea typeface="华文中宋" pitchFamily="2" charset="-122"/>
+              </a:rPr>
+              <a:t>（</a:t>
+            </a:r>
+            <a:r>
+              <a:rPr kumimoji="1" lang="zh-CN" altLang="en-US" sz="2600" b="1" dirty="0">
                 <a:solidFill>
                   <a:srgbClr val="000000"/>
                 </a:solidFill>
                 <a:latin typeface="Times New Roman" pitchFamily="18" charset="0"/>
                 <a:ea typeface="华文新魏" pitchFamily="2" charset="-122"/>
               </a:rPr>
-              <a:t>也可以用流程图、计算机高级程序语言</a:t>
-            </a:r>
-            <a:r>
-              <a:rPr kumimoji="1" lang="zh-CN" altLang="en-US" sz="2400" b="1">
+              <a:t>如 </a:t>
+            </a:r>
+            <a:r>
+              <a:rPr kumimoji="1" lang="en-US" altLang="zh-CN" sz="2600" b="1" dirty="0">
+                <a:solidFill>
+                  <a:srgbClr val="000000"/>
+                </a:solidFill>
+                <a:latin typeface="Times New Roman" pitchFamily="18" charset="0"/>
+                <a:ea typeface="华文新魏" pitchFamily="2" charset="-122"/>
+              </a:rPr>
+              <a:t>C </a:t>
+            </a:r>
+            <a:r>
+              <a:rPr kumimoji="1" lang="zh-CN" altLang="en-US" sz="2600" b="1" dirty="0">
+                <a:solidFill>
+                  <a:srgbClr val="000000"/>
+                </a:solidFill>
+                <a:latin typeface="Times New Roman" pitchFamily="18" charset="0"/>
+                <a:ea typeface="华文新魏" pitchFamily="2" charset="-122"/>
+              </a:rPr>
+              <a:t>语言</a:t>
+            </a:r>
+            <a:r>
+              <a:rPr kumimoji="1" lang="zh-CN" altLang="en-US" sz="2600" b="1" dirty="0">
                 <a:solidFill>
                   <a:srgbClr val="000000"/>
                 </a:solidFill>
                 <a:latin typeface="Times New Roman" pitchFamily="18" charset="0"/>
                 <a:ea typeface="华文中宋" pitchFamily="2" charset="-122"/>
               </a:rPr>
-              <a:t>（</a:t>
-            </a:r>
-            <a:r>
-              <a:rPr kumimoji="1" lang="zh-CN" altLang="en-US" sz="2400" b="1">
+              <a:t>）</a:t>
+            </a:r>
+            <a:r>
+              <a:rPr kumimoji="1" lang="zh-CN" altLang="en-US" sz="2600" b="1" dirty="0">
                 <a:solidFill>
                   <a:srgbClr val="000000"/>
                 </a:solidFill>
                 <a:latin typeface="Times New Roman" pitchFamily="18" charset="0"/>
                 <a:ea typeface="华文新魏" pitchFamily="2" charset="-122"/>
               </a:rPr>
-              <a:t>如 </a:t>
-            </a:r>
-            <a:r>
-              <a:rPr kumimoji="1" lang="en-US" altLang="zh-CN" sz="2400" b="1">
-                <a:solidFill>
-                  <a:srgbClr val="000000"/>
-                </a:solidFill>
-                <a:latin typeface="Times New Roman" pitchFamily="18" charset="0"/>
-                <a:ea typeface="华文新魏" pitchFamily="2" charset="-122"/>
-              </a:rPr>
-              <a:t>C </a:t>
-            </a:r>
-            <a:r>
-              <a:rPr kumimoji="1" lang="zh-CN" altLang="en-US" sz="2400" b="1">
-                <a:solidFill>
-                  <a:srgbClr val="000000"/>
-                </a:solidFill>
-                <a:latin typeface="Times New Roman" pitchFamily="18" charset="0"/>
-                <a:ea typeface="华文新魏" pitchFamily="2" charset="-122"/>
-              </a:rPr>
-              <a:t>语言</a:t>
-            </a:r>
-            <a:r>
-              <a:rPr kumimoji="1" lang="zh-CN" altLang="en-US" sz="2400" b="1">
-                <a:solidFill>
-                  <a:srgbClr val="000000"/>
-                </a:solidFill>
-                <a:latin typeface="Times New Roman" pitchFamily="18" charset="0"/>
-                <a:ea typeface="华文中宋" pitchFamily="2" charset="-122"/>
-              </a:rPr>
-              <a:t>）</a:t>
-            </a:r>
-            <a:r>
-              <a:rPr kumimoji="1" lang="zh-CN" altLang="en-US" sz="2400" b="1">
-                <a:solidFill>
-                  <a:srgbClr val="000000"/>
-                </a:solidFill>
-                <a:latin typeface="Times New Roman" pitchFamily="18" charset="0"/>
-                <a:ea typeface="华文新魏" pitchFamily="2" charset="-122"/>
-              </a:rPr>
-              <a:t>或伪代 </a:t>
-            </a:r>
-          </a:p>
-          <a:p>
-            <a:pPr>
-              <a:lnSpc>
-                <a:spcPct val="150000"/>
-              </a:lnSpc>
-            </a:pPr>
-            <a:r>
-              <a:rPr kumimoji="1" lang="zh-CN" altLang="en-US" sz="2400" b="1">
-                <a:solidFill>
-                  <a:srgbClr val="000000"/>
-                </a:solidFill>
-                <a:latin typeface="Times New Roman" pitchFamily="18" charset="0"/>
-                <a:ea typeface="华文新魏" pitchFamily="2" charset="-122"/>
-              </a:rPr>
-              <a:t>码等来描述 。 </a:t>
+              <a:t>或伪代码等来描述 。 </a:t>
             </a:r>
           </a:p>
         </p:txBody>
@@ -27224,7 +27285,12 @@
             <p:ph type="title"/>
           </p:nvPr>
         </p:nvSpPr>
-        <p:spPr/>
+        <p:spPr>
+          <a:xfrm>
+            <a:off x="609600" y="0"/>
+            <a:ext cx="10972800" cy="954360"/>
+          </a:xfrm>
+        </p:spPr>
         <p:txBody>
           <a:bodyPr/>
           <a:lstStyle/>
@@ -27248,13 +27314,13 @@
         </p:nvSpPr>
         <p:spPr>
           <a:xfrm>
-            <a:off x="1981200" y="1379910"/>
-            <a:ext cx="8229600" cy="5073427"/>
+            <a:off x="1055440" y="762790"/>
+            <a:ext cx="8229600" cy="6093296"/>
           </a:xfrm>
         </p:spPr>
         <p:txBody>
           <a:bodyPr>
-            <a:normAutofit fontScale="92500" lnSpcReduction="20000"/>
+            <a:noAutofit/>
           </a:bodyPr>
           <a:lstStyle/>
           <a:p>
@@ -27342,15 +27408,7 @@
             </a:r>
             <a:r>
               <a:rPr lang="en-US" altLang="zh-CN" sz="2800" dirty="0"/>
-              <a:t> = n-1, change = </a:t>
-            </a:r>
-            <a:r>
-              <a:rPr lang="en-US" altLang="zh-CN" sz="2800" dirty="0" err="1"/>
-              <a:t>TURE;i</a:t>
-            </a:r>
-            <a:r>
-              <a:rPr lang="en-US" altLang="zh-CN" sz="2800" dirty="0"/>
-              <a:t>&gt;=1 &amp;&amp; change; </a:t>
+              <a:t> = n-1, change = TURE ;</a:t>
             </a:r>
             <a:r>
               <a:rPr lang="en-US" altLang="zh-CN" sz="2800" dirty="0" err="1"/>
@@ -27358,7 +27416,15 @@
             </a:r>
             <a:r>
               <a:rPr lang="en-US" altLang="zh-CN" sz="2800" dirty="0"/>
-              <a:t>--)</a:t>
+              <a:t> &gt;= 1 &amp;&amp; change ;  --</a:t>
+            </a:r>
+            <a:r>
+              <a:rPr lang="en-US" altLang="zh-CN" sz="2800" dirty="0" err="1"/>
+              <a:t>i</a:t>
+            </a:r>
+            <a:r>
+              <a:rPr lang="en-US" altLang="zh-CN" sz="2800" dirty="0"/>
+              <a:t>)</a:t>
             </a:r>
           </a:p>
           <a:p>
@@ -27398,15 +27464,15 @@
             </a:pPr>
             <a:r>
               <a:rPr lang="en-US" altLang="zh-CN" sz="2800" dirty="0"/>
-              <a:t>             for(j = 0; j&lt;</a:t>
+              <a:t>             for(j = 0; j &lt; </a:t>
             </a:r>
             <a:r>
               <a:rPr lang="en-US" altLang="zh-CN" sz="2800" dirty="0" err="1"/>
-              <a:t>i;j</a:t>
+              <a:t>i</a:t>
             </a:r>
             <a:r>
               <a:rPr lang="en-US" altLang="zh-CN" sz="2800" dirty="0"/>
-              <a:t>++)</a:t>
+              <a:t>; ++j)</a:t>
             </a:r>
           </a:p>
           <a:p>
@@ -27452,7 +27518,7 @@
             </a:pPr>
             <a:r>
               <a:rPr lang="en-US" altLang="zh-CN" sz="2800" dirty="0"/>
-              <a:t>                           change = TRUE;</a:t>
+              <a:t>                        change = TRUE;</a:t>
             </a:r>
           </a:p>
           <a:p>
@@ -27473,6 +27539,86 @@
               <a:t>}</a:t>
             </a:r>
             <a:endParaRPr lang="zh-CN" altLang="en-US" sz="2800" dirty="0"/>
+          </a:p>
+        </p:txBody>
+      </p:sp>
+      <p:sp>
+        <p:nvSpPr>
+          <p:cNvPr id="3" name="思想气泡: 云 2">
+            <a:extLst>
+              <a:ext uri="{FF2B5EF4-FFF2-40B4-BE49-F238E27FC236}">
+                <a16:creationId xmlns:a16="http://schemas.microsoft.com/office/drawing/2014/main" id="{35CA2AD1-7AF9-44AE-B0BD-EE535E57828C}"/>
+              </a:ext>
+            </a:extLst>
+          </p:cNvPr>
+          <p:cNvSpPr/>
+          <p:nvPr/>
+        </p:nvSpPr>
+        <p:spPr>
+          <a:xfrm>
+            <a:off x="8688288" y="260648"/>
+            <a:ext cx="3503712" cy="1296144"/>
+          </a:xfrm>
+          <a:prstGeom prst="cloudCallout">
+            <a:avLst/>
+          </a:prstGeom>
+          <a:noFill/>
+          <a:ln>
+            <a:solidFill>
+              <a:schemeClr val="tx1"/>
+            </a:solidFill>
+          </a:ln>
+        </p:spPr>
+        <p:style>
+          <a:lnRef idx="2">
+            <a:schemeClr val="accent1">
+              <a:shade val="50000"/>
+            </a:schemeClr>
+          </a:lnRef>
+          <a:fillRef idx="1">
+            <a:schemeClr val="accent1"/>
+          </a:fillRef>
+          <a:effectRef idx="0">
+            <a:schemeClr val="accent1"/>
+          </a:effectRef>
+          <a:fontRef idx="minor">
+            <a:schemeClr val="lt1"/>
+          </a:fontRef>
+        </p:style>
+        <p:txBody>
+          <a:bodyPr rtlCol="0" anchor="ctr"/>
+          <a:lstStyle/>
+          <a:p>
+            <a:pPr algn="ctr"/>
+            <a:r>
+              <a:rPr lang="zh-CN" altLang="en-US" sz="2800" dirty="0">
+                <a:solidFill>
+                  <a:srgbClr val="002060"/>
+                </a:solidFill>
+              </a:rPr>
+              <a:t>冒泡排序</a:t>
+            </a:r>
+            <a:endParaRPr lang="en-US" altLang="zh-CN" sz="2800" dirty="0">
+              <a:solidFill>
+                <a:srgbClr val="002060"/>
+              </a:solidFill>
+            </a:endParaRPr>
+          </a:p>
+          <a:p>
+            <a:pPr algn="ctr"/>
+            <a:r>
+              <a:rPr lang="zh-CN" altLang="en-US" sz="2800" dirty="0">
+                <a:solidFill>
+                  <a:srgbClr val="002060"/>
+                </a:solidFill>
+              </a:rPr>
+              <a:t>算法？</a:t>
+            </a:r>
+            <a:endParaRPr lang="zh-CN" altLang="en-US" dirty="0">
+              <a:solidFill>
+                <a:srgbClr val="002060"/>
+              </a:solidFill>
+            </a:endParaRPr>
           </a:p>
         </p:txBody>
       </p:sp>
@@ -27481,6 +27627,673 @@
   <p:clrMapOvr>
     <a:masterClrMapping/>
   </p:clrMapOvr>
+  <p:timing>
+    <p:tnLst>
+      <p:par>
+        <p:cTn id="1" dur="indefinite" restart="never" nodeType="tmRoot">
+          <p:childTnLst>
+            <p:seq concurrent="1" nextAc="seek">
+              <p:cTn id="2" dur="indefinite" nodeType="mainSeq">
+                <p:childTnLst>
+                  <p:par>
+                    <p:cTn id="3" fill="hold">
+                      <p:stCondLst>
+                        <p:cond delay="indefinite"/>
+                      </p:stCondLst>
+                      <p:childTnLst>
+                        <p:par>
+                          <p:cTn id="4" fill="hold">
+                            <p:stCondLst>
+                              <p:cond delay="0"/>
+                            </p:stCondLst>
+                            <p:childTnLst>
+                              <p:par>
+                                <p:cTn id="5" presetID="42" presetClass="entr" presetSubtype="0" fill="hold" grpId="0" nodeType="clickEffect">
+                                  <p:stCondLst>
+                                    <p:cond delay="0"/>
+                                  </p:stCondLst>
+                                  <p:childTnLst>
+                                    <p:set>
+                                      <p:cBhvr>
+                                        <p:cTn id="6" dur="1" fill="hold">
+                                          <p:stCondLst>
+                                            <p:cond delay="0"/>
+                                          </p:stCondLst>
+                                        </p:cTn>
+                                        <p:tgtEl>
+                                          <p:spTgt spid="3"/>
+                                        </p:tgtEl>
+                                        <p:attrNameLst>
+                                          <p:attrName>style.visibility</p:attrName>
+                                        </p:attrNameLst>
+                                      </p:cBhvr>
+                                      <p:to>
+                                        <p:strVal val="visible"/>
+                                      </p:to>
+                                    </p:set>
+                                    <p:animEffect transition="in" filter="fade">
+                                      <p:cBhvr>
+                                        <p:cTn id="7" dur="1000"/>
+                                        <p:tgtEl>
+                                          <p:spTgt spid="3"/>
+                                        </p:tgtEl>
+                                      </p:cBhvr>
+                                    </p:animEffect>
+                                    <p:anim calcmode="lin" valueType="num">
+                                      <p:cBhvr>
+                                        <p:cTn id="8" dur="1000" fill="hold"/>
+                                        <p:tgtEl>
+                                          <p:spTgt spid="3"/>
+                                        </p:tgtEl>
+                                        <p:attrNameLst>
+                                          <p:attrName>ppt_x</p:attrName>
+                                        </p:attrNameLst>
+                                      </p:cBhvr>
+                                      <p:tavLst>
+                                        <p:tav tm="0">
+                                          <p:val>
+                                            <p:strVal val="#ppt_x"/>
+                                          </p:val>
+                                        </p:tav>
+                                        <p:tav tm="100000">
+                                          <p:val>
+                                            <p:strVal val="#ppt_x"/>
+                                          </p:val>
+                                        </p:tav>
+                                      </p:tavLst>
+                                    </p:anim>
+                                    <p:anim calcmode="lin" valueType="num">
+                                      <p:cBhvr>
+                                        <p:cTn id="9" dur="1000" fill="hold"/>
+                                        <p:tgtEl>
+                                          <p:spTgt spid="3"/>
+                                        </p:tgtEl>
+                                        <p:attrNameLst>
+                                          <p:attrName>ppt_y</p:attrName>
+                                        </p:attrNameLst>
+                                      </p:cBhvr>
+                                      <p:tavLst>
+                                        <p:tav tm="0">
+                                          <p:val>
+                                            <p:strVal val="#ppt_y+.1"/>
+                                          </p:val>
+                                        </p:tav>
+                                        <p:tav tm="100000">
+                                          <p:val>
+                                            <p:strVal val="#ppt_y"/>
+                                          </p:val>
+                                        </p:tav>
+                                      </p:tavLst>
+                                    </p:anim>
+                                  </p:childTnLst>
+                                </p:cTn>
+                              </p:par>
+                            </p:childTnLst>
+                          </p:cTn>
+                        </p:par>
+                      </p:childTnLst>
+                    </p:cTn>
+                  </p:par>
+                  <p:par>
+                    <p:cTn id="10" fill="hold">
+                      <p:stCondLst>
+                        <p:cond delay="indefinite"/>
+                      </p:stCondLst>
+                      <p:childTnLst>
+                        <p:par>
+                          <p:cTn id="11" fill="hold">
+                            <p:stCondLst>
+                              <p:cond delay="0"/>
+                            </p:stCondLst>
+                            <p:childTnLst>
+                              <p:par>
+                                <p:cTn id="12" presetID="14" presetClass="entr" presetSubtype="10" fill="hold" grpId="0" nodeType="clickEffect">
+                                  <p:stCondLst>
+                                    <p:cond delay="0"/>
+                                  </p:stCondLst>
+                                  <p:childTnLst>
+                                    <p:set>
+                                      <p:cBhvr>
+                                        <p:cTn id="13" dur="1" fill="hold">
+                                          <p:stCondLst>
+                                            <p:cond delay="0"/>
+                                          </p:stCondLst>
+                                        </p:cTn>
+                                        <p:tgtEl>
+                                          <p:spTgt spid="4">
+                                            <p:txEl>
+                                              <p:pRg st="0" end="0"/>
+                                            </p:txEl>
+                                          </p:spTgt>
+                                        </p:tgtEl>
+                                        <p:attrNameLst>
+                                          <p:attrName>style.visibility</p:attrName>
+                                        </p:attrNameLst>
+                                      </p:cBhvr>
+                                      <p:to>
+                                        <p:strVal val="visible"/>
+                                      </p:to>
+                                    </p:set>
+                                    <p:animEffect transition="in" filter="randombar(horizontal)">
+                                      <p:cBhvr>
+                                        <p:cTn id="14" dur="500"/>
+                                        <p:tgtEl>
+                                          <p:spTgt spid="4">
+                                            <p:txEl>
+                                              <p:pRg st="0" end="0"/>
+                                            </p:txEl>
+                                          </p:spTgt>
+                                        </p:tgtEl>
+                                      </p:cBhvr>
+                                    </p:animEffect>
+                                  </p:childTnLst>
+                                </p:cTn>
+                              </p:par>
+                              <p:par>
+                                <p:cTn id="15" presetID="14" presetClass="entr" presetSubtype="10" fill="hold" grpId="0" nodeType="withEffect">
+                                  <p:stCondLst>
+                                    <p:cond delay="0"/>
+                                  </p:stCondLst>
+                                  <p:childTnLst>
+                                    <p:set>
+                                      <p:cBhvr>
+                                        <p:cTn id="16" dur="1" fill="hold">
+                                          <p:stCondLst>
+                                            <p:cond delay="0"/>
+                                          </p:stCondLst>
+                                        </p:cTn>
+                                        <p:tgtEl>
+                                          <p:spTgt spid="4">
+                                            <p:txEl>
+                                              <p:pRg st="1" end="1"/>
+                                            </p:txEl>
+                                          </p:spTgt>
+                                        </p:tgtEl>
+                                        <p:attrNameLst>
+                                          <p:attrName>style.visibility</p:attrName>
+                                        </p:attrNameLst>
+                                      </p:cBhvr>
+                                      <p:to>
+                                        <p:strVal val="visible"/>
+                                      </p:to>
+                                    </p:set>
+                                    <p:animEffect transition="in" filter="randombar(horizontal)">
+                                      <p:cBhvr>
+                                        <p:cTn id="17" dur="500"/>
+                                        <p:tgtEl>
+                                          <p:spTgt spid="4">
+                                            <p:txEl>
+                                              <p:pRg st="1" end="1"/>
+                                            </p:txEl>
+                                          </p:spTgt>
+                                        </p:tgtEl>
+                                      </p:cBhvr>
+                                    </p:animEffect>
+                                  </p:childTnLst>
+                                </p:cTn>
+                              </p:par>
+                              <p:par>
+                                <p:cTn id="18" presetID="14" presetClass="entr" presetSubtype="10" fill="hold" grpId="0" nodeType="withEffect">
+                                  <p:stCondLst>
+                                    <p:cond delay="0"/>
+                                  </p:stCondLst>
+                                  <p:childTnLst>
+                                    <p:set>
+                                      <p:cBhvr>
+                                        <p:cTn id="19" dur="1" fill="hold">
+                                          <p:stCondLst>
+                                            <p:cond delay="0"/>
+                                          </p:stCondLst>
+                                        </p:cTn>
+                                        <p:tgtEl>
+                                          <p:spTgt spid="4">
+                                            <p:txEl>
+                                              <p:pRg st="2" end="2"/>
+                                            </p:txEl>
+                                          </p:spTgt>
+                                        </p:tgtEl>
+                                        <p:attrNameLst>
+                                          <p:attrName>style.visibility</p:attrName>
+                                        </p:attrNameLst>
+                                      </p:cBhvr>
+                                      <p:to>
+                                        <p:strVal val="visible"/>
+                                      </p:to>
+                                    </p:set>
+                                    <p:animEffect transition="in" filter="randombar(horizontal)">
+                                      <p:cBhvr>
+                                        <p:cTn id="20" dur="500"/>
+                                        <p:tgtEl>
+                                          <p:spTgt spid="4">
+                                            <p:txEl>
+                                              <p:pRg st="2" end="2"/>
+                                            </p:txEl>
+                                          </p:spTgt>
+                                        </p:tgtEl>
+                                      </p:cBhvr>
+                                    </p:animEffect>
+                                  </p:childTnLst>
+                                </p:cTn>
+                              </p:par>
+                              <p:par>
+                                <p:cTn id="21" presetID="14" presetClass="entr" presetSubtype="10" fill="hold" grpId="0" nodeType="withEffect">
+                                  <p:stCondLst>
+                                    <p:cond delay="0"/>
+                                  </p:stCondLst>
+                                  <p:childTnLst>
+                                    <p:set>
+                                      <p:cBhvr>
+                                        <p:cTn id="22" dur="1" fill="hold">
+                                          <p:stCondLst>
+                                            <p:cond delay="0"/>
+                                          </p:stCondLst>
+                                        </p:cTn>
+                                        <p:tgtEl>
+                                          <p:spTgt spid="4">
+                                            <p:txEl>
+                                              <p:pRg st="3" end="3"/>
+                                            </p:txEl>
+                                          </p:spTgt>
+                                        </p:tgtEl>
+                                        <p:attrNameLst>
+                                          <p:attrName>style.visibility</p:attrName>
+                                        </p:attrNameLst>
+                                      </p:cBhvr>
+                                      <p:to>
+                                        <p:strVal val="visible"/>
+                                      </p:to>
+                                    </p:set>
+                                    <p:animEffect transition="in" filter="randombar(horizontal)">
+                                      <p:cBhvr>
+                                        <p:cTn id="23" dur="500"/>
+                                        <p:tgtEl>
+                                          <p:spTgt spid="4">
+                                            <p:txEl>
+                                              <p:pRg st="3" end="3"/>
+                                            </p:txEl>
+                                          </p:spTgt>
+                                        </p:tgtEl>
+                                      </p:cBhvr>
+                                    </p:animEffect>
+                                  </p:childTnLst>
+                                </p:cTn>
+                              </p:par>
+                              <p:par>
+                                <p:cTn id="24" presetID="14" presetClass="entr" presetSubtype="10" fill="hold" grpId="0" nodeType="withEffect">
+                                  <p:stCondLst>
+                                    <p:cond delay="0"/>
+                                  </p:stCondLst>
+                                  <p:childTnLst>
+                                    <p:set>
+                                      <p:cBhvr>
+                                        <p:cTn id="25" dur="1" fill="hold">
+                                          <p:stCondLst>
+                                            <p:cond delay="0"/>
+                                          </p:stCondLst>
+                                        </p:cTn>
+                                        <p:tgtEl>
+                                          <p:spTgt spid="4">
+                                            <p:txEl>
+                                              <p:pRg st="4" end="4"/>
+                                            </p:txEl>
+                                          </p:spTgt>
+                                        </p:tgtEl>
+                                        <p:attrNameLst>
+                                          <p:attrName>style.visibility</p:attrName>
+                                        </p:attrNameLst>
+                                      </p:cBhvr>
+                                      <p:to>
+                                        <p:strVal val="visible"/>
+                                      </p:to>
+                                    </p:set>
+                                    <p:animEffect transition="in" filter="randombar(horizontal)">
+                                      <p:cBhvr>
+                                        <p:cTn id="26" dur="500"/>
+                                        <p:tgtEl>
+                                          <p:spTgt spid="4">
+                                            <p:txEl>
+                                              <p:pRg st="4" end="4"/>
+                                            </p:txEl>
+                                          </p:spTgt>
+                                        </p:tgtEl>
+                                      </p:cBhvr>
+                                    </p:animEffect>
+                                  </p:childTnLst>
+                                </p:cTn>
+                              </p:par>
+                              <p:par>
+                                <p:cTn id="27" presetID="14" presetClass="entr" presetSubtype="10" fill="hold" grpId="0" nodeType="withEffect">
+                                  <p:stCondLst>
+                                    <p:cond delay="0"/>
+                                  </p:stCondLst>
+                                  <p:childTnLst>
+                                    <p:set>
+                                      <p:cBhvr>
+                                        <p:cTn id="28" dur="1" fill="hold">
+                                          <p:stCondLst>
+                                            <p:cond delay="0"/>
+                                          </p:stCondLst>
+                                        </p:cTn>
+                                        <p:tgtEl>
+                                          <p:spTgt spid="4">
+                                            <p:txEl>
+                                              <p:pRg st="5" end="5"/>
+                                            </p:txEl>
+                                          </p:spTgt>
+                                        </p:tgtEl>
+                                        <p:attrNameLst>
+                                          <p:attrName>style.visibility</p:attrName>
+                                        </p:attrNameLst>
+                                      </p:cBhvr>
+                                      <p:to>
+                                        <p:strVal val="visible"/>
+                                      </p:to>
+                                    </p:set>
+                                    <p:animEffect transition="in" filter="randombar(horizontal)">
+                                      <p:cBhvr>
+                                        <p:cTn id="29" dur="500"/>
+                                        <p:tgtEl>
+                                          <p:spTgt spid="4">
+                                            <p:txEl>
+                                              <p:pRg st="5" end="5"/>
+                                            </p:txEl>
+                                          </p:spTgt>
+                                        </p:tgtEl>
+                                      </p:cBhvr>
+                                    </p:animEffect>
+                                  </p:childTnLst>
+                                </p:cTn>
+                              </p:par>
+                              <p:par>
+                                <p:cTn id="30" presetID="14" presetClass="entr" presetSubtype="10" fill="hold" grpId="0" nodeType="withEffect">
+                                  <p:stCondLst>
+                                    <p:cond delay="0"/>
+                                  </p:stCondLst>
+                                  <p:childTnLst>
+                                    <p:set>
+                                      <p:cBhvr>
+                                        <p:cTn id="31" dur="1" fill="hold">
+                                          <p:stCondLst>
+                                            <p:cond delay="0"/>
+                                          </p:stCondLst>
+                                        </p:cTn>
+                                        <p:tgtEl>
+                                          <p:spTgt spid="4">
+                                            <p:txEl>
+                                              <p:pRg st="6" end="6"/>
+                                            </p:txEl>
+                                          </p:spTgt>
+                                        </p:tgtEl>
+                                        <p:attrNameLst>
+                                          <p:attrName>style.visibility</p:attrName>
+                                        </p:attrNameLst>
+                                      </p:cBhvr>
+                                      <p:to>
+                                        <p:strVal val="visible"/>
+                                      </p:to>
+                                    </p:set>
+                                    <p:animEffect transition="in" filter="randombar(horizontal)">
+                                      <p:cBhvr>
+                                        <p:cTn id="32" dur="500"/>
+                                        <p:tgtEl>
+                                          <p:spTgt spid="4">
+                                            <p:txEl>
+                                              <p:pRg st="6" end="6"/>
+                                            </p:txEl>
+                                          </p:spTgt>
+                                        </p:tgtEl>
+                                      </p:cBhvr>
+                                    </p:animEffect>
+                                  </p:childTnLst>
+                                </p:cTn>
+                              </p:par>
+                              <p:par>
+                                <p:cTn id="33" presetID="14" presetClass="entr" presetSubtype="10" fill="hold" grpId="0" nodeType="withEffect">
+                                  <p:stCondLst>
+                                    <p:cond delay="0"/>
+                                  </p:stCondLst>
+                                  <p:childTnLst>
+                                    <p:set>
+                                      <p:cBhvr>
+                                        <p:cTn id="34" dur="1" fill="hold">
+                                          <p:stCondLst>
+                                            <p:cond delay="0"/>
+                                          </p:stCondLst>
+                                        </p:cTn>
+                                        <p:tgtEl>
+                                          <p:spTgt spid="4">
+                                            <p:txEl>
+                                              <p:pRg st="7" end="7"/>
+                                            </p:txEl>
+                                          </p:spTgt>
+                                        </p:tgtEl>
+                                        <p:attrNameLst>
+                                          <p:attrName>style.visibility</p:attrName>
+                                        </p:attrNameLst>
+                                      </p:cBhvr>
+                                      <p:to>
+                                        <p:strVal val="visible"/>
+                                      </p:to>
+                                    </p:set>
+                                    <p:animEffect transition="in" filter="randombar(horizontal)">
+                                      <p:cBhvr>
+                                        <p:cTn id="35" dur="500"/>
+                                        <p:tgtEl>
+                                          <p:spTgt spid="4">
+                                            <p:txEl>
+                                              <p:pRg st="7" end="7"/>
+                                            </p:txEl>
+                                          </p:spTgt>
+                                        </p:tgtEl>
+                                      </p:cBhvr>
+                                    </p:animEffect>
+                                  </p:childTnLst>
+                                </p:cTn>
+                              </p:par>
+                              <p:par>
+                                <p:cTn id="36" presetID="14" presetClass="entr" presetSubtype="10" fill="hold" grpId="0" nodeType="withEffect">
+                                  <p:stCondLst>
+                                    <p:cond delay="0"/>
+                                  </p:stCondLst>
+                                  <p:childTnLst>
+                                    <p:set>
+                                      <p:cBhvr>
+                                        <p:cTn id="37" dur="1" fill="hold">
+                                          <p:stCondLst>
+                                            <p:cond delay="0"/>
+                                          </p:stCondLst>
+                                        </p:cTn>
+                                        <p:tgtEl>
+                                          <p:spTgt spid="4">
+                                            <p:txEl>
+                                              <p:pRg st="8" end="8"/>
+                                            </p:txEl>
+                                          </p:spTgt>
+                                        </p:tgtEl>
+                                        <p:attrNameLst>
+                                          <p:attrName>style.visibility</p:attrName>
+                                        </p:attrNameLst>
+                                      </p:cBhvr>
+                                      <p:to>
+                                        <p:strVal val="visible"/>
+                                      </p:to>
+                                    </p:set>
+                                    <p:animEffect transition="in" filter="randombar(horizontal)">
+                                      <p:cBhvr>
+                                        <p:cTn id="38" dur="500"/>
+                                        <p:tgtEl>
+                                          <p:spTgt spid="4">
+                                            <p:txEl>
+                                              <p:pRg st="8" end="8"/>
+                                            </p:txEl>
+                                          </p:spTgt>
+                                        </p:tgtEl>
+                                      </p:cBhvr>
+                                    </p:animEffect>
+                                  </p:childTnLst>
+                                </p:cTn>
+                              </p:par>
+                              <p:par>
+                                <p:cTn id="39" presetID="14" presetClass="entr" presetSubtype="10" fill="hold" grpId="0" nodeType="withEffect">
+                                  <p:stCondLst>
+                                    <p:cond delay="0"/>
+                                  </p:stCondLst>
+                                  <p:childTnLst>
+                                    <p:set>
+                                      <p:cBhvr>
+                                        <p:cTn id="40" dur="1" fill="hold">
+                                          <p:stCondLst>
+                                            <p:cond delay="0"/>
+                                          </p:stCondLst>
+                                        </p:cTn>
+                                        <p:tgtEl>
+                                          <p:spTgt spid="4">
+                                            <p:txEl>
+                                              <p:pRg st="9" end="9"/>
+                                            </p:txEl>
+                                          </p:spTgt>
+                                        </p:tgtEl>
+                                        <p:attrNameLst>
+                                          <p:attrName>style.visibility</p:attrName>
+                                        </p:attrNameLst>
+                                      </p:cBhvr>
+                                      <p:to>
+                                        <p:strVal val="visible"/>
+                                      </p:to>
+                                    </p:set>
+                                    <p:animEffect transition="in" filter="randombar(horizontal)">
+                                      <p:cBhvr>
+                                        <p:cTn id="41" dur="500"/>
+                                        <p:tgtEl>
+                                          <p:spTgt spid="4">
+                                            <p:txEl>
+                                              <p:pRg st="9" end="9"/>
+                                            </p:txEl>
+                                          </p:spTgt>
+                                        </p:tgtEl>
+                                      </p:cBhvr>
+                                    </p:animEffect>
+                                  </p:childTnLst>
+                                </p:cTn>
+                              </p:par>
+                              <p:par>
+                                <p:cTn id="42" presetID="14" presetClass="entr" presetSubtype="10" fill="hold" grpId="0" nodeType="withEffect">
+                                  <p:stCondLst>
+                                    <p:cond delay="0"/>
+                                  </p:stCondLst>
+                                  <p:childTnLst>
+                                    <p:set>
+                                      <p:cBhvr>
+                                        <p:cTn id="43" dur="1" fill="hold">
+                                          <p:stCondLst>
+                                            <p:cond delay="0"/>
+                                          </p:stCondLst>
+                                        </p:cTn>
+                                        <p:tgtEl>
+                                          <p:spTgt spid="4">
+                                            <p:txEl>
+                                              <p:pRg st="10" end="10"/>
+                                            </p:txEl>
+                                          </p:spTgt>
+                                        </p:tgtEl>
+                                        <p:attrNameLst>
+                                          <p:attrName>style.visibility</p:attrName>
+                                        </p:attrNameLst>
+                                      </p:cBhvr>
+                                      <p:to>
+                                        <p:strVal val="visible"/>
+                                      </p:to>
+                                    </p:set>
+                                    <p:animEffect transition="in" filter="randombar(horizontal)">
+                                      <p:cBhvr>
+                                        <p:cTn id="44" dur="500"/>
+                                        <p:tgtEl>
+                                          <p:spTgt spid="4">
+                                            <p:txEl>
+                                              <p:pRg st="10" end="10"/>
+                                            </p:txEl>
+                                          </p:spTgt>
+                                        </p:tgtEl>
+                                      </p:cBhvr>
+                                    </p:animEffect>
+                                  </p:childTnLst>
+                                </p:cTn>
+                              </p:par>
+                              <p:par>
+                                <p:cTn id="45" presetID="14" presetClass="entr" presetSubtype="10" fill="hold" grpId="0" nodeType="withEffect">
+                                  <p:stCondLst>
+                                    <p:cond delay="0"/>
+                                  </p:stCondLst>
+                                  <p:childTnLst>
+                                    <p:set>
+                                      <p:cBhvr>
+                                        <p:cTn id="46" dur="1" fill="hold">
+                                          <p:stCondLst>
+                                            <p:cond delay="0"/>
+                                          </p:stCondLst>
+                                        </p:cTn>
+                                        <p:tgtEl>
+                                          <p:spTgt spid="4">
+                                            <p:txEl>
+                                              <p:pRg st="11" end="11"/>
+                                            </p:txEl>
+                                          </p:spTgt>
+                                        </p:tgtEl>
+                                        <p:attrNameLst>
+                                          <p:attrName>style.visibility</p:attrName>
+                                        </p:attrNameLst>
+                                      </p:cBhvr>
+                                      <p:to>
+                                        <p:strVal val="visible"/>
+                                      </p:to>
+                                    </p:set>
+                                    <p:animEffect transition="in" filter="randombar(horizontal)">
+                                      <p:cBhvr>
+                                        <p:cTn id="47" dur="500"/>
+                                        <p:tgtEl>
+                                          <p:spTgt spid="4">
+                                            <p:txEl>
+                                              <p:pRg st="11" end="11"/>
+                                            </p:txEl>
+                                          </p:spTgt>
+                                        </p:tgtEl>
+                                      </p:cBhvr>
+                                    </p:animEffect>
+                                  </p:childTnLst>
+                                </p:cTn>
+                              </p:par>
+                            </p:childTnLst>
+                          </p:cTn>
+                        </p:par>
+                      </p:childTnLst>
+                    </p:cTn>
+                  </p:par>
+                </p:childTnLst>
+              </p:cTn>
+              <p:prevCondLst>
+                <p:cond evt="onPrev" delay="0">
+                  <p:tgtEl>
+                    <p:sldTgt/>
+                  </p:tgtEl>
+                </p:cond>
+              </p:prevCondLst>
+              <p:nextCondLst>
+                <p:cond evt="onNext" delay="0">
+                  <p:tgtEl>
+                    <p:sldTgt/>
+                  </p:tgtEl>
+                </p:cond>
+              </p:nextCondLst>
+            </p:seq>
+          </p:childTnLst>
+        </p:cTn>
+      </p:par>
+    </p:tnLst>
+    <p:bldLst>
+      <p:bldP spid="4" grpId="0" build="p"/>
+      <p:bldP spid="3" grpId="0" animBg="1"/>
+    </p:bldLst>
+  </p:timing>
 </p:sld>
 </file>
 
@@ -30374,7 +31187,7 @@
             <a:graphicData uri="http://schemas.openxmlformats.org/presentationml/2006/ole">
               <mc:AlternateContent xmlns:mc="http://schemas.openxmlformats.org/markup-compatibility/2006">
                 <mc:Choice xmlns:v="urn:schemas-microsoft-com:vml" Requires="v">
-                  <p:oleObj spid="_x0000_s51236" name="公式" r:id="rId4" imgW="977760" imgH="393480" progId="Equation.3">
+                  <p:oleObj spid="_x0000_s51252" name="公式" r:id="rId4" imgW="977760" imgH="393480" progId="Equation.3">
                     <p:embed/>
                   </p:oleObj>
                 </mc:Choice>
@@ -35297,7 +36110,7 @@
           <a:graphicData uri="http://schemas.openxmlformats.org/presentationml/2006/ole">
             <mc:AlternateContent xmlns:mc="http://schemas.openxmlformats.org/markup-compatibility/2006">
               <mc:Choice xmlns:v="urn:schemas-microsoft-com:vml" Requires="v">
-                <p:oleObj spid="_x0000_s26660" name="VISIO" r:id="rId3" imgW="2374560" imgH="1721160" progId="Visio.Drawing.11">
+                <p:oleObj spid="_x0000_s26676" name="VISIO" r:id="rId3" imgW="2374560" imgH="1721160" progId="Visio.Drawing.11">
                   <p:embed/>
                 </p:oleObj>
               </mc:Choice>
@@ -35595,19 +36408,7 @@
               <a:rPr kumimoji="1" lang="en-US" altLang="zh-CN" sz="2000" b="1" dirty="0">
                 <a:latin typeface="Times New Roman" pitchFamily="18" charset="0"/>
               </a:rPr>
-              <a:t>Void bubble-sort(</a:t>
-            </a:r>
-            <a:r>
-              <a:rPr kumimoji="1" lang="en-US" altLang="zh-CN" sz="2000" b="1" dirty="0" err="1">
-                <a:latin typeface="Times New Roman" pitchFamily="18" charset="0"/>
-              </a:rPr>
-              <a:t>int</a:t>
-            </a:r>
-            <a:r>
-              <a:rPr kumimoji="1" lang="en-US" altLang="zh-CN" sz="2000" b="1" dirty="0">
-                <a:latin typeface="Times New Roman" pitchFamily="18" charset="0"/>
-              </a:rPr>
-              <a:t> </a:t>
+              <a:t> void bubble-sort(int </a:t>
             </a:r>
             <a:r>
               <a:rPr kumimoji="1" lang="en-US" altLang="zh-CN" sz="2000" b="1" i="1" dirty="0">
@@ -35762,22 +36563,16 @@
               <a:t>i</a:t>
             </a:r>
             <a:r>
-              <a:rPr kumimoji="1" lang="en-US" altLang="zh-CN" sz="2000" b="1" i="1">
+              <a:rPr kumimoji="1" lang="en-US" altLang="zh-CN" sz="2000" b="1" i="1" dirty="0">
                 <a:latin typeface="Times New Roman" pitchFamily="18" charset="0"/>
               </a:rPr>
               <a:t> </a:t>
-            </a:r>
-            <a:r>
-              <a:rPr kumimoji="1" lang="en-US" altLang="zh-CN" sz="2000" b="1">
-                <a:latin typeface="Times New Roman" pitchFamily="18" charset="0"/>
-              </a:rPr>
-              <a:t>&gt;= </a:t>
             </a:r>
             <a:r>
               <a:rPr kumimoji="1" lang="en-US" altLang="zh-CN" sz="2000" b="1" dirty="0">
                 <a:latin typeface="Times New Roman" pitchFamily="18" charset="0"/>
               </a:rPr>
-              <a:t>1 &amp;&amp; change; --</a:t>
+              <a:t>&gt;= 1 &amp;&amp; change; --</a:t>
             </a:r>
             <a:r>
               <a:rPr kumimoji="1" lang="en-US" altLang="zh-CN" sz="2000" b="1" i="1" dirty="0" err="1">
@@ -36063,7 +36858,7 @@
                 </a:effectLst>
                 <a:latin typeface="Times New Roman" pitchFamily="18" charset="0"/>
               </a:rPr>
-              <a:t>+1];  change = TURE</a:t>
+              <a:t>+1];  change = TURE;</a:t>
             </a:r>
             <a:r>
               <a:rPr kumimoji="1" lang="en-US" altLang="zh-CN" sz="2000" b="1" dirty="0">
@@ -36660,6 +37455,1734 @@
       </p:grpSpPr>
       <p:sp>
         <p:nvSpPr>
+          <p:cNvPr id="2" name="标题 1"/>
+          <p:cNvSpPr>
+            <a:spLocks noGrp="1"/>
+          </p:cNvSpPr>
+          <p:nvPr>
+            <p:ph type="title"/>
+          </p:nvPr>
+        </p:nvSpPr>
+        <p:spPr>
+          <a:xfrm>
+            <a:off x="609600" y="116632"/>
+            <a:ext cx="10972800" cy="562074"/>
+          </a:xfrm>
+        </p:spPr>
+        <p:txBody>
+          <a:bodyPr>
+            <a:normAutofit fontScale="90000"/>
+          </a:bodyPr>
+          <a:lstStyle/>
+          <a:p>
+            <a:r>
+              <a:rPr lang="zh-CN" altLang="en-US" dirty="0"/>
+              <a:t>练习题</a:t>
+            </a:r>
+          </a:p>
+        </p:txBody>
+      </p:sp>
+      <p:sp>
+        <p:nvSpPr>
+          <p:cNvPr id="5" name="矩形 4">
+            <a:extLst>
+              <a:ext uri="{FF2B5EF4-FFF2-40B4-BE49-F238E27FC236}">
+                <a16:creationId xmlns:a16="http://schemas.microsoft.com/office/drawing/2014/main" id="{F279258A-6932-468D-9C44-126FB44E0F18}"/>
+              </a:ext>
+            </a:extLst>
+          </p:cNvPr>
+          <p:cNvSpPr/>
+          <p:nvPr/>
+        </p:nvSpPr>
+        <p:spPr>
+          <a:xfrm>
+            <a:off x="695400" y="953735"/>
+            <a:ext cx="4608512" cy="1015663"/>
+          </a:xfrm>
+          <a:prstGeom prst="rect">
+            <a:avLst/>
+          </a:prstGeom>
+        </p:spPr>
+        <p:txBody>
+          <a:bodyPr wrap="square">
+            <a:spAutoFit/>
+          </a:bodyPr>
+          <a:lstStyle/>
+          <a:p>
+            <a:r>
+              <a:rPr lang="en-US" altLang="zh-CN" sz="2000" dirty="0">
+                <a:solidFill>
+                  <a:srgbClr val="000000"/>
+                </a:solidFill>
+                <a:highlight>
+                  <a:srgbClr val="FFFFFF"/>
+                </a:highlight>
+                <a:latin typeface="Droid Sans Mono" panose="020B0609030804020204" pitchFamily="49" charset="0"/>
+              </a:rPr>
+              <a:t>y = 100;</a:t>
+            </a:r>
+          </a:p>
+          <a:p>
+            <a:r>
+              <a:rPr lang="en-US" altLang="zh-CN" sz="2000" dirty="0">
+                <a:solidFill>
+                  <a:srgbClr val="0000FF"/>
+                </a:solidFill>
+                <a:highlight>
+                  <a:srgbClr val="FFFFFF"/>
+                </a:highlight>
+                <a:latin typeface="Droid Sans Mono" panose="020B0609030804020204" pitchFamily="49" charset="0"/>
+              </a:rPr>
+              <a:t>while</a:t>
+            </a:r>
+            <a:r>
+              <a:rPr lang="en-US" altLang="zh-CN" sz="2000" dirty="0">
+                <a:solidFill>
+                  <a:srgbClr val="000000"/>
+                </a:solidFill>
+                <a:highlight>
+                  <a:srgbClr val="FFFFFF"/>
+                </a:highlight>
+                <a:latin typeface="Droid Sans Mono" panose="020B0609030804020204" pitchFamily="49" charset="0"/>
+              </a:rPr>
+              <a:t> ( y &gt; 0)</a:t>
+            </a:r>
+          </a:p>
+          <a:p>
+            <a:r>
+              <a:rPr lang="en-US" altLang="zh-CN" sz="2000" dirty="0">
+                <a:solidFill>
+                  <a:srgbClr val="000000"/>
+                </a:solidFill>
+                <a:highlight>
+                  <a:srgbClr val="FFFFFF"/>
+                </a:highlight>
+                <a:latin typeface="Droid Sans Mono" panose="020B0609030804020204" pitchFamily="49" charset="0"/>
+              </a:rPr>
+              <a:t>	--y;</a:t>
+            </a:r>
+          </a:p>
+        </p:txBody>
+      </p:sp>
+      <p:sp>
+        <p:nvSpPr>
+          <p:cNvPr id="7" name="矩形 6">
+            <a:extLst>
+              <a:ext uri="{FF2B5EF4-FFF2-40B4-BE49-F238E27FC236}">
+                <a16:creationId xmlns:a16="http://schemas.microsoft.com/office/drawing/2014/main" id="{DDC53ED6-4CAB-4864-8AE6-F96B7AA147FC}"/>
+              </a:ext>
+            </a:extLst>
+          </p:cNvPr>
+          <p:cNvSpPr/>
+          <p:nvPr/>
+        </p:nvSpPr>
+        <p:spPr>
+          <a:xfrm>
+            <a:off x="6120430" y="1340768"/>
+            <a:ext cx="3916457" cy="523220"/>
+          </a:xfrm>
+          <a:prstGeom prst="rect">
+            <a:avLst/>
+          </a:prstGeom>
+        </p:spPr>
+        <p:txBody>
+          <a:bodyPr wrap="none">
+            <a:spAutoFit/>
+          </a:bodyPr>
+          <a:lstStyle/>
+          <a:p>
+            <a:r>
+              <a:rPr kumimoji="1" lang="en-US" altLang="zh-CN" sz="2800" b="1" i="1" dirty="0">
+                <a:latin typeface="Times New Roman" pitchFamily="18" charset="0"/>
+                <a:ea typeface="华文中宋" pitchFamily="2" charset="-122"/>
+              </a:rPr>
+              <a:t>100                            O</a:t>
+            </a:r>
+            <a:r>
+              <a:rPr kumimoji="1" lang="en-US" altLang="zh-CN" sz="2800" b="1" dirty="0">
+                <a:latin typeface="Times New Roman" pitchFamily="18" charset="0"/>
+                <a:ea typeface="华文中宋" pitchFamily="2" charset="-122"/>
+              </a:rPr>
+              <a:t>(1)</a:t>
+            </a:r>
+            <a:endParaRPr lang="zh-CN" altLang="en-US" sz="2800" dirty="0"/>
+          </a:p>
+        </p:txBody>
+      </p:sp>
+      <p:sp>
+        <p:nvSpPr>
+          <p:cNvPr id="8" name="矩形 7">
+            <a:extLst>
+              <a:ext uri="{FF2B5EF4-FFF2-40B4-BE49-F238E27FC236}">
+                <a16:creationId xmlns:a16="http://schemas.microsoft.com/office/drawing/2014/main" id="{267F23E3-5049-463E-A7CB-1982A8248506}"/>
+              </a:ext>
+            </a:extLst>
+          </p:cNvPr>
+          <p:cNvSpPr/>
+          <p:nvPr/>
+        </p:nvSpPr>
+        <p:spPr>
+          <a:xfrm>
+            <a:off x="695400" y="2255202"/>
+            <a:ext cx="4762842" cy="1323439"/>
+          </a:xfrm>
+          <a:prstGeom prst="rect">
+            <a:avLst/>
+          </a:prstGeom>
+        </p:spPr>
+        <p:txBody>
+          <a:bodyPr wrap="square">
+            <a:spAutoFit/>
+          </a:bodyPr>
+          <a:lstStyle/>
+          <a:p>
+            <a:r>
+              <a:rPr lang="en-US" altLang="zh-CN" sz="2000" dirty="0">
+                <a:solidFill>
+                  <a:srgbClr val="000000"/>
+                </a:solidFill>
+                <a:highlight>
+                  <a:srgbClr val="FFFFFF"/>
+                </a:highlight>
+                <a:latin typeface="Droid Sans Mono" panose="020B0609030804020204" pitchFamily="49" charset="0"/>
+              </a:rPr>
+              <a:t>count = 0;</a:t>
+            </a:r>
+          </a:p>
+          <a:p>
+            <a:r>
+              <a:rPr lang="nn-NO" altLang="zh-CN" sz="2000" dirty="0">
+                <a:solidFill>
+                  <a:srgbClr val="0000FF"/>
+                </a:solidFill>
+                <a:highlight>
+                  <a:srgbClr val="FFFFFF"/>
+                </a:highlight>
+                <a:latin typeface="Droid Sans Mono" panose="020B0609030804020204" pitchFamily="49" charset="0"/>
+              </a:rPr>
+              <a:t>for</a:t>
+            </a:r>
+            <a:r>
+              <a:rPr lang="nn-NO" altLang="zh-CN" sz="2000" dirty="0">
+                <a:solidFill>
+                  <a:srgbClr val="000000"/>
+                </a:solidFill>
+                <a:highlight>
+                  <a:srgbClr val="FFFFFF"/>
+                </a:highlight>
+                <a:latin typeface="Droid Sans Mono" panose="020B0609030804020204" pitchFamily="49" charset="0"/>
+              </a:rPr>
+              <a:t> (i = 1; i &lt;= n; i *= 2)</a:t>
+            </a:r>
+          </a:p>
+          <a:p>
+            <a:r>
+              <a:rPr lang="en-US" altLang="zh-CN" sz="2000" dirty="0">
+                <a:solidFill>
+                  <a:srgbClr val="0000FF"/>
+                </a:solidFill>
+                <a:highlight>
+                  <a:srgbClr val="FFFFFF"/>
+                </a:highlight>
+                <a:latin typeface="Droid Sans Mono" panose="020B0609030804020204" pitchFamily="49" charset="0"/>
+              </a:rPr>
+              <a:t>	for</a:t>
+            </a:r>
+            <a:r>
+              <a:rPr lang="en-US" altLang="zh-CN" sz="2000" dirty="0">
+                <a:solidFill>
+                  <a:srgbClr val="000000"/>
+                </a:solidFill>
+                <a:highlight>
+                  <a:srgbClr val="FFFFFF"/>
+                </a:highlight>
+                <a:latin typeface="Droid Sans Mono" panose="020B0609030804020204" pitchFamily="49" charset="0"/>
+              </a:rPr>
+              <a:t>(j = 1; j &lt;= n; ++j)</a:t>
+            </a:r>
+          </a:p>
+          <a:p>
+            <a:r>
+              <a:rPr lang="en-US" altLang="zh-CN" sz="2000" dirty="0">
+                <a:solidFill>
+                  <a:srgbClr val="000000"/>
+                </a:solidFill>
+                <a:highlight>
+                  <a:srgbClr val="FFFFFF"/>
+                </a:highlight>
+                <a:latin typeface="Droid Sans Mono" panose="020B0609030804020204" pitchFamily="49" charset="0"/>
+              </a:rPr>
+              <a:t>		count++;</a:t>
+            </a:r>
+            <a:endParaRPr lang="zh-CN" altLang="en-US" sz="2000" dirty="0"/>
+          </a:p>
+        </p:txBody>
+      </p:sp>
+      <p:sp>
+        <p:nvSpPr>
+          <p:cNvPr id="9" name="矩形 8">
+            <a:extLst>
+              <a:ext uri="{FF2B5EF4-FFF2-40B4-BE49-F238E27FC236}">
+                <a16:creationId xmlns:a16="http://schemas.microsoft.com/office/drawing/2014/main" id="{0CCDAFE8-1F01-4D42-BCD8-505D7C17CA63}"/>
+              </a:ext>
+            </a:extLst>
+          </p:cNvPr>
+          <p:cNvSpPr/>
+          <p:nvPr/>
+        </p:nvSpPr>
+        <p:spPr>
+          <a:xfrm>
+            <a:off x="695400" y="3781387"/>
+            <a:ext cx="5616624" cy="1323439"/>
+          </a:xfrm>
+          <a:prstGeom prst="rect">
+            <a:avLst/>
+          </a:prstGeom>
+        </p:spPr>
+        <p:txBody>
+          <a:bodyPr wrap="square">
+            <a:spAutoFit/>
+          </a:bodyPr>
+          <a:lstStyle/>
+          <a:p>
+            <a:r>
+              <a:rPr lang="en-US" altLang="zh-CN" sz="2000" dirty="0">
+                <a:solidFill>
+                  <a:srgbClr val="000000"/>
+                </a:solidFill>
+                <a:highlight>
+                  <a:srgbClr val="FFFFFF"/>
+                </a:highlight>
+                <a:latin typeface="Droid Sans Mono" panose="020B0609030804020204" pitchFamily="49" charset="0"/>
+              </a:rPr>
+              <a:t>m = 0;</a:t>
+            </a:r>
+          </a:p>
+          <a:p>
+            <a:r>
+              <a:rPr lang="nn-NO" altLang="zh-CN" sz="2000" dirty="0">
+                <a:solidFill>
+                  <a:srgbClr val="0000FF"/>
+                </a:solidFill>
+                <a:highlight>
+                  <a:srgbClr val="FFFFFF"/>
+                </a:highlight>
+                <a:latin typeface="Droid Sans Mono" panose="020B0609030804020204" pitchFamily="49" charset="0"/>
+              </a:rPr>
+              <a:t>for</a:t>
+            </a:r>
+            <a:r>
+              <a:rPr lang="nn-NO" altLang="zh-CN" sz="2000" dirty="0">
+                <a:solidFill>
+                  <a:srgbClr val="000000"/>
+                </a:solidFill>
+                <a:highlight>
+                  <a:srgbClr val="FFFFFF"/>
+                </a:highlight>
+                <a:latin typeface="Droid Sans Mono" panose="020B0609030804020204" pitchFamily="49" charset="0"/>
+              </a:rPr>
+              <a:t> (i = 1; i &lt;= n; ++i)</a:t>
+            </a:r>
+          </a:p>
+          <a:p>
+            <a:r>
+              <a:rPr lang="en-US" altLang="zh-CN" sz="2000" dirty="0">
+                <a:solidFill>
+                  <a:srgbClr val="0000FF"/>
+                </a:solidFill>
+                <a:highlight>
+                  <a:srgbClr val="FFFFFF"/>
+                </a:highlight>
+                <a:latin typeface="Droid Sans Mono" panose="020B0609030804020204" pitchFamily="49" charset="0"/>
+              </a:rPr>
+              <a:t>	for</a:t>
+            </a:r>
+            <a:r>
+              <a:rPr lang="en-US" altLang="zh-CN" sz="2000" dirty="0">
+                <a:solidFill>
+                  <a:srgbClr val="000000"/>
+                </a:solidFill>
+                <a:highlight>
+                  <a:srgbClr val="FFFFFF"/>
+                </a:highlight>
+                <a:latin typeface="Droid Sans Mono" panose="020B0609030804020204" pitchFamily="49" charset="0"/>
+              </a:rPr>
+              <a:t>(j = 1; j &lt;= 2 * </a:t>
+            </a:r>
+            <a:r>
+              <a:rPr lang="en-US" altLang="zh-CN" sz="2000" dirty="0" err="1">
+                <a:solidFill>
+                  <a:srgbClr val="000000"/>
+                </a:solidFill>
+                <a:highlight>
+                  <a:srgbClr val="FFFFFF"/>
+                </a:highlight>
+                <a:latin typeface="Droid Sans Mono" panose="020B0609030804020204" pitchFamily="49" charset="0"/>
+              </a:rPr>
+              <a:t>i</a:t>
+            </a:r>
+            <a:r>
+              <a:rPr lang="en-US" altLang="zh-CN" sz="2000" dirty="0">
+                <a:solidFill>
+                  <a:srgbClr val="000000"/>
+                </a:solidFill>
+                <a:highlight>
+                  <a:srgbClr val="FFFFFF"/>
+                </a:highlight>
+                <a:latin typeface="Droid Sans Mono" panose="020B0609030804020204" pitchFamily="49" charset="0"/>
+              </a:rPr>
+              <a:t>; ++j)</a:t>
+            </a:r>
+          </a:p>
+          <a:p>
+            <a:r>
+              <a:rPr lang="en-US" altLang="zh-CN" sz="2000" dirty="0">
+                <a:solidFill>
+                  <a:srgbClr val="000000"/>
+                </a:solidFill>
+                <a:highlight>
+                  <a:srgbClr val="FFFFFF"/>
+                </a:highlight>
+                <a:latin typeface="Droid Sans Mono" panose="020B0609030804020204" pitchFamily="49" charset="0"/>
+              </a:rPr>
+              <a:t>		++m;</a:t>
+            </a:r>
+            <a:endParaRPr lang="zh-CN" altLang="en-US" sz="2000" dirty="0"/>
+          </a:p>
+        </p:txBody>
+      </p:sp>
+      <p:sp>
+        <p:nvSpPr>
+          <p:cNvPr id="10" name="矩形 9">
+            <a:extLst>
+              <a:ext uri="{FF2B5EF4-FFF2-40B4-BE49-F238E27FC236}">
+                <a16:creationId xmlns:a16="http://schemas.microsoft.com/office/drawing/2014/main" id="{2314CE53-361F-47E4-B8D8-CF6C75DD97B8}"/>
+              </a:ext>
+            </a:extLst>
+          </p:cNvPr>
+          <p:cNvSpPr/>
+          <p:nvPr/>
+        </p:nvSpPr>
+        <p:spPr>
+          <a:xfrm>
+            <a:off x="6120430" y="2596105"/>
+            <a:ext cx="4693914" cy="523220"/>
+          </a:xfrm>
+          <a:prstGeom prst="rect">
+            <a:avLst/>
+          </a:prstGeom>
+        </p:spPr>
+        <p:txBody>
+          <a:bodyPr wrap="none">
+            <a:spAutoFit/>
+          </a:bodyPr>
+          <a:lstStyle/>
+          <a:p>
+            <a:r>
+              <a:rPr kumimoji="1" lang="en-US" altLang="zh-CN" sz="2800" b="1" i="1" dirty="0">
+                <a:latin typeface="Times New Roman" pitchFamily="18" charset="0"/>
+                <a:ea typeface="华文中宋" pitchFamily="2" charset="-122"/>
+              </a:rPr>
+              <a:t>n</a:t>
+            </a:r>
+            <a:r>
+              <a:rPr kumimoji="1" lang="en-US" altLang="zh-CN" sz="2800" b="1" dirty="0">
+                <a:latin typeface="Times New Roman" pitchFamily="18" charset="0"/>
+                <a:ea typeface="华文中宋" pitchFamily="2" charset="-122"/>
+              </a:rPr>
+              <a:t>log</a:t>
+            </a:r>
+            <a:r>
+              <a:rPr kumimoji="1" lang="en-US" altLang="zh-CN" sz="2800" b="1" baseline="-25000" dirty="0">
+                <a:latin typeface="Times New Roman" pitchFamily="18" charset="0"/>
+                <a:ea typeface="华文中宋" pitchFamily="2" charset="-122"/>
+              </a:rPr>
+              <a:t>2</a:t>
+            </a:r>
+            <a:r>
+              <a:rPr kumimoji="1" lang="en-US" altLang="zh-CN" sz="2800" b="1" dirty="0">
+                <a:latin typeface="Times New Roman" pitchFamily="18" charset="0"/>
+                <a:ea typeface="华文中宋" pitchFamily="2" charset="-122"/>
+              </a:rPr>
+              <a:t> </a:t>
+            </a:r>
+            <a:r>
+              <a:rPr kumimoji="1" lang="en-US" altLang="zh-CN" sz="2800" b="1" i="1" dirty="0">
+                <a:latin typeface="Times New Roman" pitchFamily="18" charset="0"/>
+                <a:ea typeface="华文中宋" pitchFamily="2" charset="-122"/>
+              </a:rPr>
+              <a:t>n + </a:t>
+            </a:r>
+            <a:r>
+              <a:rPr kumimoji="1" lang="en-US" altLang="zh-CN" sz="2800" b="1" i="1" dirty="0" err="1">
+                <a:latin typeface="Times New Roman" pitchFamily="18" charset="0"/>
+                <a:ea typeface="华文中宋" pitchFamily="2" charset="-122"/>
+              </a:rPr>
+              <a:t>nC</a:t>
+            </a:r>
+            <a:r>
+              <a:rPr kumimoji="1" lang="en-US" altLang="zh-CN" sz="2800" b="1" i="1" dirty="0">
+                <a:latin typeface="Times New Roman" pitchFamily="18" charset="0"/>
+                <a:ea typeface="华文中宋" pitchFamily="2" charset="-122"/>
+              </a:rPr>
+              <a:t>            O</a:t>
+            </a:r>
+            <a:r>
+              <a:rPr kumimoji="1" lang="en-US" altLang="zh-CN" sz="2800" b="1" dirty="0">
+                <a:latin typeface="Times New Roman" pitchFamily="18" charset="0"/>
+                <a:ea typeface="华文中宋" pitchFamily="2" charset="-122"/>
+              </a:rPr>
+              <a:t>(</a:t>
+            </a:r>
+            <a:r>
+              <a:rPr kumimoji="1" lang="en-US" altLang="zh-CN" sz="2800" b="1" i="1" dirty="0">
+                <a:latin typeface="Times New Roman" pitchFamily="18" charset="0"/>
+                <a:ea typeface="华文中宋" pitchFamily="2" charset="-122"/>
+              </a:rPr>
+              <a:t>n</a:t>
+            </a:r>
+            <a:r>
+              <a:rPr kumimoji="1" lang="en-US" altLang="zh-CN" sz="2800" b="1" dirty="0">
+                <a:latin typeface="Times New Roman" pitchFamily="18" charset="0"/>
+                <a:ea typeface="华文中宋" pitchFamily="2" charset="-122"/>
+              </a:rPr>
+              <a:t>log</a:t>
+            </a:r>
+            <a:r>
+              <a:rPr kumimoji="1" lang="en-US" altLang="zh-CN" sz="2800" b="1" baseline="-25000" dirty="0">
+                <a:latin typeface="Times New Roman" pitchFamily="18" charset="0"/>
+                <a:ea typeface="华文中宋" pitchFamily="2" charset="-122"/>
+              </a:rPr>
+              <a:t>2 </a:t>
+            </a:r>
+            <a:r>
+              <a:rPr kumimoji="1" lang="en-US" altLang="zh-CN" sz="2800" b="1" i="1" dirty="0">
+                <a:latin typeface="Times New Roman" pitchFamily="18" charset="0"/>
+                <a:ea typeface="华文中宋" pitchFamily="2" charset="-122"/>
+              </a:rPr>
+              <a:t>n</a:t>
+            </a:r>
+            <a:r>
+              <a:rPr kumimoji="1" lang="en-US" altLang="zh-CN" sz="2800" b="1" dirty="0">
+                <a:latin typeface="Times New Roman" pitchFamily="18" charset="0"/>
+                <a:ea typeface="华文中宋" pitchFamily="2" charset="-122"/>
+              </a:rPr>
+              <a:t>)</a:t>
+            </a:r>
+            <a:endParaRPr lang="zh-CN" altLang="en-US" sz="2800" dirty="0"/>
+          </a:p>
+        </p:txBody>
+      </p:sp>
+      <p:sp>
+        <p:nvSpPr>
+          <p:cNvPr id="12" name="矩形 11">
+            <a:extLst>
+              <a:ext uri="{FF2B5EF4-FFF2-40B4-BE49-F238E27FC236}">
+                <a16:creationId xmlns:a16="http://schemas.microsoft.com/office/drawing/2014/main" id="{E406B119-E989-4E88-8960-610F4BCAFAF3}"/>
+              </a:ext>
+            </a:extLst>
+          </p:cNvPr>
+          <p:cNvSpPr/>
+          <p:nvPr/>
+        </p:nvSpPr>
+        <p:spPr>
+          <a:xfrm>
+            <a:off x="6120430" y="4246062"/>
+            <a:ext cx="3916457" cy="523220"/>
+          </a:xfrm>
+          <a:prstGeom prst="rect">
+            <a:avLst/>
+          </a:prstGeom>
+        </p:spPr>
+        <p:txBody>
+          <a:bodyPr wrap="none">
+            <a:spAutoFit/>
+          </a:bodyPr>
+          <a:lstStyle/>
+          <a:p>
+            <a:r>
+              <a:rPr kumimoji="1" lang="en-US" altLang="zh-CN" sz="2800" b="1" i="1" dirty="0">
+                <a:latin typeface="Times New Roman" pitchFamily="18" charset="0"/>
+                <a:ea typeface="华文中宋" pitchFamily="2" charset="-122"/>
+              </a:rPr>
+              <a:t>n(n+1)                     O</a:t>
+            </a:r>
+            <a:r>
+              <a:rPr kumimoji="1" lang="en-US" altLang="zh-CN" sz="2800" b="1" dirty="0">
+                <a:latin typeface="Times New Roman" pitchFamily="18" charset="0"/>
+                <a:ea typeface="华文中宋" pitchFamily="2" charset="-122"/>
+              </a:rPr>
+              <a:t>(</a:t>
+            </a:r>
+            <a:r>
+              <a:rPr kumimoji="1" lang="en-US" altLang="zh-CN" sz="2800" b="1" i="1" dirty="0">
+                <a:latin typeface="Times New Roman" pitchFamily="18" charset="0"/>
+                <a:ea typeface="华文中宋" pitchFamily="2" charset="-122"/>
+              </a:rPr>
+              <a:t>n</a:t>
+            </a:r>
+            <a:r>
+              <a:rPr kumimoji="1" lang="en-US" altLang="zh-CN" sz="2800" b="1" i="1" baseline="30000" dirty="0">
+                <a:latin typeface="Times New Roman" pitchFamily="18" charset="0"/>
+                <a:ea typeface="华文中宋" pitchFamily="2" charset="-122"/>
+              </a:rPr>
+              <a:t>2</a:t>
+            </a:r>
+            <a:r>
+              <a:rPr kumimoji="1" lang="en-US" altLang="zh-CN" sz="2800" b="1" dirty="0">
+                <a:latin typeface="Times New Roman" pitchFamily="18" charset="0"/>
+                <a:ea typeface="华文中宋" pitchFamily="2" charset="-122"/>
+              </a:rPr>
+              <a:t>)</a:t>
+            </a:r>
+            <a:endParaRPr lang="zh-CN" altLang="en-US" sz="2800" dirty="0"/>
+          </a:p>
+        </p:txBody>
+      </p:sp>
+      <p:sp>
+        <p:nvSpPr>
+          <p:cNvPr id="11" name="矩形 10">
+            <a:extLst>
+              <a:ext uri="{FF2B5EF4-FFF2-40B4-BE49-F238E27FC236}">
+                <a16:creationId xmlns:a16="http://schemas.microsoft.com/office/drawing/2014/main" id="{039AAD67-C6C1-4B6F-8D5C-32400DE2AC7D}"/>
+              </a:ext>
+            </a:extLst>
+          </p:cNvPr>
+          <p:cNvSpPr/>
+          <p:nvPr/>
+        </p:nvSpPr>
+        <p:spPr>
+          <a:xfrm>
+            <a:off x="695400" y="5166723"/>
+            <a:ext cx="6096000" cy="1200329"/>
+          </a:xfrm>
+          <a:prstGeom prst="rect">
+            <a:avLst/>
+          </a:prstGeom>
+        </p:spPr>
+        <p:txBody>
+          <a:bodyPr>
+            <a:spAutoFit/>
+          </a:bodyPr>
+          <a:lstStyle/>
+          <a:p>
+            <a:r>
+              <a:rPr lang="en-US" altLang="zh-CN" sz="2400" dirty="0" err="1">
+                <a:solidFill>
+                  <a:srgbClr val="000000"/>
+                </a:solidFill>
+                <a:highlight>
+                  <a:srgbClr val="FFFFFF"/>
+                </a:highlight>
+                <a:latin typeface="Droid Sans Mono" panose="020B0609030804020204" pitchFamily="49" charset="0"/>
+              </a:rPr>
+              <a:t>i</a:t>
+            </a:r>
+            <a:r>
+              <a:rPr lang="en-US" altLang="zh-CN" sz="2400" dirty="0">
+                <a:solidFill>
+                  <a:srgbClr val="000000"/>
+                </a:solidFill>
+                <a:highlight>
+                  <a:srgbClr val="FFFFFF"/>
+                </a:highlight>
+                <a:latin typeface="Droid Sans Mono" panose="020B0609030804020204" pitchFamily="49" charset="0"/>
+              </a:rPr>
+              <a:t> = 1;</a:t>
+            </a:r>
+          </a:p>
+          <a:p>
+            <a:r>
+              <a:rPr lang="en-US" altLang="zh-CN" sz="2400" dirty="0">
+                <a:solidFill>
+                  <a:srgbClr val="0000FF"/>
+                </a:solidFill>
+                <a:highlight>
+                  <a:srgbClr val="FFFFFF"/>
+                </a:highlight>
+                <a:latin typeface="Droid Sans Mono" panose="020B0609030804020204" pitchFamily="49" charset="0"/>
+              </a:rPr>
+              <a:t>while</a:t>
+            </a:r>
+            <a:r>
+              <a:rPr lang="en-US" altLang="zh-CN" sz="2400" dirty="0">
+                <a:solidFill>
+                  <a:srgbClr val="000000"/>
+                </a:solidFill>
+                <a:highlight>
+                  <a:srgbClr val="FFFFFF"/>
+                </a:highlight>
+                <a:latin typeface="Droid Sans Mono" panose="020B0609030804020204" pitchFamily="49" charset="0"/>
+              </a:rPr>
+              <a:t>(</a:t>
+            </a:r>
+            <a:r>
+              <a:rPr lang="en-US" altLang="zh-CN" sz="2400" dirty="0" err="1">
+                <a:solidFill>
+                  <a:srgbClr val="000000"/>
+                </a:solidFill>
+                <a:highlight>
+                  <a:srgbClr val="FFFFFF"/>
+                </a:highlight>
+                <a:latin typeface="Droid Sans Mono" panose="020B0609030804020204" pitchFamily="49" charset="0"/>
+              </a:rPr>
+              <a:t>i</a:t>
+            </a:r>
+            <a:r>
+              <a:rPr lang="en-US" altLang="zh-CN" sz="2400" dirty="0">
+                <a:solidFill>
+                  <a:srgbClr val="000000"/>
+                </a:solidFill>
+                <a:highlight>
+                  <a:srgbClr val="FFFFFF"/>
+                </a:highlight>
+                <a:latin typeface="Droid Sans Mono" panose="020B0609030804020204" pitchFamily="49" charset="0"/>
+              </a:rPr>
+              <a:t> &lt;= n)</a:t>
+            </a:r>
+          </a:p>
+          <a:p>
+            <a:r>
+              <a:rPr lang="en-US" altLang="zh-CN" sz="2400" dirty="0">
+                <a:solidFill>
+                  <a:srgbClr val="000000"/>
+                </a:solidFill>
+                <a:highlight>
+                  <a:srgbClr val="FFFFFF"/>
+                </a:highlight>
+                <a:latin typeface="Droid Sans Mono" panose="020B0609030804020204" pitchFamily="49" charset="0"/>
+              </a:rPr>
+              <a:t>	</a:t>
+            </a:r>
+            <a:r>
+              <a:rPr lang="en-US" altLang="zh-CN" sz="2400" dirty="0" err="1">
+                <a:solidFill>
+                  <a:srgbClr val="000000"/>
+                </a:solidFill>
+                <a:highlight>
+                  <a:srgbClr val="FFFFFF"/>
+                </a:highlight>
+                <a:latin typeface="Droid Sans Mono" panose="020B0609030804020204" pitchFamily="49" charset="0"/>
+              </a:rPr>
+              <a:t>i</a:t>
+            </a:r>
+            <a:r>
+              <a:rPr lang="en-US" altLang="zh-CN" sz="2400" dirty="0">
+                <a:solidFill>
+                  <a:srgbClr val="000000"/>
+                </a:solidFill>
+                <a:highlight>
+                  <a:srgbClr val="FFFFFF"/>
+                </a:highlight>
+                <a:latin typeface="Droid Sans Mono" panose="020B0609030804020204" pitchFamily="49" charset="0"/>
+              </a:rPr>
+              <a:t> *= 3;</a:t>
+            </a:r>
+            <a:endParaRPr lang="zh-CN" altLang="en-US" sz="2400" dirty="0"/>
+          </a:p>
+        </p:txBody>
+      </p:sp>
+      <p:sp>
+        <p:nvSpPr>
+          <p:cNvPr id="15" name="矩形 14">
+            <a:extLst>
+              <a:ext uri="{FF2B5EF4-FFF2-40B4-BE49-F238E27FC236}">
+                <a16:creationId xmlns:a16="http://schemas.microsoft.com/office/drawing/2014/main" id="{99248EAB-C4F6-4026-A3E9-C19C0DEB3FA7}"/>
+              </a:ext>
+            </a:extLst>
+          </p:cNvPr>
+          <p:cNvSpPr/>
+          <p:nvPr/>
+        </p:nvSpPr>
+        <p:spPr>
+          <a:xfrm>
+            <a:off x="6096000" y="5614764"/>
+            <a:ext cx="4362092" cy="523220"/>
+          </a:xfrm>
+          <a:prstGeom prst="rect">
+            <a:avLst/>
+          </a:prstGeom>
+        </p:spPr>
+        <p:txBody>
+          <a:bodyPr wrap="none">
+            <a:spAutoFit/>
+          </a:bodyPr>
+          <a:lstStyle/>
+          <a:p>
+            <a:r>
+              <a:rPr kumimoji="1" lang="en-US" altLang="zh-CN" sz="2800" b="1" dirty="0">
+                <a:latin typeface="Times New Roman" pitchFamily="18" charset="0"/>
+                <a:ea typeface="华文中宋" pitchFamily="2" charset="-122"/>
+              </a:rPr>
+              <a:t>log</a:t>
+            </a:r>
+            <a:r>
+              <a:rPr kumimoji="1" lang="en-US" altLang="zh-CN" sz="2800" b="1" baseline="-25000" dirty="0">
+                <a:latin typeface="Times New Roman" pitchFamily="18" charset="0"/>
+                <a:ea typeface="华文中宋" pitchFamily="2" charset="-122"/>
+              </a:rPr>
+              <a:t>3</a:t>
+            </a:r>
+            <a:r>
+              <a:rPr kumimoji="1" lang="en-US" altLang="zh-CN" sz="2800" b="1" dirty="0">
+                <a:latin typeface="Times New Roman" pitchFamily="18" charset="0"/>
+                <a:ea typeface="华文中宋" pitchFamily="2" charset="-122"/>
+              </a:rPr>
+              <a:t> </a:t>
+            </a:r>
+            <a:r>
+              <a:rPr kumimoji="1" lang="en-US" altLang="zh-CN" sz="2800" b="1" i="1" dirty="0">
+                <a:latin typeface="Times New Roman" pitchFamily="18" charset="0"/>
+                <a:ea typeface="华文中宋" pitchFamily="2" charset="-122"/>
+              </a:rPr>
+              <a:t>n + C               O</a:t>
+            </a:r>
+            <a:r>
+              <a:rPr kumimoji="1" lang="en-US" altLang="zh-CN" sz="2800" b="1" dirty="0">
+                <a:latin typeface="Times New Roman" pitchFamily="18" charset="0"/>
+                <a:ea typeface="华文中宋" pitchFamily="2" charset="-122"/>
+              </a:rPr>
+              <a:t>(log</a:t>
+            </a:r>
+            <a:r>
+              <a:rPr kumimoji="1" lang="en-US" altLang="zh-CN" sz="2800" b="1" baseline="-25000" dirty="0">
+                <a:latin typeface="Times New Roman" pitchFamily="18" charset="0"/>
+                <a:ea typeface="华文中宋" pitchFamily="2" charset="-122"/>
+              </a:rPr>
+              <a:t>3 </a:t>
+            </a:r>
+            <a:r>
+              <a:rPr kumimoji="1" lang="en-US" altLang="zh-CN" sz="2800" b="1" i="1" dirty="0">
+                <a:latin typeface="Times New Roman" pitchFamily="18" charset="0"/>
+                <a:ea typeface="华文中宋" pitchFamily="2" charset="-122"/>
+              </a:rPr>
+              <a:t>n</a:t>
+            </a:r>
+            <a:r>
+              <a:rPr kumimoji="1" lang="en-US" altLang="zh-CN" sz="2800" b="1" dirty="0">
+                <a:latin typeface="Times New Roman" pitchFamily="18" charset="0"/>
+                <a:ea typeface="华文中宋" pitchFamily="2" charset="-122"/>
+              </a:rPr>
+              <a:t>)</a:t>
+            </a:r>
+            <a:endParaRPr lang="zh-CN" altLang="en-US" sz="2800" dirty="0"/>
+          </a:p>
+        </p:txBody>
+      </p:sp>
+      <p:sp>
+        <p:nvSpPr>
+          <p:cNvPr id="16" name="矩形 15">
+            <a:extLst>
+              <a:ext uri="{FF2B5EF4-FFF2-40B4-BE49-F238E27FC236}">
+                <a16:creationId xmlns:a16="http://schemas.microsoft.com/office/drawing/2014/main" id="{F9A19394-34FE-4493-8F96-4E7C763A60E5}"/>
+              </a:ext>
+            </a:extLst>
+          </p:cNvPr>
+          <p:cNvSpPr/>
+          <p:nvPr/>
+        </p:nvSpPr>
+        <p:spPr>
+          <a:xfrm>
+            <a:off x="5784601" y="678706"/>
+            <a:ext cx="5365571" cy="523220"/>
+          </a:xfrm>
+          <a:prstGeom prst="rect">
+            <a:avLst/>
+          </a:prstGeom>
+        </p:spPr>
+        <p:txBody>
+          <a:bodyPr wrap="none">
+            <a:spAutoFit/>
+          </a:bodyPr>
+          <a:lstStyle/>
+          <a:p>
+            <a:r>
+              <a:rPr kumimoji="1" lang="zh-CN" altLang="en-US" sz="2800" b="1" i="1" dirty="0">
+                <a:latin typeface="Times New Roman" pitchFamily="18" charset="0"/>
+                <a:ea typeface="华文中宋" pitchFamily="2" charset="-122"/>
+              </a:rPr>
+              <a:t>频度 </a:t>
+            </a:r>
+            <a:r>
+              <a:rPr kumimoji="1" lang="en-US" altLang="zh-CN" sz="2800" b="1" i="1" dirty="0">
+                <a:latin typeface="Times New Roman" pitchFamily="18" charset="0"/>
+                <a:ea typeface="华文中宋" pitchFamily="2" charset="-122"/>
+              </a:rPr>
+              <a:t>P(n)</a:t>
+            </a:r>
+            <a:r>
+              <a:rPr kumimoji="1" lang="zh-CN" altLang="en-US" sz="2800" b="1" i="1" dirty="0">
+                <a:latin typeface="Times New Roman" pitchFamily="18" charset="0"/>
+                <a:ea typeface="华文中宋" pitchFamily="2" charset="-122"/>
+              </a:rPr>
+              <a:t>             时间复杂度 </a:t>
+            </a:r>
+            <a:r>
+              <a:rPr kumimoji="1" lang="en-US" altLang="zh-CN" sz="2800" b="1" i="1" dirty="0">
+                <a:latin typeface="Times New Roman" pitchFamily="18" charset="0"/>
+                <a:ea typeface="华文中宋" pitchFamily="2" charset="-122"/>
+              </a:rPr>
+              <a:t>T(n)</a:t>
+            </a:r>
+            <a:endParaRPr lang="zh-CN" altLang="en-US" sz="2800" dirty="0"/>
+          </a:p>
+        </p:txBody>
+      </p:sp>
+    </p:spTree>
+    <p:extLst>
+      <p:ext uri="{BB962C8B-B14F-4D97-AF65-F5344CB8AC3E}">
+        <p14:creationId xmlns:p14="http://schemas.microsoft.com/office/powerpoint/2010/main" val="746057413"/>
+      </p:ext>
+    </p:extLst>
+  </p:cSld>
+  <p:clrMapOvr>
+    <a:masterClrMapping/>
+  </p:clrMapOvr>
+  <p:timing>
+    <p:tnLst>
+      <p:par>
+        <p:cTn id="1" dur="indefinite" restart="never" nodeType="tmRoot">
+          <p:childTnLst>
+            <p:seq concurrent="1" nextAc="seek">
+              <p:cTn id="2" dur="indefinite" nodeType="mainSeq">
+                <p:childTnLst>
+                  <p:par>
+                    <p:cTn id="3" fill="hold">
+                      <p:stCondLst>
+                        <p:cond delay="indefinite"/>
+                        <p:cond evt="onBegin" delay="0">
+                          <p:tn val="2"/>
+                        </p:cond>
+                      </p:stCondLst>
+                      <p:childTnLst>
+                        <p:par>
+                          <p:cTn id="4" fill="hold">
+                            <p:stCondLst>
+                              <p:cond delay="0"/>
+                            </p:stCondLst>
+                            <p:childTnLst>
+                              <p:par>
+                                <p:cTn id="5" presetID="2" presetClass="entr" presetSubtype="4" fill="hold" grpId="0" nodeType="withEffect">
+                                  <p:stCondLst>
+                                    <p:cond delay="0"/>
+                                  </p:stCondLst>
+                                  <p:childTnLst>
+                                    <p:set>
+                                      <p:cBhvr>
+                                        <p:cTn id="6" dur="1" fill="hold">
+                                          <p:stCondLst>
+                                            <p:cond delay="0"/>
+                                          </p:stCondLst>
+                                        </p:cTn>
+                                        <p:tgtEl>
+                                          <p:spTgt spid="5"/>
+                                        </p:tgtEl>
+                                        <p:attrNameLst>
+                                          <p:attrName>style.visibility</p:attrName>
+                                        </p:attrNameLst>
+                                      </p:cBhvr>
+                                      <p:to>
+                                        <p:strVal val="visible"/>
+                                      </p:to>
+                                    </p:set>
+                                    <p:anim calcmode="lin" valueType="num">
+                                      <p:cBhvr additive="base">
+                                        <p:cTn id="7" dur="500" fill="hold"/>
+                                        <p:tgtEl>
+                                          <p:spTgt spid="5"/>
+                                        </p:tgtEl>
+                                        <p:attrNameLst>
+                                          <p:attrName>ppt_x</p:attrName>
+                                        </p:attrNameLst>
+                                      </p:cBhvr>
+                                      <p:tavLst>
+                                        <p:tav tm="0">
+                                          <p:val>
+                                            <p:strVal val="#ppt_x"/>
+                                          </p:val>
+                                        </p:tav>
+                                        <p:tav tm="100000">
+                                          <p:val>
+                                            <p:strVal val="#ppt_x"/>
+                                          </p:val>
+                                        </p:tav>
+                                      </p:tavLst>
+                                    </p:anim>
+                                    <p:anim calcmode="lin" valueType="num">
+                                      <p:cBhvr additive="base">
+                                        <p:cTn id="8" dur="500" fill="hold"/>
+                                        <p:tgtEl>
+                                          <p:spTgt spid="5"/>
+                                        </p:tgtEl>
+                                        <p:attrNameLst>
+                                          <p:attrName>ppt_y</p:attrName>
+                                        </p:attrNameLst>
+                                      </p:cBhvr>
+                                      <p:tavLst>
+                                        <p:tav tm="0">
+                                          <p:val>
+                                            <p:strVal val="1+#ppt_h/2"/>
+                                          </p:val>
+                                        </p:tav>
+                                        <p:tav tm="100000">
+                                          <p:val>
+                                            <p:strVal val="#ppt_y"/>
+                                          </p:val>
+                                        </p:tav>
+                                      </p:tavLst>
+                                    </p:anim>
+                                  </p:childTnLst>
+                                </p:cTn>
+                              </p:par>
+                              <p:par>
+                                <p:cTn id="9" presetID="2" presetClass="entr" presetSubtype="4" fill="hold" grpId="0" nodeType="withEffect">
+                                  <p:stCondLst>
+                                    <p:cond delay="0"/>
+                                  </p:stCondLst>
+                                  <p:childTnLst>
+                                    <p:set>
+                                      <p:cBhvr>
+                                        <p:cTn id="10" dur="1" fill="hold">
+                                          <p:stCondLst>
+                                            <p:cond delay="0"/>
+                                          </p:stCondLst>
+                                        </p:cTn>
+                                        <p:tgtEl>
+                                          <p:spTgt spid="8"/>
+                                        </p:tgtEl>
+                                        <p:attrNameLst>
+                                          <p:attrName>style.visibility</p:attrName>
+                                        </p:attrNameLst>
+                                      </p:cBhvr>
+                                      <p:to>
+                                        <p:strVal val="visible"/>
+                                      </p:to>
+                                    </p:set>
+                                    <p:anim calcmode="lin" valueType="num">
+                                      <p:cBhvr additive="base">
+                                        <p:cTn id="11" dur="500" fill="hold"/>
+                                        <p:tgtEl>
+                                          <p:spTgt spid="8"/>
+                                        </p:tgtEl>
+                                        <p:attrNameLst>
+                                          <p:attrName>ppt_x</p:attrName>
+                                        </p:attrNameLst>
+                                      </p:cBhvr>
+                                      <p:tavLst>
+                                        <p:tav tm="0">
+                                          <p:val>
+                                            <p:strVal val="#ppt_x"/>
+                                          </p:val>
+                                        </p:tav>
+                                        <p:tav tm="100000">
+                                          <p:val>
+                                            <p:strVal val="#ppt_x"/>
+                                          </p:val>
+                                        </p:tav>
+                                      </p:tavLst>
+                                    </p:anim>
+                                    <p:anim calcmode="lin" valueType="num">
+                                      <p:cBhvr additive="base">
+                                        <p:cTn id="12" dur="500" fill="hold"/>
+                                        <p:tgtEl>
+                                          <p:spTgt spid="8"/>
+                                        </p:tgtEl>
+                                        <p:attrNameLst>
+                                          <p:attrName>ppt_y</p:attrName>
+                                        </p:attrNameLst>
+                                      </p:cBhvr>
+                                      <p:tavLst>
+                                        <p:tav tm="0">
+                                          <p:val>
+                                            <p:strVal val="1+#ppt_h/2"/>
+                                          </p:val>
+                                        </p:tav>
+                                        <p:tav tm="100000">
+                                          <p:val>
+                                            <p:strVal val="#ppt_y"/>
+                                          </p:val>
+                                        </p:tav>
+                                      </p:tavLst>
+                                    </p:anim>
+                                  </p:childTnLst>
+                                </p:cTn>
+                              </p:par>
+                              <p:par>
+                                <p:cTn id="13" presetID="2" presetClass="entr" presetSubtype="4" fill="hold" grpId="0" nodeType="withEffect">
+                                  <p:stCondLst>
+                                    <p:cond delay="0"/>
+                                  </p:stCondLst>
+                                  <p:childTnLst>
+                                    <p:set>
+                                      <p:cBhvr>
+                                        <p:cTn id="14" dur="1" fill="hold">
+                                          <p:stCondLst>
+                                            <p:cond delay="0"/>
+                                          </p:stCondLst>
+                                        </p:cTn>
+                                        <p:tgtEl>
+                                          <p:spTgt spid="9"/>
+                                        </p:tgtEl>
+                                        <p:attrNameLst>
+                                          <p:attrName>style.visibility</p:attrName>
+                                        </p:attrNameLst>
+                                      </p:cBhvr>
+                                      <p:to>
+                                        <p:strVal val="visible"/>
+                                      </p:to>
+                                    </p:set>
+                                    <p:anim calcmode="lin" valueType="num">
+                                      <p:cBhvr additive="base">
+                                        <p:cTn id="15" dur="500" fill="hold"/>
+                                        <p:tgtEl>
+                                          <p:spTgt spid="9"/>
+                                        </p:tgtEl>
+                                        <p:attrNameLst>
+                                          <p:attrName>ppt_x</p:attrName>
+                                        </p:attrNameLst>
+                                      </p:cBhvr>
+                                      <p:tavLst>
+                                        <p:tav tm="0">
+                                          <p:val>
+                                            <p:strVal val="#ppt_x"/>
+                                          </p:val>
+                                        </p:tav>
+                                        <p:tav tm="100000">
+                                          <p:val>
+                                            <p:strVal val="#ppt_x"/>
+                                          </p:val>
+                                        </p:tav>
+                                      </p:tavLst>
+                                    </p:anim>
+                                    <p:anim calcmode="lin" valueType="num">
+                                      <p:cBhvr additive="base">
+                                        <p:cTn id="16" dur="500" fill="hold"/>
+                                        <p:tgtEl>
+                                          <p:spTgt spid="9"/>
+                                        </p:tgtEl>
+                                        <p:attrNameLst>
+                                          <p:attrName>ppt_y</p:attrName>
+                                        </p:attrNameLst>
+                                      </p:cBhvr>
+                                      <p:tavLst>
+                                        <p:tav tm="0">
+                                          <p:val>
+                                            <p:strVal val="1+#ppt_h/2"/>
+                                          </p:val>
+                                        </p:tav>
+                                        <p:tav tm="100000">
+                                          <p:val>
+                                            <p:strVal val="#ppt_y"/>
+                                          </p:val>
+                                        </p:tav>
+                                      </p:tavLst>
+                                    </p:anim>
+                                  </p:childTnLst>
+                                </p:cTn>
+                              </p:par>
+                              <p:par>
+                                <p:cTn id="17" presetID="2" presetClass="entr" presetSubtype="4" fill="hold" grpId="0" nodeType="withEffect">
+                                  <p:stCondLst>
+                                    <p:cond delay="0"/>
+                                  </p:stCondLst>
+                                  <p:childTnLst>
+                                    <p:set>
+                                      <p:cBhvr>
+                                        <p:cTn id="18" dur="1" fill="hold">
+                                          <p:stCondLst>
+                                            <p:cond delay="0"/>
+                                          </p:stCondLst>
+                                        </p:cTn>
+                                        <p:tgtEl>
+                                          <p:spTgt spid="11"/>
+                                        </p:tgtEl>
+                                        <p:attrNameLst>
+                                          <p:attrName>style.visibility</p:attrName>
+                                        </p:attrNameLst>
+                                      </p:cBhvr>
+                                      <p:to>
+                                        <p:strVal val="visible"/>
+                                      </p:to>
+                                    </p:set>
+                                    <p:anim calcmode="lin" valueType="num">
+                                      <p:cBhvr additive="base">
+                                        <p:cTn id="19" dur="500" fill="hold"/>
+                                        <p:tgtEl>
+                                          <p:spTgt spid="11"/>
+                                        </p:tgtEl>
+                                        <p:attrNameLst>
+                                          <p:attrName>ppt_x</p:attrName>
+                                        </p:attrNameLst>
+                                      </p:cBhvr>
+                                      <p:tavLst>
+                                        <p:tav tm="0">
+                                          <p:val>
+                                            <p:strVal val="#ppt_x"/>
+                                          </p:val>
+                                        </p:tav>
+                                        <p:tav tm="100000">
+                                          <p:val>
+                                            <p:strVal val="#ppt_x"/>
+                                          </p:val>
+                                        </p:tav>
+                                      </p:tavLst>
+                                    </p:anim>
+                                    <p:anim calcmode="lin" valueType="num">
+                                      <p:cBhvr additive="base">
+                                        <p:cTn id="20" dur="500" fill="hold"/>
+                                        <p:tgtEl>
+                                          <p:spTgt spid="11"/>
+                                        </p:tgtEl>
+                                        <p:attrNameLst>
+                                          <p:attrName>ppt_y</p:attrName>
+                                        </p:attrNameLst>
+                                      </p:cBhvr>
+                                      <p:tavLst>
+                                        <p:tav tm="0">
+                                          <p:val>
+                                            <p:strVal val="1+#ppt_h/2"/>
+                                          </p:val>
+                                        </p:tav>
+                                        <p:tav tm="100000">
+                                          <p:val>
+                                            <p:strVal val="#ppt_y"/>
+                                          </p:val>
+                                        </p:tav>
+                                      </p:tavLst>
+                                    </p:anim>
+                                  </p:childTnLst>
+                                </p:cTn>
+                              </p:par>
+                              <p:par>
+                                <p:cTn id="21" presetID="2" presetClass="entr" presetSubtype="4" fill="hold" grpId="0" nodeType="withEffect">
+                                  <p:stCondLst>
+                                    <p:cond delay="0"/>
+                                  </p:stCondLst>
+                                  <p:childTnLst>
+                                    <p:set>
+                                      <p:cBhvr>
+                                        <p:cTn id="22" dur="1" fill="hold">
+                                          <p:stCondLst>
+                                            <p:cond delay="0"/>
+                                          </p:stCondLst>
+                                        </p:cTn>
+                                        <p:tgtEl>
+                                          <p:spTgt spid="16"/>
+                                        </p:tgtEl>
+                                        <p:attrNameLst>
+                                          <p:attrName>style.visibility</p:attrName>
+                                        </p:attrNameLst>
+                                      </p:cBhvr>
+                                      <p:to>
+                                        <p:strVal val="visible"/>
+                                      </p:to>
+                                    </p:set>
+                                    <p:anim calcmode="lin" valueType="num">
+                                      <p:cBhvr additive="base">
+                                        <p:cTn id="23" dur="500" fill="hold"/>
+                                        <p:tgtEl>
+                                          <p:spTgt spid="16"/>
+                                        </p:tgtEl>
+                                        <p:attrNameLst>
+                                          <p:attrName>ppt_x</p:attrName>
+                                        </p:attrNameLst>
+                                      </p:cBhvr>
+                                      <p:tavLst>
+                                        <p:tav tm="0">
+                                          <p:val>
+                                            <p:strVal val="#ppt_x"/>
+                                          </p:val>
+                                        </p:tav>
+                                        <p:tav tm="100000">
+                                          <p:val>
+                                            <p:strVal val="#ppt_x"/>
+                                          </p:val>
+                                        </p:tav>
+                                      </p:tavLst>
+                                    </p:anim>
+                                    <p:anim calcmode="lin" valueType="num">
+                                      <p:cBhvr additive="base">
+                                        <p:cTn id="24" dur="500" fill="hold"/>
+                                        <p:tgtEl>
+                                          <p:spTgt spid="16"/>
+                                        </p:tgtEl>
+                                        <p:attrNameLst>
+                                          <p:attrName>ppt_y</p:attrName>
+                                        </p:attrNameLst>
+                                      </p:cBhvr>
+                                      <p:tavLst>
+                                        <p:tav tm="0">
+                                          <p:val>
+                                            <p:strVal val="1+#ppt_h/2"/>
+                                          </p:val>
+                                        </p:tav>
+                                        <p:tav tm="100000">
+                                          <p:val>
+                                            <p:strVal val="#ppt_y"/>
+                                          </p:val>
+                                        </p:tav>
+                                      </p:tavLst>
+                                    </p:anim>
+                                  </p:childTnLst>
+                                </p:cTn>
+                              </p:par>
+                            </p:childTnLst>
+                          </p:cTn>
+                        </p:par>
+                      </p:childTnLst>
+                    </p:cTn>
+                  </p:par>
+                  <p:par>
+                    <p:cTn id="25" fill="hold">
+                      <p:stCondLst>
+                        <p:cond delay="indefinite"/>
+                      </p:stCondLst>
+                      <p:childTnLst>
+                        <p:par>
+                          <p:cTn id="26" fill="hold">
+                            <p:stCondLst>
+                              <p:cond delay="0"/>
+                            </p:stCondLst>
+                            <p:childTnLst>
+                              <p:par>
+                                <p:cTn id="27" presetID="42" presetClass="entr" presetSubtype="0" fill="hold" grpId="0" nodeType="clickEffect">
+                                  <p:stCondLst>
+                                    <p:cond delay="0"/>
+                                  </p:stCondLst>
+                                  <p:childTnLst>
+                                    <p:set>
+                                      <p:cBhvr>
+                                        <p:cTn id="28" dur="1" fill="hold">
+                                          <p:stCondLst>
+                                            <p:cond delay="0"/>
+                                          </p:stCondLst>
+                                        </p:cTn>
+                                        <p:tgtEl>
+                                          <p:spTgt spid="7"/>
+                                        </p:tgtEl>
+                                        <p:attrNameLst>
+                                          <p:attrName>style.visibility</p:attrName>
+                                        </p:attrNameLst>
+                                      </p:cBhvr>
+                                      <p:to>
+                                        <p:strVal val="visible"/>
+                                      </p:to>
+                                    </p:set>
+                                    <p:animEffect transition="in" filter="fade">
+                                      <p:cBhvr>
+                                        <p:cTn id="29" dur="1000"/>
+                                        <p:tgtEl>
+                                          <p:spTgt spid="7"/>
+                                        </p:tgtEl>
+                                      </p:cBhvr>
+                                    </p:animEffect>
+                                    <p:anim calcmode="lin" valueType="num">
+                                      <p:cBhvr>
+                                        <p:cTn id="30" dur="1000" fill="hold"/>
+                                        <p:tgtEl>
+                                          <p:spTgt spid="7"/>
+                                        </p:tgtEl>
+                                        <p:attrNameLst>
+                                          <p:attrName>ppt_x</p:attrName>
+                                        </p:attrNameLst>
+                                      </p:cBhvr>
+                                      <p:tavLst>
+                                        <p:tav tm="0">
+                                          <p:val>
+                                            <p:strVal val="#ppt_x"/>
+                                          </p:val>
+                                        </p:tav>
+                                        <p:tav tm="100000">
+                                          <p:val>
+                                            <p:strVal val="#ppt_x"/>
+                                          </p:val>
+                                        </p:tav>
+                                      </p:tavLst>
+                                    </p:anim>
+                                    <p:anim calcmode="lin" valueType="num">
+                                      <p:cBhvr>
+                                        <p:cTn id="31" dur="1000" fill="hold"/>
+                                        <p:tgtEl>
+                                          <p:spTgt spid="7"/>
+                                        </p:tgtEl>
+                                        <p:attrNameLst>
+                                          <p:attrName>ppt_y</p:attrName>
+                                        </p:attrNameLst>
+                                      </p:cBhvr>
+                                      <p:tavLst>
+                                        <p:tav tm="0">
+                                          <p:val>
+                                            <p:strVal val="#ppt_y+.1"/>
+                                          </p:val>
+                                        </p:tav>
+                                        <p:tav tm="100000">
+                                          <p:val>
+                                            <p:strVal val="#ppt_y"/>
+                                          </p:val>
+                                        </p:tav>
+                                      </p:tavLst>
+                                    </p:anim>
+                                  </p:childTnLst>
+                                </p:cTn>
+                              </p:par>
+                            </p:childTnLst>
+                          </p:cTn>
+                        </p:par>
+                      </p:childTnLst>
+                    </p:cTn>
+                  </p:par>
+                  <p:par>
+                    <p:cTn id="32" fill="hold">
+                      <p:stCondLst>
+                        <p:cond delay="indefinite"/>
+                      </p:stCondLst>
+                      <p:childTnLst>
+                        <p:par>
+                          <p:cTn id="33" fill="hold">
+                            <p:stCondLst>
+                              <p:cond delay="0"/>
+                            </p:stCondLst>
+                            <p:childTnLst>
+                              <p:par>
+                                <p:cTn id="34" presetID="42" presetClass="entr" presetSubtype="0" fill="hold" grpId="0" nodeType="clickEffect">
+                                  <p:stCondLst>
+                                    <p:cond delay="0"/>
+                                  </p:stCondLst>
+                                  <p:childTnLst>
+                                    <p:set>
+                                      <p:cBhvr>
+                                        <p:cTn id="35" dur="1" fill="hold">
+                                          <p:stCondLst>
+                                            <p:cond delay="0"/>
+                                          </p:stCondLst>
+                                        </p:cTn>
+                                        <p:tgtEl>
+                                          <p:spTgt spid="10"/>
+                                        </p:tgtEl>
+                                        <p:attrNameLst>
+                                          <p:attrName>style.visibility</p:attrName>
+                                        </p:attrNameLst>
+                                      </p:cBhvr>
+                                      <p:to>
+                                        <p:strVal val="visible"/>
+                                      </p:to>
+                                    </p:set>
+                                    <p:animEffect transition="in" filter="fade">
+                                      <p:cBhvr>
+                                        <p:cTn id="36" dur="1000"/>
+                                        <p:tgtEl>
+                                          <p:spTgt spid="10"/>
+                                        </p:tgtEl>
+                                      </p:cBhvr>
+                                    </p:animEffect>
+                                    <p:anim calcmode="lin" valueType="num">
+                                      <p:cBhvr>
+                                        <p:cTn id="37" dur="1000" fill="hold"/>
+                                        <p:tgtEl>
+                                          <p:spTgt spid="10"/>
+                                        </p:tgtEl>
+                                        <p:attrNameLst>
+                                          <p:attrName>ppt_x</p:attrName>
+                                        </p:attrNameLst>
+                                      </p:cBhvr>
+                                      <p:tavLst>
+                                        <p:tav tm="0">
+                                          <p:val>
+                                            <p:strVal val="#ppt_x"/>
+                                          </p:val>
+                                        </p:tav>
+                                        <p:tav tm="100000">
+                                          <p:val>
+                                            <p:strVal val="#ppt_x"/>
+                                          </p:val>
+                                        </p:tav>
+                                      </p:tavLst>
+                                    </p:anim>
+                                    <p:anim calcmode="lin" valueType="num">
+                                      <p:cBhvr>
+                                        <p:cTn id="38" dur="1000" fill="hold"/>
+                                        <p:tgtEl>
+                                          <p:spTgt spid="10"/>
+                                        </p:tgtEl>
+                                        <p:attrNameLst>
+                                          <p:attrName>ppt_y</p:attrName>
+                                        </p:attrNameLst>
+                                      </p:cBhvr>
+                                      <p:tavLst>
+                                        <p:tav tm="0">
+                                          <p:val>
+                                            <p:strVal val="#ppt_y+.1"/>
+                                          </p:val>
+                                        </p:tav>
+                                        <p:tav tm="100000">
+                                          <p:val>
+                                            <p:strVal val="#ppt_y"/>
+                                          </p:val>
+                                        </p:tav>
+                                      </p:tavLst>
+                                    </p:anim>
+                                  </p:childTnLst>
+                                </p:cTn>
+                              </p:par>
+                            </p:childTnLst>
+                          </p:cTn>
+                        </p:par>
+                      </p:childTnLst>
+                    </p:cTn>
+                  </p:par>
+                  <p:par>
+                    <p:cTn id="39" fill="hold">
+                      <p:stCondLst>
+                        <p:cond delay="indefinite"/>
+                      </p:stCondLst>
+                      <p:childTnLst>
+                        <p:par>
+                          <p:cTn id="40" fill="hold">
+                            <p:stCondLst>
+                              <p:cond delay="0"/>
+                            </p:stCondLst>
+                            <p:childTnLst>
+                              <p:par>
+                                <p:cTn id="41" presetID="42" presetClass="entr" presetSubtype="0" fill="hold" grpId="0" nodeType="clickEffect">
+                                  <p:stCondLst>
+                                    <p:cond delay="0"/>
+                                  </p:stCondLst>
+                                  <p:childTnLst>
+                                    <p:set>
+                                      <p:cBhvr>
+                                        <p:cTn id="42" dur="1" fill="hold">
+                                          <p:stCondLst>
+                                            <p:cond delay="0"/>
+                                          </p:stCondLst>
+                                        </p:cTn>
+                                        <p:tgtEl>
+                                          <p:spTgt spid="12"/>
+                                        </p:tgtEl>
+                                        <p:attrNameLst>
+                                          <p:attrName>style.visibility</p:attrName>
+                                        </p:attrNameLst>
+                                      </p:cBhvr>
+                                      <p:to>
+                                        <p:strVal val="visible"/>
+                                      </p:to>
+                                    </p:set>
+                                    <p:animEffect transition="in" filter="fade">
+                                      <p:cBhvr>
+                                        <p:cTn id="43" dur="1000"/>
+                                        <p:tgtEl>
+                                          <p:spTgt spid="12"/>
+                                        </p:tgtEl>
+                                      </p:cBhvr>
+                                    </p:animEffect>
+                                    <p:anim calcmode="lin" valueType="num">
+                                      <p:cBhvr>
+                                        <p:cTn id="44" dur="1000" fill="hold"/>
+                                        <p:tgtEl>
+                                          <p:spTgt spid="12"/>
+                                        </p:tgtEl>
+                                        <p:attrNameLst>
+                                          <p:attrName>ppt_x</p:attrName>
+                                        </p:attrNameLst>
+                                      </p:cBhvr>
+                                      <p:tavLst>
+                                        <p:tav tm="0">
+                                          <p:val>
+                                            <p:strVal val="#ppt_x"/>
+                                          </p:val>
+                                        </p:tav>
+                                        <p:tav tm="100000">
+                                          <p:val>
+                                            <p:strVal val="#ppt_x"/>
+                                          </p:val>
+                                        </p:tav>
+                                      </p:tavLst>
+                                    </p:anim>
+                                    <p:anim calcmode="lin" valueType="num">
+                                      <p:cBhvr>
+                                        <p:cTn id="45" dur="1000" fill="hold"/>
+                                        <p:tgtEl>
+                                          <p:spTgt spid="12"/>
+                                        </p:tgtEl>
+                                        <p:attrNameLst>
+                                          <p:attrName>ppt_y</p:attrName>
+                                        </p:attrNameLst>
+                                      </p:cBhvr>
+                                      <p:tavLst>
+                                        <p:tav tm="0">
+                                          <p:val>
+                                            <p:strVal val="#ppt_y+.1"/>
+                                          </p:val>
+                                        </p:tav>
+                                        <p:tav tm="100000">
+                                          <p:val>
+                                            <p:strVal val="#ppt_y"/>
+                                          </p:val>
+                                        </p:tav>
+                                      </p:tavLst>
+                                    </p:anim>
+                                  </p:childTnLst>
+                                </p:cTn>
+                              </p:par>
+                            </p:childTnLst>
+                          </p:cTn>
+                        </p:par>
+                      </p:childTnLst>
+                    </p:cTn>
+                  </p:par>
+                  <p:par>
+                    <p:cTn id="46" fill="hold">
+                      <p:stCondLst>
+                        <p:cond delay="indefinite"/>
+                      </p:stCondLst>
+                      <p:childTnLst>
+                        <p:par>
+                          <p:cTn id="47" fill="hold">
+                            <p:stCondLst>
+                              <p:cond delay="0"/>
+                            </p:stCondLst>
+                            <p:childTnLst>
+                              <p:par>
+                                <p:cTn id="48" presetID="42" presetClass="entr" presetSubtype="0" fill="hold" grpId="0" nodeType="clickEffect">
+                                  <p:stCondLst>
+                                    <p:cond delay="0"/>
+                                  </p:stCondLst>
+                                  <p:childTnLst>
+                                    <p:set>
+                                      <p:cBhvr>
+                                        <p:cTn id="49" dur="1" fill="hold">
+                                          <p:stCondLst>
+                                            <p:cond delay="0"/>
+                                          </p:stCondLst>
+                                        </p:cTn>
+                                        <p:tgtEl>
+                                          <p:spTgt spid="15"/>
+                                        </p:tgtEl>
+                                        <p:attrNameLst>
+                                          <p:attrName>style.visibility</p:attrName>
+                                        </p:attrNameLst>
+                                      </p:cBhvr>
+                                      <p:to>
+                                        <p:strVal val="visible"/>
+                                      </p:to>
+                                    </p:set>
+                                    <p:animEffect transition="in" filter="fade">
+                                      <p:cBhvr>
+                                        <p:cTn id="50" dur="1000"/>
+                                        <p:tgtEl>
+                                          <p:spTgt spid="15"/>
+                                        </p:tgtEl>
+                                      </p:cBhvr>
+                                    </p:animEffect>
+                                    <p:anim calcmode="lin" valueType="num">
+                                      <p:cBhvr>
+                                        <p:cTn id="51" dur="1000" fill="hold"/>
+                                        <p:tgtEl>
+                                          <p:spTgt spid="15"/>
+                                        </p:tgtEl>
+                                        <p:attrNameLst>
+                                          <p:attrName>ppt_x</p:attrName>
+                                        </p:attrNameLst>
+                                      </p:cBhvr>
+                                      <p:tavLst>
+                                        <p:tav tm="0">
+                                          <p:val>
+                                            <p:strVal val="#ppt_x"/>
+                                          </p:val>
+                                        </p:tav>
+                                        <p:tav tm="100000">
+                                          <p:val>
+                                            <p:strVal val="#ppt_x"/>
+                                          </p:val>
+                                        </p:tav>
+                                      </p:tavLst>
+                                    </p:anim>
+                                    <p:anim calcmode="lin" valueType="num">
+                                      <p:cBhvr>
+                                        <p:cTn id="52" dur="1000" fill="hold"/>
+                                        <p:tgtEl>
+                                          <p:spTgt spid="15"/>
+                                        </p:tgtEl>
+                                        <p:attrNameLst>
+                                          <p:attrName>ppt_y</p:attrName>
+                                        </p:attrNameLst>
+                                      </p:cBhvr>
+                                      <p:tavLst>
+                                        <p:tav tm="0">
+                                          <p:val>
+                                            <p:strVal val="#ppt_y+.1"/>
+                                          </p:val>
+                                        </p:tav>
+                                        <p:tav tm="100000">
+                                          <p:val>
+                                            <p:strVal val="#ppt_y"/>
+                                          </p:val>
+                                        </p:tav>
+                                      </p:tavLst>
+                                    </p:anim>
+                                  </p:childTnLst>
+                                </p:cTn>
+                              </p:par>
+                            </p:childTnLst>
+                          </p:cTn>
+                        </p:par>
+                      </p:childTnLst>
+                    </p:cTn>
+                  </p:par>
+                </p:childTnLst>
+              </p:cTn>
+              <p:prevCondLst>
+                <p:cond evt="onPrev" delay="0">
+                  <p:tgtEl>
+                    <p:sldTgt/>
+                  </p:tgtEl>
+                </p:cond>
+              </p:prevCondLst>
+              <p:nextCondLst>
+                <p:cond evt="onNext" delay="0">
+                  <p:tgtEl>
+                    <p:sldTgt/>
+                  </p:tgtEl>
+                </p:cond>
+              </p:nextCondLst>
+            </p:seq>
+          </p:childTnLst>
+        </p:cTn>
+      </p:par>
+    </p:tnLst>
+    <p:bldLst>
+      <p:bldP spid="5" grpId="0"/>
+      <p:bldP spid="7" grpId="0"/>
+      <p:bldP spid="8" grpId="0"/>
+      <p:bldP spid="9" grpId="0"/>
+      <p:bldP spid="10" grpId="0"/>
+      <p:bldP spid="12" grpId="0"/>
+      <p:bldP spid="11" grpId="0"/>
+      <p:bldP spid="15" grpId="0"/>
+      <p:bldP spid="16" grpId="0"/>
+    </p:bldLst>
+  </p:timing>
+</p:sld>
+</file>
+
+<file path=ppt/slides/slide44.xml><?xml version="1.0" encoding="utf-8"?>
+<p:sld xmlns:a="http://schemas.openxmlformats.org/drawingml/2006/main" xmlns:r="http://schemas.openxmlformats.org/officeDocument/2006/relationships" xmlns:p="http://schemas.openxmlformats.org/presentationml/2006/main">
+  <p:cSld>
+    <p:spTree>
+      <p:nvGrpSpPr>
+        <p:cNvPr id="1" name=""/>
+        <p:cNvGrpSpPr/>
+        <p:nvPr/>
+      </p:nvGrpSpPr>
+      <p:grpSpPr>
+        <a:xfrm>
+          <a:off x="0" y="0"/>
+          <a:ext cx="0" cy="0"/>
+          <a:chOff x="0" y="0"/>
+          <a:chExt cx="0" cy="0"/>
+        </a:xfrm>
+      </p:grpSpPr>
+      <p:sp>
+        <p:nvSpPr>
           <p:cNvPr id="38915" name="Text Box 3"/>
           <p:cNvSpPr txBox="1">
             <a:spLocks noChangeArrowheads="1"/>
@@ -37866,7 +40389,7 @@
 </p:sld>
 </file>
 
-<file path=ppt/slides/slide44.xml><?xml version="1.0" encoding="utf-8"?>
+<file path=ppt/slides/slide45.xml><?xml version="1.0" encoding="utf-8"?>
 <p:sld xmlns:a="http://schemas.openxmlformats.org/drawingml/2006/main" xmlns:r="http://schemas.openxmlformats.org/officeDocument/2006/relationships" xmlns:p="http://schemas.openxmlformats.org/presentationml/2006/main">
   <p:cSld>
     <p:spTree>
@@ -38121,7 +40644,7 @@
 </p:sld>
 </file>
 
-<file path=ppt/slides/slide45.xml><?xml version="1.0" encoding="utf-8"?>
+<file path=ppt/slides/slide46.xml><?xml version="1.0" encoding="utf-8"?>
 <p:sld xmlns:a="http://schemas.openxmlformats.org/drawingml/2006/main" xmlns:r="http://schemas.openxmlformats.org/officeDocument/2006/relationships" xmlns:p="http://schemas.openxmlformats.org/presentationml/2006/main">
   <p:cSld>
     <p:spTree>
@@ -38258,7 +40781,7 @@
 </p:sld>
 </file>
 
-<file path=ppt/slides/slide46.xml><?xml version="1.0" encoding="utf-8"?>
+<file path=ppt/slides/slide47.xml><?xml version="1.0" encoding="utf-8"?>
 <p:sld xmlns:a="http://schemas.openxmlformats.org/drawingml/2006/main" xmlns:r="http://schemas.openxmlformats.org/officeDocument/2006/relationships" xmlns:p="http://schemas.openxmlformats.org/presentationml/2006/main">
   <p:cSld>
     <p:spTree>
@@ -40077,7 +42600,7 @@
           <a:lstStyle/>
           <a:p>
             <a:r>
-              <a:rPr kumimoji="1" lang="zh-CN" altLang="en-US" sz="2400" b="1">
+              <a:rPr kumimoji="1" lang="zh-CN" altLang="en-US" sz="2400" b="1" dirty="0">
                 <a:solidFill>
                   <a:srgbClr val="FF3300"/>
                 </a:solidFill>
@@ -42442,7 +44965,7 @@
 </p:sld>
 </file>
 
-<file path=ppt/slides/slide47.xml><?xml version="1.0" encoding="utf-8"?>
+<file path=ppt/slides/slide48.xml><?xml version="1.0" encoding="utf-8"?>
 <p:sld xmlns:a="http://schemas.openxmlformats.org/drawingml/2006/main" xmlns:r="http://schemas.openxmlformats.org/officeDocument/2006/relationships" xmlns:p="http://schemas.openxmlformats.org/presentationml/2006/main">
   <p:cSld>
     <p:bg>
@@ -42634,7 +45157,7 @@
 </p:sld>
 </file>
 
-<file path=ppt/slides/slide48.xml><?xml version="1.0" encoding="utf-8"?>
+<file path=ppt/slides/slide49.xml><?xml version="1.0" encoding="utf-8"?>
 <p:sld xmlns:a="http://schemas.openxmlformats.org/drawingml/2006/main" xmlns:r="http://schemas.openxmlformats.org/officeDocument/2006/relationships" xmlns:p="http://schemas.openxmlformats.org/presentationml/2006/main">
   <p:cSld>
     <p:bg>

--- a/数据结构PPT/ds1.pptx
+++ b/数据结构PPT/ds1.pptx
@@ -1443,7 +1443,7 @@
             <a:fld id="{FF1472F5-E874-45EB-9D70-82D26FE8604A}" type="datetimeFigureOut">
               <a:rPr lang="zh-CN" altLang="en-US" smtClean="0"/>
               <a:pPr/>
-              <a:t>2018/9/13</a:t>
+              <a:t>2018/9/14</a:t>
             </a:fld>
             <a:endParaRPr lang="zh-CN" altLang="en-US"/>
           </a:p>
@@ -3950,7 +3950,7 @@
             <a:fld id="{5B10405B-49E5-45A4-9C14-FD9DF38AD015}" type="datetimeFigureOut">
               <a:rPr lang="zh-CN" altLang="en-US" smtClean="0"/>
               <a:pPr/>
-              <a:t>2018/9/13</a:t>
+              <a:t>2018/9/14</a:t>
             </a:fld>
             <a:endParaRPr lang="zh-CN" altLang="en-US"/>
           </a:p>
@@ -4115,7 +4115,7 @@
             <a:fld id="{5B10405B-49E5-45A4-9C14-FD9DF38AD015}" type="datetimeFigureOut">
               <a:rPr lang="zh-CN" altLang="en-US" smtClean="0"/>
               <a:pPr/>
-              <a:t>2018/9/13</a:t>
+              <a:t>2018/9/14</a:t>
             </a:fld>
             <a:endParaRPr lang="zh-CN" altLang="en-US"/>
           </a:p>
@@ -4290,7 +4290,7 @@
             <a:fld id="{5B10405B-49E5-45A4-9C14-FD9DF38AD015}" type="datetimeFigureOut">
               <a:rPr lang="zh-CN" altLang="en-US" smtClean="0"/>
               <a:pPr/>
-              <a:t>2018/9/13</a:t>
+              <a:t>2018/9/14</a:t>
             </a:fld>
             <a:endParaRPr lang="zh-CN" altLang="en-US"/>
           </a:p>
@@ -4455,7 +4455,7 @@
             <a:fld id="{5B10405B-49E5-45A4-9C14-FD9DF38AD015}" type="datetimeFigureOut">
               <a:rPr lang="zh-CN" altLang="en-US" smtClean="0"/>
               <a:pPr/>
-              <a:t>2018/9/13</a:t>
+              <a:t>2018/9/14</a:t>
             </a:fld>
             <a:endParaRPr lang="zh-CN" altLang="en-US"/>
           </a:p>
@@ -4697,7 +4697,7 @@
             <a:fld id="{5B10405B-49E5-45A4-9C14-FD9DF38AD015}" type="datetimeFigureOut">
               <a:rPr lang="zh-CN" altLang="en-US" smtClean="0"/>
               <a:pPr/>
-              <a:t>2018/9/13</a:t>
+              <a:t>2018/9/14</a:t>
             </a:fld>
             <a:endParaRPr lang="zh-CN" altLang="en-US"/>
           </a:p>
@@ -4979,7 +4979,7 @@
             <a:fld id="{5B10405B-49E5-45A4-9C14-FD9DF38AD015}" type="datetimeFigureOut">
               <a:rPr lang="zh-CN" altLang="en-US" smtClean="0"/>
               <a:pPr/>
-              <a:t>2018/9/13</a:t>
+              <a:t>2018/9/14</a:t>
             </a:fld>
             <a:endParaRPr lang="zh-CN" altLang="en-US"/>
           </a:p>
@@ -5395,7 +5395,7 @@
             <a:fld id="{5B10405B-49E5-45A4-9C14-FD9DF38AD015}" type="datetimeFigureOut">
               <a:rPr lang="zh-CN" altLang="en-US" smtClean="0"/>
               <a:pPr/>
-              <a:t>2018/9/13</a:t>
+              <a:t>2018/9/14</a:t>
             </a:fld>
             <a:endParaRPr lang="zh-CN" altLang="en-US"/>
           </a:p>
@@ -5509,7 +5509,7 @@
             <a:fld id="{5B10405B-49E5-45A4-9C14-FD9DF38AD015}" type="datetimeFigureOut">
               <a:rPr lang="zh-CN" altLang="en-US" smtClean="0"/>
               <a:pPr/>
-              <a:t>2018/9/13</a:t>
+              <a:t>2018/9/14</a:t>
             </a:fld>
             <a:endParaRPr lang="zh-CN" altLang="en-US"/>
           </a:p>
@@ -5601,7 +5601,7 @@
             <a:fld id="{5B10405B-49E5-45A4-9C14-FD9DF38AD015}" type="datetimeFigureOut">
               <a:rPr lang="zh-CN" altLang="en-US" smtClean="0"/>
               <a:pPr/>
-              <a:t>2018/9/13</a:t>
+              <a:t>2018/9/14</a:t>
             </a:fld>
             <a:endParaRPr lang="zh-CN" altLang="en-US"/>
           </a:p>
@@ -5873,7 +5873,7 @@
             <a:fld id="{5B10405B-49E5-45A4-9C14-FD9DF38AD015}" type="datetimeFigureOut">
               <a:rPr lang="zh-CN" altLang="en-US" smtClean="0"/>
               <a:pPr/>
-              <a:t>2018/9/13</a:t>
+              <a:t>2018/9/14</a:t>
             </a:fld>
             <a:endParaRPr lang="zh-CN" altLang="en-US"/>
           </a:p>
@@ -6122,7 +6122,7 @@
             <a:fld id="{5B10405B-49E5-45A4-9C14-FD9DF38AD015}" type="datetimeFigureOut">
               <a:rPr lang="zh-CN" altLang="en-US" smtClean="0"/>
               <a:pPr/>
-              <a:t>2018/9/13</a:t>
+              <a:t>2018/9/14</a:t>
             </a:fld>
             <a:endParaRPr lang="zh-CN" altLang="en-US"/>
           </a:p>
@@ -6330,7 +6330,7 @@
             <a:fld id="{5B10405B-49E5-45A4-9C14-FD9DF38AD015}" type="datetimeFigureOut">
               <a:rPr lang="zh-CN" altLang="en-US" smtClean="0"/>
               <a:pPr/>
-              <a:t>2018/9/13</a:t>
+              <a:t>2018/9/14</a:t>
             </a:fld>
             <a:endParaRPr lang="zh-CN" altLang="en-US"/>
           </a:p>
@@ -11869,7 +11869,7 @@
           <a:graphicData uri="http://schemas.openxmlformats.org/presentationml/2006/ole">
             <mc:AlternateContent xmlns:mc="http://schemas.openxmlformats.org/markup-compatibility/2006">
               <mc:Choice xmlns:v="urn:schemas-microsoft-com:vml" Requires="v">
-                <p:oleObj spid="_x0000_s1077" name="Visio" r:id="rId4" imgW="2627620" imgH="4228081" progId="Visio.Drawing.11">
+                <p:oleObj spid="_x0000_s1083" name="Visio" r:id="rId4" imgW="2627620" imgH="4228081" progId="Visio.Drawing.11">
                   <p:embed/>
                 </p:oleObj>
               </mc:Choice>
@@ -19080,12 +19080,14 @@
         </p:nvSpPr>
         <p:spPr>
           <a:xfrm>
-            <a:off x="1981200" y="549275"/>
-            <a:ext cx="8229600" cy="935038"/>
+            <a:off x="1981200" y="368349"/>
+            <a:ext cx="8229600" cy="647600"/>
           </a:xfrm>
         </p:spPr>
         <p:txBody>
-          <a:bodyPr anchor="b"/>
+          <a:bodyPr anchor="b">
+            <a:normAutofit/>
+          </a:bodyPr>
           <a:lstStyle/>
           <a:p>
             <a:r>
@@ -19110,7 +19112,7 @@
         </p:nvSpPr>
         <p:spPr>
           <a:xfrm>
-            <a:off x="2208214" y="1844676"/>
+            <a:off x="2279576" y="1268412"/>
             <a:ext cx="8270875" cy="4321175"/>
           </a:xfrm>
         </p:spPr>
@@ -19171,7 +19173,7 @@
             </a:r>
             <a:r>
               <a:rPr lang="en-US" altLang="zh-CN" sz="2000" dirty="0"/>
-              <a:t>width//</a:t>
+              <a:t>    width//</a:t>
             </a:r>
             <a:r>
               <a:rPr lang="zh-CN" altLang="en-US" sz="2000" dirty="0"/>
@@ -19188,7 +19190,7 @@
             </a:pPr>
             <a:r>
               <a:rPr lang="zh-CN" altLang="en-US" sz="2000" dirty="0"/>
-              <a:t>      数据关系： 无</a:t>
+              <a:t>      数据关系： 能构成一个矩形</a:t>
             </a:r>
           </a:p>
           <a:p>
@@ -19527,11 +19529,11 @@
             </a:pPr>
             <a:r>
               <a:rPr lang="en-US" altLang="zh-CN" sz="1900" dirty="0"/>
-              <a:t>      {    </a:t>
+              <a:t>{           </a:t>
             </a:r>
             <a:r>
               <a:rPr lang="en-US" altLang="en-US" sz="1900" dirty="0"/>
-              <a:t>float length;			// </a:t>
+              <a:t>float length;		// </a:t>
             </a:r>
             <a:r>
               <a:rPr lang="en-US" altLang="en-US" sz="1900" dirty="0" err="1"/>
@@ -19579,10 +19581,6 @@
               <a:buFont typeface="Wingdings" pitchFamily="2" charset="2"/>
               <a:buNone/>
             </a:pPr>
-            <a:r>
-              <a:rPr lang="zh-CN" altLang="en-US" sz="1900" dirty="0"/>
-              <a:t>      </a:t>
-            </a:r>
             <a:r>
               <a:rPr lang="en-US" altLang="en-US" sz="1900" dirty="0"/>
               <a:t>} Rectangle;</a:t>
@@ -31187,7 +31185,7 @@
             <a:graphicData uri="http://schemas.openxmlformats.org/presentationml/2006/ole">
               <mc:AlternateContent xmlns:mc="http://schemas.openxmlformats.org/markup-compatibility/2006">
                 <mc:Choice xmlns:v="urn:schemas-microsoft-com:vml" Requires="v">
-                  <p:oleObj spid="_x0000_s51252" name="公式" r:id="rId4" imgW="977760" imgH="393480" progId="Equation.3">
+                  <p:oleObj spid="_x0000_s51258" name="公式" r:id="rId4" imgW="977760" imgH="393480" progId="Equation.3">
                     <p:embed/>
                   </p:oleObj>
                 </mc:Choice>
@@ -36110,7 +36108,7 @@
           <a:graphicData uri="http://schemas.openxmlformats.org/presentationml/2006/ole">
             <mc:AlternateContent xmlns:mc="http://schemas.openxmlformats.org/markup-compatibility/2006">
               <mc:Choice xmlns:v="urn:schemas-microsoft-com:vml" Requires="v">
-                <p:oleObj spid="_x0000_s26676" name="VISIO" r:id="rId3" imgW="2374560" imgH="1721160" progId="Visio.Drawing.11">
+                <p:oleObj spid="_x0000_s26682" name="VISIO" r:id="rId3" imgW="2374560" imgH="1721160" progId="Visio.Drawing.11">
                   <p:embed/>
                 </p:oleObj>
               </mc:Choice>
@@ -36255,7 +36253,7 @@
         </p:nvSpPr>
         <p:spPr>
           <a:xfrm>
-            <a:off x="2207568" y="4221088"/>
+            <a:off x="2032612" y="4640982"/>
             <a:ext cx="7848872" cy="1512168"/>
           </a:xfrm>
         </p:spPr>
@@ -36334,7 +36332,7 @@
                 <a:latin typeface="楷体_GB2312" pitchFamily="49" charset="-122"/>
                 <a:ea typeface="楷体_GB2312" pitchFamily="49" charset="-122"/>
               </a:rPr>
-              <a:t>平均时间复杂度为：</a:t>
+              <a:t>时间复杂度为：</a:t>
             </a:r>
             <a:r>
               <a:rPr lang="en-US" altLang="zh-CN" sz="2400" b="1" dirty="0">
@@ -36378,7 +36376,7 @@
         <p:spPr>
           <a:xfrm>
             <a:off x="2423592" y="1628801"/>
-            <a:ext cx="7272808" cy="2400657"/>
+            <a:ext cx="7272808" cy="3077766"/>
           </a:xfrm>
           <a:prstGeom prst="rect">
             <a:avLst/>
@@ -36606,7 +36604,7 @@
               <a:rPr kumimoji="1" lang="en-US" altLang="zh-CN" sz="2000" b="1" dirty="0">
                 <a:latin typeface="Times New Roman" pitchFamily="18" charset="0"/>
               </a:rPr>
-              <a:t>            change = false;</a:t>
+              <a:t>       {</a:t>
             </a:r>
           </a:p>
           <a:p>
@@ -36628,55 +36626,7 @@
               <a:rPr kumimoji="1" lang="en-US" altLang="zh-CN" sz="2000" b="1" dirty="0">
                 <a:latin typeface="Times New Roman" pitchFamily="18" charset="0"/>
               </a:rPr>
-              <a:t>             for ( </a:t>
-            </a:r>
-            <a:r>
-              <a:rPr kumimoji="1" lang="en-US" altLang="zh-CN" sz="2000" b="1" i="1" dirty="0">
-                <a:latin typeface="Times New Roman" pitchFamily="18" charset="0"/>
-              </a:rPr>
-              <a:t>j </a:t>
-            </a:r>
-            <a:r>
-              <a:rPr kumimoji="1" lang="en-US" altLang="zh-CN" sz="2000" b="1" dirty="0">
-                <a:latin typeface="Times New Roman" pitchFamily="18" charset="0"/>
-              </a:rPr>
-              <a:t>= 0;  </a:t>
-            </a:r>
-            <a:r>
-              <a:rPr kumimoji="1" lang="en-US" altLang="zh-CN" sz="2000" b="1" i="1" dirty="0">
-                <a:latin typeface="Times New Roman" pitchFamily="18" charset="0"/>
-              </a:rPr>
-              <a:t>j </a:t>
-            </a:r>
-            <a:r>
-              <a:rPr kumimoji="1" lang="en-US" altLang="zh-CN" sz="2000" b="1" dirty="0">
-                <a:latin typeface="Times New Roman" pitchFamily="18" charset="0"/>
-              </a:rPr>
-              <a:t>&lt; </a:t>
-            </a:r>
-            <a:r>
-              <a:rPr kumimoji="1" lang="en-US" altLang="zh-CN" sz="2000" b="1" i="1" dirty="0" err="1">
-                <a:latin typeface="Times New Roman" pitchFamily="18" charset="0"/>
-              </a:rPr>
-              <a:t>i</a:t>
-            </a:r>
-            <a:r>
-              <a:rPr kumimoji="1" lang="en-US" altLang="zh-CN" sz="2000" b="1" dirty="0">
-                <a:latin typeface="Times New Roman" pitchFamily="18" charset="0"/>
-              </a:rPr>
-              <a:t>; ++</a:t>
-            </a:r>
-            <a:r>
-              <a:rPr kumimoji="1" lang="en-US" altLang="zh-CN" sz="2000" b="1" i="1" dirty="0">
-                <a:latin typeface="Times New Roman" pitchFamily="18" charset="0"/>
-              </a:rPr>
-              <a:t>j</a:t>
-            </a:r>
-            <a:r>
-              <a:rPr kumimoji="1" lang="en-US" altLang="zh-CN" sz="2000" b="1" dirty="0">
-                <a:latin typeface="Times New Roman" pitchFamily="18" charset="0"/>
-              </a:rPr>
-              <a:t>)</a:t>
+              <a:t>            change = false;</a:t>
             </a:r>
           </a:p>
           <a:p>
@@ -36698,6 +36648,76 @@
               <a:rPr kumimoji="1" lang="en-US" altLang="zh-CN" sz="2000" b="1" dirty="0">
                 <a:latin typeface="Times New Roman" pitchFamily="18" charset="0"/>
               </a:rPr>
+              <a:t>             for ( </a:t>
+            </a:r>
+            <a:r>
+              <a:rPr kumimoji="1" lang="en-US" altLang="zh-CN" sz="2000" b="1" i="1" dirty="0">
+                <a:latin typeface="Times New Roman" pitchFamily="18" charset="0"/>
+              </a:rPr>
+              <a:t>j </a:t>
+            </a:r>
+            <a:r>
+              <a:rPr kumimoji="1" lang="en-US" altLang="zh-CN" sz="2000" b="1" dirty="0">
+                <a:latin typeface="Times New Roman" pitchFamily="18" charset="0"/>
+              </a:rPr>
+              <a:t>= 0;  </a:t>
+            </a:r>
+            <a:r>
+              <a:rPr kumimoji="1" lang="en-US" altLang="zh-CN" sz="2000" b="1" i="1" dirty="0">
+                <a:latin typeface="Times New Roman" pitchFamily="18" charset="0"/>
+              </a:rPr>
+              <a:t>j </a:t>
+            </a:r>
+            <a:r>
+              <a:rPr kumimoji="1" lang="en-US" altLang="zh-CN" sz="2000" b="1" dirty="0">
+                <a:latin typeface="Times New Roman" pitchFamily="18" charset="0"/>
+              </a:rPr>
+              <a:t>&lt; </a:t>
+            </a:r>
+            <a:r>
+              <a:rPr kumimoji="1" lang="en-US" altLang="zh-CN" sz="2000" b="1" i="1" dirty="0" err="1">
+                <a:latin typeface="Times New Roman" pitchFamily="18" charset="0"/>
+              </a:rPr>
+              <a:t>i</a:t>
+            </a:r>
+            <a:r>
+              <a:rPr kumimoji="1" lang="en-US" altLang="zh-CN" sz="2000" b="1" dirty="0">
+                <a:latin typeface="Times New Roman" pitchFamily="18" charset="0"/>
+              </a:rPr>
+              <a:t>; ++</a:t>
+            </a:r>
+            <a:r>
+              <a:rPr kumimoji="1" lang="en-US" altLang="zh-CN" sz="2000" b="1" i="1" dirty="0">
+                <a:latin typeface="Times New Roman" pitchFamily="18" charset="0"/>
+              </a:rPr>
+              <a:t>j</a:t>
+            </a:r>
+            <a:r>
+              <a:rPr kumimoji="1" lang="en-US" altLang="zh-CN" sz="2000" b="1" dirty="0">
+                <a:latin typeface="Times New Roman" pitchFamily="18" charset="0"/>
+              </a:rPr>
+              <a:t>)</a:t>
+            </a:r>
+          </a:p>
+          <a:p>
+            <a:pPr>
+              <a:lnSpc>
+                <a:spcPct val="90000"/>
+              </a:lnSpc>
+              <a:spcBef>
+                <a:spcPct val="20000"/>
+              </a:spcBef>
+              <a:buClr>
+                <a:schemeClr val="accent2"/>
+              </a:buClr>
+              <a:buSzPct val="80000"/>
+              <a:buFont typeface="Wingdings" pitchFamily="2" charset="2"/>
+              <a:buNone/>
+            </a:pPr>
+            <a:r>
+              <a:rPr kumimoji="1" lang="en-US" altLang="zh-CN" sz="2000" b="1" dirty="0">
+                <a:latin typeface="Times New Roman" pitchFamily="18" charset="0"/>
+              </a:rPr>
               <a:t>                 if (</a:t>
             </a:r>
             <a:r>
@@ -36864,7 +36884,29 @@
               <a:rPr kumimoji="1" lang="en-US" altLang="zh-CN" sz="2000" b="1" dirty="0">
                 <a:latin typeface="Times New Roman" pitchFamily="18" charset="0"/>
               </a:rPr>
-              <a:t>} </a:t>
+              <a:t>}</a:t>
+            </a:r>
+          </a:p>
+          <a:p>
+            <a:pPr>
+              <a:lnSpc>
+                <a:spcPct val="90000"/>
+              </a:lnSpc>
+              <a:spcBef>
+                <a:spcPct val="20000"/>
+              </a:spcBef>
+              <a:buClr>
+                <a:schemeClr val="accent2"/>
+              </a:buClr>
+              <a:buSzPct val="80000"/>
+              <a:buFont typeface="Wingdings" pitchFamily="2" charset="2"/>
+              <a:buNone/>
+            </a:pPr>
+            <a:r>
+              <a:rPr kumimoji="1" lang="en-US" altLang="zh-CN" sz="2000" b="1" dirty="0">
+                <a:latin typeface="Times New Roman" pitchFamily="18" charset="0"/>
+              </a:rPr>
+              <a:t>         } </a:t>
             </a:r>
           </a:p>
           <a:p>
